--- a/papers/owled-macros-panel.pptx
+++ b/papers/owled-macros-panel.pptx
@@ -6,18 +6,26 @@
   </p:sldMasterIdLst>
   <p:sldIdLst>
     <p:sldId id="256" r:id="rId2"/>
-    <p:sldId id="260" r:id="rId3"/>
-    <p:sldId id="258" r:id="rId4"/>
-    <p:sldId id="265" r:id="rId5"/>
-    <p:sldId id="259" r:id="rId6"/>
-    <p:sldId id="261" r:id="rId7"/>
-    <p:sldId id="263" r:id="rId8"/>
-    <p:sldId id="266" r:id="rId9"/>
-    <p:sldId id="257" r:id="rId10"/>
-    <p:sldId id="268" r:id="rId11"/>
-    <p:sldId id="264" r:id="rId12"/>
-    <p:sldId id="262" r:id="rId13"/>
-    <p:sldId id="269" r:id="rId14"/>
+    <p:sldId id="274" r:id="rId3"/>
+    <p:sldId id="260" r:id="rId4"/>
+    <p:sldId id="258" r:id="rId5"/>
+    <p:sldId id="265" r:id="rId6"/>
+    <p:sldId id="270" r:id="rId7"/>
+    <p:sldId id="259" r:id="rId8"/>
+    <p:sldId id="261" r:id="rId9"/>
+    <p:sldId id="271" r:id="rId10"/>
+    <p:sldId id="272" r:id="rId11"/>
+    <p:sldId id="280" r:id="rId12"/>
+    <p:sldId id="263" r:id="rId13"/>
+    <p:sldId id="266" r:id="rId14"/>
+    <p:sldId id="273" r:id="rId15"/>
+    <p:sldId id="264" r:id="rId16"/>
+    <p:sldId id="275" r:id="rId17"/>
+    <p:sldId id="277" r:id="rId18"/>
+    <p:sldId id="279" r:id="rId19"/>
+    <p:sldId id="278" r:id="rId20"/>
+    <p:sldId id="281" r:id="rId21"/>
+    <p:sldId id="269" r:id="rId22"/>
   </p:sldIdLst>
   <p:sldSz cx="9144000" cy="6858000" type="screen4x3"/>
   <p:notesSz cx="6858000" cy="9144000"/>
@@ -3103,10 +3111,18 @@
           </a:p>
           <a:p>
             <a:r>
-              <a:rPr lang="en-US" dirty="0" smtClean="0"/>
-              <a:t>OBO Foundry</a:t>
-            </a:r>
-            <a:endParaRPr lang="en-US" dirty="0"/>
+              <a:rPr lang="en-US" dirty="0" smtClean="0">
+                <a:solidFill>
+                  <a:srgbClr val="FF0000"/>
+                </a:solidFill>
+              </a:rPr>
+              <a:t>Open Bio Ontologies Foundry</a:t>
+            </a:r>
+            <a:endParaRPr lang="en-US" dirty="0">
+              <a:solidFill>
+                <a:srgbClr val="FF0000"/>
+              </a:solidFill>
+            </a:endParaRPr>
           </a:p>
         </p:txBody>
       </p:sp>
@@ -3171,7 +3187,7 @@
         <p:spPr/>
         <p:txBody>
           <a:bodyPr>
-            <a:normAutofit fontScale="92500" lnSpcReduction="10000"/>
+            <a:normAutofit fontScale="77500" lnSpcReduction="20000"/>
           </a:bodyPr>
           <a:lstStyle/>
           <a:p>
@@ -3184,7 +3200,21 @@
             <a:pPr lvl="1"/>
             <a:r>
               <a:rPr lang="en-US" dirty="0" smtClean="0"/>
-              <a:t>Embed?</a:t>
+              <a:t>Where do the macros live?</a:t>
+            </a:r>
+          </a:p>
+          <a:p>
+            <a:pPr lvl="1"/>
+            <a:r>
+              <a:rPr lang="en-US" dirty="0" smtClean="0"/>
+              <a:t>Embed or first-class citizens</a:t>
+            </a:r>
+          </a:p>
+          <a:p>
+            <a:pPr lvl="1"/>
+            <a:r>
+              <a:rPr lang="en-US" dirty="0" smtClean="0"/>
+              <a:t>Expressivity?</a:t>
             </a:r>
           </a:p>
           <a:p>
@@ -3197,7 +3227,7 @@
             <a:pPr lvl="1"/>
             <a:r>
               <a:rPr lang="en-US" dirty="0" smtClean="0"/>
-              <a:t> </a:t>
+              <a:t>Expansion of axioms or parts of axioms? </a:t>
             </a:r>
           </a:p>
           <a:p>
@@ -3210,6 +3240,13 @@
             <a:r>
               <a:rPr lang="en-US" dirty="0" smtClean="0"/>
               <a:t>Reasoning over unexpanded ontology</a:t>
+            </a:r>
+          </a:p>
+          <a:p>
+            <a:pPr lvl="1"/>
+            <a:r>
+              <a:rPr lang="en-US" dirty="0" smtClean="0"/>
+              <a:t>allowed?</a:t>
             </a:r>
           </a:p>
           <a:p>
@@ -3292,7 +3329,7 @@
           <a:p>
             <a:r>
               <a:rPr lang="en-US" dirty="0" smtClean="0"/>
-              <a:t>Our current approach</a:t>
+              <a:t>Property chains</a:t>
             </a:r>
             <a:endParaRPr lang="en-US" dirty="0"/>
           </a:p>
@@ -3310,59 +3347,10 @@
         </p:nvSpPr>
         <p:spPr/>
         <p:txBody>
-          <a:bodyPr>
-            <a:normAutofit fontScale="92500"/>
-          </a:bodyPr>
-          <a:lstStyle/>
-          <a:p>
-            <a:r>
-              <a:rPr lang="en-US" dirty="0" smtClean="0"/>
-              <a:t>domain experts author ontologies using shortcut relations</a:t>
-            </a:r>
-          </a:p>
-          <a:p>
-            <a:pPr lvl="1"/>
-            <a:r>
-              <a:rPr lang="en-US" dirty="0" smtClean="0"/>
-              <a:t>obo or owl</a:t>
-            </a:r>
-          </a:p>
-          <a:p>
-            <a:r>
-              <a:rPr lang="en-US" dirty="0" smtClean="0"/>
-              <a:t>macros are embedded as annotation properties</a:t>
-            </a:r>
-          </a:p>
-          <a:p>
-            <a:r>
-              <a:rPr lang="en-US" dirty="0" smtClean="0"/>
-              <a:t>expansion engine rewrites ontology</a:t>
-            </a:r>
-          </a:p>
-          <a:p>
-            <a:r>
-              <a:rPr lang="en-US" dirty="0" smtClean="0"/>
-              <a:t>can reason over pre or post expanded ontology</a:t>
-            </a:r>
-          </a:p>
-          <a:p>
-            <a:r>
-              <a:rPr lang="en-US" dirty="0" smtClean="0"/>
-              <a:t>we would like to do this in a standard way</a:t>
-            </a:r>
-          </a:p>
-          <a:p>
-            <a:pPr lvl="1"/>
-            <a:r>
-              <a:rPr lang="en-US" dirty="0" smtClean="0"/>
-              <a:t>which is why we’re here</a:t>
-            </a:r>
-          </a:p>
-          <a:p>
-            <a:endParaRPr lang="en-US" dirty="0" smtClean="0"/>
-          </a:p>
-          <a:p>
-            <a:endParaRPr lang="en-US" dirty="0"/>
+          <a:bodyPr/>
+          <a:lstStyle/>
+          <a:p>
+            <a:endParaRPr lang="en-US"/>
           </a:p>
         </p:txBody>
       </p:sp>
@@ -3403,430 +3391,83 @@
         </p:nvSpPr>
         <p:spPr/>
         <p:txBody>
-          <a:bodyPr/>
-          <a:lstStyle/>
-          <a:p>
-            <a:r>
-              <a:rPr lang="en-US" dirty="0" smtClean="0"/>
-              <a:t>Split to multiple slides</a:t>
+          <a:bodyPr>
+            <a:normAutofit/>
+          </a:bodyPr>
+          <a:lstStyle/>
+          <a:p>
+            <a:r>
+              <a:rPr lang="en-US" dirty="0" smtClean="0"/>
+              <a:t>Spreadsheet translation approach</a:t>
             </a:r>
             <a:endParaRPr lang="en-US" dirty="0"/>
           </a:p>
         </p:txBody>
       </p:sp>
-      <p:graphicFrame>
-        <p:nvGraphicFramePr>
-          <p:cNvPr id="4" name="Table 3"/>
-          <p:cNvGraphicFramePr>
-            <a:graphicFrameLocks noGrp="1"/>
-          </p:cNvGraphicFramePr>
-          <p:nvPr/>
-        </p:nvGraphicFramePr>
-        <p:xfrm>
-          <a:off x="228600" y="1384301"/>
-          <a:ext cx="8305800" cy="5048536"/>
-        </p:xfrm>
-        <a:graphic>
-          <a:graphicData uri="http://schemas.openxmlformats.org/drawingml/2006/table">
-            <a:tbl>
-              <a:tblPr firstRow="1" bandRow="1">
-                <a:tableStyleId>{5C22544A-7EE6-4342-B048-85BDC9FD1C3A}</a:tableStyleId>
-              </a:tblPr>
-              <a:tblGrid>
-                <a:gridCol w="2768600"/>
-                <a:gridCol w="2768600"/>
-                <a:gridCol w="2768600"/>
-              </a:tblGrid>
-              <a:tr h="351504">
-                <a:tc>
-                  <a:txBody>
-                    <a:bodyPr/>
-                    <a:lstStyle/>
-                    <a:p>
-                      <a:r>
-                        <a:rPr lang="en-US" dirty="0" smtClean="0"/>
-                        <a:t>shortcut property</a:t>
-                      </a:r>
-                      <a:endParaRPr lang="en-US" dirty="0"/>
-                    </a:p>
-                  </a:txBody>
-                  <a:tcPr/>
-                </a:tc>
-                <a:tc>
-                  <a:txBody>
-                    <a:bodyPr/>
-                    <a:lstStyle/>
-                    <a:p>
-                      <a:r>
-                        <a:rPr lang="en-US" dirty="0" smtClean="0"/>
-                        <a:t>example</a:t>
-                      </a:r>
-                      <a:endParaRPr lang="en-US" dirty="0"/>
-                    </a:p>
-                  </a:txBody>
-                  <a:tcPr/>
-                </a:tc>
-                <a:tc>
-                  <a:txBody>
-                    <a:bodyPr/>
-                    <a:lstStyle/>
-                    <a:p>
-                      <a:r>
-                        <a:rPr lang="en-US" dirty="0" smtClean="0"/>
-                        <a:t>desired semantics</a:t>
-                      </a:r>
-                      <a:endParaRPr lang="en-US" dirty="0"/>
-                    </a:p>
-                  </a:txBody>
-                  <a:tcPr/>
-                </a:tc>
-              </a:tr>
-              <a:tr h="1105725">
-                <a:tc>
-                  <a:txBody>
-                    <a:bodyPr/>
-                    <a:lstStyle/>
-                    <a:p>
-                      <a:r>
-                        <a:rPr lang="en-US" dirty="0" smtClean="0"/>
-                        <a:t>lacks</a:t>
-                      </a:r>
-                      <a:r>
-                        <a:rPr lang="en-US" baseline="0" dirty="0" smtClean="0"/>
-                        <a:t> </a:t>
-                      </a:r>
-                      <a:r>
-                        <a:rPr lang="en-US" dirty="0" smtClean="0"/>
-                        <a:t>part</a:t>
-                      </a:r>
-                      <a:endParaRPr lang="en-US" dirty="0"/>
-                    </a:p>
-                  </a:txBody>
-                  <a:tcPr/>
-                </a:tc>
-                <a:tc>
-                  <a:txBody>
-                    <a:bodyPr/>
-                    <a:lstStyle/>
-                    <a:p>
-                      <a:r>
-                        <a:rPr lang="en-US" dirty="0" smtClean="0"/>
-                        <a:t>erythrocyte </a:t>
-                      </a:r>
-                      <a:r>
-                        <a:rPr lang="en-US" dirty="0" err="1" smtClean="0"/>
-                        <a:t>SubClassOf</a:t>
-                      </a:r>
-                      <a:r>
-                        <a:rPr lang="en-US" dirty="0" smtClean="0"/>
-                        <a:t> </a:t>
-                      </a:r>
-                      <a:r>
-                        <a:rPr lang="en-US" dirty="0" err="1" smtClean="0"/>
-                        <a:t>lacks_part</a:t>
-                      </a:r>
-                      <a:r>
-                        <a:rPr lang="en-US" dirty="0" smtClean="0"/>
-                        <a:t> value(?) nucleus</a:t>
-                      </a:r>
-                      <a:endParaRPr lang="en-US" dirty="0"/>
-                    </a:p>
-                  </a:txBody>
-                  <a:tcPr/>
-                </a:tc>
-                <a:tc>
-                  <a:txBody>
-                    <a:bodyPr/>
-                    <a:lstStyle/>
-                    <a:p>
-                      <a:pPr marL="0" marR="0" indent="0" algn="l" defTabSz="457200" rtl="0" eaLnBrk="1" fontAlgn="auto" latinLnBrk="0" hangingPunct="1">
-                        <a:lnSpc>
-                          <a:spcPct val="100000"/>
-                        </a:lnSpc>
-                        <a:spcBef>
-                          <a:spcPts val="0"/>
-                        </a:spcBef>
-                        <a:spcAft>
-                          <a:spcPts val="0"/>
-                        </a:spcAft>
-                        <a:buClrTx/>
-                        <a:buSzTx/>
-                        <a:buFontTx/>
-                        <a:buNone/>
-                        <a:tabLst/>
-                        <a:defRPr/>
-                      </a:pPr>
-                      <a:r>
-                        <a:rPr lang="en-US" dirty="0" smtClean="0"/>
-                        <a:t>erythrocyte has_part exactly 0 nucleus</a:t>
-                      </a:r>
-                    </a:p>
-                    <a:p>
-                      <a:endParaRPr lang="en-US" dirty="0"/>
-                    </a:p>
-                  </a:txBody>
-                  <a:tcPr/>
-                </a:tc>
-              </a:tr>
-              <a:tr h="1859946">
-                <a:tc>
-                  <a:txBody>
-                    <a:bodyPr/>
-                    <a:lstStyle/>
-                    <a:p>
-                      <a:r>
-                        <a:rPr lang="en-US" dirty="0" smtClean="0"/>
-                        <a:t>lacks</a:t>
-                      </a:r>
-                      <a:r>
-                        <a:rPr lang="en-US" baseline="0" dirty="0" smtClean="0"/>
-                        <a:t> </a:t>
-                      </a:r>
-                      <a:r>
-                        <a:rPr lang="en-US" dirty="0" smtClean="0"/>
-                        <a:t>plasma</a:t>
-                      </a:r>
-                      <a:r>
-                        <a:rPr lang="en-US" baseline="0" dirty="0" smtClean="0"/>
-                        <a:t> </a:t>
-                      </a:r>
-                      <a:r>
-                        <a:rPr lang="en-US" dirty="0" smtClean="0"/>
-                        <a:t>membrane part</a:t>
-                      </a:r>
-                      <a:endParaRPr lang="en-US" dirty="0"/>
-                    </a:p>
-                  </a:txBody>
-                  <a:tcPr/>
-                </a:tc>
-                <a:tc>
-                  <a:txBody>
-                    <a:bodyPr/>
-                    <a:lstStyle/>
-                    <a:p>
-                      <a:r>
-                        <a:rPr lang="en-US" dirty="0" smtClean="0"/>
-                        <a:t>B1b-B cell </a:t>
-                      </a:r>
-                      <a:r>
-                        <a:rPr lang="en-US" dirty="0" err="1" smtClean="0"/>
-                        <a:t>EquivalentTo</a:t>
-                      </a:r>
-                      <a:r>
-                        <a:rPr lang="en-US" dirty="0" smtClean="0"/>
-                        <a:t> (B1-B cell and lacks plasma membrane part value(?) CD5)  </a:t>
-                      </a:r>
-                      <a:endParaRPr lang="en-US" dirty="0"/>
-                    </a:p>
-                  </a:txBody>
-                  <a:tcPr/>
-                </a:tc>
-                <a:tc>
-                  <a:txBody>
-                    <a:bodyPr/>
-                    <a:lstStyle/>
-                    <a:p>
-                      <a:pPr marL="0" marR="0" indent="0" algn="l" defTabSz="457200" rtl="0" eaLnBrk="1" fontAlgn="auto" latinLnBrk="0" hangingPunct="1">
-                        <a:lnSpc>
-                          <a:spcPct val="100000"/>
-                        </a:lnSpc>
-                        <a:spcBef>
-                          <a:spcPts val="0"/>
-                        </a:spcBef>
-                        <a:spcAft>
-                          <a:spcPts val="0"/>
-                        </a:spcAft>
-                        <a:buClrTx/>
-                        <a:buSzTx/>
-                        <a:buFontTx/>
-                        <a:buNone/>
-                        <a:tabLst/>
-                        <a:defRPr/>
-                      </a:pPr>
-                      <a:r>
-                        <a:rPr lang="en-US" dirty="0" smtClean="0"/>
-                        <a:t>B1b-B cell </a:t>
-                      </a:r>
-                      <a:r>
-                        <a:rPr lang="en-US" dirty="0" err="1" smtClean="0"/>
-                        <a:t>EquivalentTo</a:t>
-                      </a:r>
-                      <a:r>
-                        <a:rPr lang="en-US" dirty="0" smtClean="0"/>
-                        <a:t> (B1-B cell and has part exactly 0 (plasma membrane and has_part some  CD5)  </a:t>
-                      </a:r>
-                    </a:p>
-                    <a:p>
-                      <a:endParaRPr lang="en-US" dirty="0"/>
-                    </a:p>
-                  </a:txBody>
-                  <a:tcPr/>
-                </a:tc>
-              </a:tr>
-              <a:tr h="339865">
-                <a:tc>
-                  <a:txBody>
-                    <a:bodyPr/>
-                    <a:lstStyle/>
-                    <a:p>
-                      <a:endParaRPr lang="en-US"/>
-                    </a:p>
-                  </a:txBody>
-                  <a:tcPr/>
-                </a:tc>
-                <a:tc>
-                  <a:txBody>
-                    <a:bodyPr/>
-                    <a:lstStyle/>
-                    <a:p>
-                      <a:endParaRPr lang="en-US"/>
-                    </a:p>
-                  </a:txBody>
-                  <a:tcPr/>
-                </a:tc>
-                <a:tc>
-                  <a:txBody>
-                    <a:bodyPr/>
-                    <a:lstStyle/>
-                    <a:p>
-                      <a:endParaRPr lang="en-US"/>
-                    </a:p>
-                  </a:txBody>
-                  <a:tcPr/>
-                </a:tc>
-              </a:tr>
-              <a:tr h="339865">
-                <a:tc>
-                  <a:txBody>
-                    <a:bodyPr/>
-                    <a:lstStyle/>
-                    <a:p>
-                      <a:endParaRPr lang="en-US"/>
-                    </a:p>
-                  </a:txBody>
-                  <a:tcPr/>
-                </a:tc>
-                <a:tc>
-                  <a:txBody>
-                    <a:bodyPr/>
-                    <a:lstStyle/>
-                    <a:p>
-                      <a:endParaRPr lang="en-US"/>
-                    </a:p>
-                  </a:txBody>
-                  <a:tcPr/>
-                </a:tc>
-                <a:tc>
-                  <a:txBody>
-                    <a:bodyPr/>
-                    <a:lstStyle/>
-                    <a:p>
-                      <a:endParaRPr lang="en-US"/>
-                    </a:p>
-                  </a:txBody>
-                  <a:tcPr/>
-                </a:tc>
-              </a:tr>
-              <a:tr h="339865">
-                <a:tc>
-                  <a:txBody>
-                    <a:bodyPr/>
-                    <a:lstStyle/>
-                    <a:p>
-                      <a:endParaRPr lang="en-US"/>
-                    </a:p>
-                  </a:txBody>
-                  <a:tcPr/>
-                </a:tc>
-                <a:tc>
-                  <a:txBody>
-                    <a:bodyPr/>
-                    <a:lstStyle/>
-                    <a:p>
-                      <a:endParaRPr lang="en-US"/>
-                    </a:p>
-                  </a:txBody>
-                  <a:tcPr/>
-                </a:tc>
-                <a:tc>
-                  <a:txBody>
-                    <a:bodyPr/>
-                    <a:lstStyle/>
-                    <a:p>
-                      <a:endParaRPr lang="en-US"/>
-                    </a:p>
-                  </a:txBody>
-                  <a:tcPr/>
-                </a:tc>
-              </a:tr>
-              <a:tr h="339865">
-                <a:tc>
-                  <a:txBody>
-                    <a:bodyPr/>
-                    <a:lstStyle/>
-                    <a:p>
-                      <a:endParaRPr lang="en-US"/>
-                    </a:p>
-                  </a:txBody>
-                  <a:tcPr/>
-                </a:tc>
-                <a:tc>
-                  <a:txBody>
-                    <a:bodyPr/>
-                    <a:lstStyle/>
-                    <a:p>
-                      <a:endParaRPr lang="en-US"/>
-                    </a:p>
-                  </a:txBody>
-                  <a:tcPr/>
-                </a:tc>
-                <a:tc>
-                  <a:txBody>
-                    <a:bodyPr/>
-                    <a:lstStyle/>
-                    <a:p>
-                      <a:endParaRPr lang="en-US"/>
-                    </a:p>
-                  </a:txBody>
-                  <a:tcPr/>
-                </a:tc>
-              </a:tr>
-              <a:tr h="339865">
-                <a:tc>
-                  <a:txBody>
-                    <a:bodyPr/>
-                    <a:lstStyle/>
-                    <a:p>
-                      <a:endParaRPr lang="en-US"/>
-                    </a:p>
-                  </a:txBody>
-                  <a:tcPr/>
-                </a:tc>
-                <a:tc>
-                  <a:txBody>
-                    <a:bodyPr/>
-                    <a:lstStyle/>
-                    <a:p>
-                      <a:endParaRPr lang="en-US"/>
-                    </a:p>
-                  </a:txBody>
-                  <a:tcPr/>
-                </a:tc>
-                <a:tc>
-                  <a:txBody>
-                    <a:bodyPr/>
-                    <a:lstStyle/>
-                    <a:p>
-                      <a:endParaRPr lang="en-US" dirty="0"/>
-                    </a:p>
-                  </a:txBody>
-                  <a:tcPr/>
-                </a:tc>
-              </a:tr>
-            </a:tbl>
-          </a:graphicData>
-        </a:graphic>
-      </p:graphicFrame>
+      <p:sp>
+        <p:nvSpPr>
+          <p:cNvPr id="3" name="Content Placeholder 2"/>
+          <p:cNvSpPr>
+            <a:spLocks noGrp="1"/>
+          </p:cNvSpPr>
+          <p:nvPr>
+            <p:ph idx="1"/>
+          </p:nvPr>
+        </p:nvSpPr>
+        <p:spPr/>
+        <p:txBody>
+          <a:bodyPr>
+            <a:normAutofit lnSpcReduction="10000"/>
+          </a:bodyPr>
+          <a:lstStyle/>
+          <a:p>
+            <a:r>
+              <a:rPr lang="en-US" dirty="0" smtClean="0"/>
+              <a:t>Domain experts use spreadsheets</a:t>
+            </a:r>
+          </a:p>
+          <a:p>
+            <a:r>
+              <a:rPr lang="en-US" dirty="0" smtClean="0"/>
+              <a:t>We write translations that generate OWL from spreadsheets</a:t>
+            </a:r>
+          </a:p>
+          <a:p>
+            <a:r>
+              <a:rPr lang="en-US" dirty="0" smtClean="0"/>
+              <a:t>Problem:</a:t>
+            </a:r>
+          </a:p>
+          <a:p>
+            <a:pPr lvl="1"/>
+            <a:r>
+              <a:rPr lang="en-US" dirty="0" smtClean="0"/>
+              <a:t>Not optimal for all communities</a:t>
+            </a:r>
+          </a:p>
+          <a:p>
+            <a:pPr lvl="1"/>
+            <a:r>
+              <a:rPr lang="en-US" dirty="0" smtClean="0"/>
+              <a:t>Many domain experts are semi-comfortable in OWL environments</a:t>
+            </a:r>
+          </a:p>
+          <a:p>
+            <a:pPr lvl="2"/>
+            <a:r>
+              <a:rPr lang="en-US" dirty="0" smtClean="0"/>
+              <a:t>we want to encourage this</a:t>
+            </a:r>
+          </a:p>
+          <a:p>
+            <a:pPr lvl="1"/>
+            <a:r>
+              <a:rPr lang="en-US" dirty="0" smtClean="0"/>
+              <a:t>original spreadsheet abstraction is lost</a:t>
+            </a:r>
+          </a:p>
+        </p:txBody>
+      </p:sp>
     </p:spTree>
   </p:cSld>
   <p:clrMapOvr>
@@ -3869,7 +3510,7 @@
           <a:p>
             <a:r>
               <a:rPr lang="en-US" dirty="0" smtClean="0"/>
-              <a:t>Conclusions</a:t>
+              <a:t>obo2owl approach</a:t>
             </a:r>
             <a:endParaRPr lang="en-US" dirty="0"/>
           </a:p>
@@ -3887,26 +3528,2568 @@
         </p:nvSpPr>
         <p:spPr/>
         <p:txBody>
+          <a:bodyPr>
+            <a:normAutofit fontScale="85000" lnSpcReduction="10000"/>
+          </a:bodyPr>
+          <a:lstStyle/>
+          <a:p>
+            <a:r>
+              <a:rPr dirty="0" smtClean="0">
+                <a:hlinkClick r:id="rId2"/>
+              </a:rPr>
+              <a:t>Relational patterns in OWL and their application to OBO</a:t>
+            </a:r>
+            <a:r>
+              <a:rPr dirty="0" smtClean="0"/>
+              <a:t> </a:t>
+            </a:r>
+            <a:br>
+              <a:rPr dirty="0" smtClean="0"/>
+            </a:br>
+            <a:r>
+              <a:rPr i="1" dirty="0" smtClean="0"/>
+              <a:t>Robert Hoehndorf, Anika Oellrich, Michel Dumontier, Heinrich Herre and Dietrich Rebholz-Schuhmann</a:t>
+            </a:r>
+            <a:endParaRPr lang="en-US" dirty="0" smtClean="0"/>
+          </a:p>
+          <a:p>
+            <a:r>
+              <a:rPr lang="en-US" dirty="0" smtClean="0"/>
+              <a:t>Ontology is authored in obo format</a:t>
+            </a:r>
+          </a:p>
+          <a:p>
+            <a:r>
+              <a:rPr lang="en-US" dirty="0" smtClean="0"/>
+              <a:t>Macro expansion is part of obo2owl translation</a:t>
+            </a:r>
+          </a:p>
+          <a:p>
+            <a:r>
+              <a:rPr lang="en-US" dirty="0" smtClean="0"/>
+              <a:t>Limitations:</a:t>
+            </a:r>
+          </a:p>
+          <a:p>
+            <a:pPr lvl="1"/>
+            <a:r>
+              <a:rPr lang="en-US" dirty="0" smtClean="0"/>
+              <a:t>shortcut properties only existing in obo</a:t>
+            </a:r>
+          </a:p>
+          <a:p>
+            <a:pPr lvl="1"/>
+            <a:r>
+              <a:rPr lang="en-US" dirty="0" smtClean="0"/>
+              <a:t>lost when translated to owl</a:t>
+            </a:r>
+          </a:p>
+          <a:p>
+            <a:pPr lvl="1"/>
+            <a:r>
+              <a:rPr lang="en-US" dirty="0" smtClean="0"/>
+              <a:t>does not deal with equivalence axioms</a:t>
+            </a:r>
+          </a:p>
+        </p:txBody>
+      </p:sp>
+    </p:spTree>
+  </p:cSld>
+  <p:clrMapOvr>
+    <a:masterClrMapping/>
+  </p:clrMapOvr>
+</p:sld>
+</file>
+
+<file path=ppt/slides/slide14.xml><?xml version="1.0" encoding="utf-8"?>
+<p:sld xmlns:a="http://schemas.openxmlformats.org/drawingml/2006/main" xmlns:r="http://schemas.openxmlformats.org/officeDocument/2006/relationships" xmlns:mc="http://schemas.openxmlformats.org/markup-compatibility/2006" xmlns:mv="urn:schemas-microsoft-com:mac:vml" xmlns:p="http://schemas.openxmlformats.org/presentationml/2006/main" mc:Ignorable="mv" mc:PreserveAttributes="mv:*">
+  <p:cSld>
+    <p:spTree>
+      <p:nvGrpSpPr>
+        <p:cNvPr id="1" name=""/>
+        <p:cNvGrpSpPr/>
+        <p:nvPr/>
+      </p:nvGrpSpPr>
+      <p:grpSpPr>
+        <a:xfrm>
+          <a:off x="0" y="0"/>
+          <a:ext cx="0" cy="0"/>
+          <a:chOff x="0" y="0"/>
+          <a:chExt cx="0" cy="0"/>
+        </a:xfrm>
+      </p:grpSpPr>
+      <p:sp>
+        <p:nvSpPr>
+          <p:cNvPr id="2" name="Title 1"/>
+          <p:cNvSpPr>
+            <a:spLocks noGrp="1"/>
+          </p:cNvSpPr>
+          <p:nvPr>
+            <p:ph type="title"/>
+          </p:nvPr>
+        </p:nvSpPr>
+        <p:spPr/>
+        <p:txBody>
           <a:bodyPr/>
           <a:lstStyle/>
           <a:p>
             <a:r>
               <a:rPr lang="en-US" dirty="0" smtClean="0"/>
-              <a:t>Hand authoring complex OWL is difficult</a:t>
-            </a:r>
-          </a:p>
-          <a:p>
-            <a:r>
-              <a:rPr lang="en-US" dirty="0" smtClean="0"/>
-              <a:t>Different people approach this differently</a:t>
-            </a:r>
-          </a:p>
-          <a:p>
-            <a:r>
-              <a:rPr lang="en-US" dirty="0" smtClean="0"/>
-              <a:t>We want a single standard solution</a:t>
+              <a:t>OPPL2 approach</a:t>
             </a:r>
             <a:endParaRPr lang="en-US" dirty="0"/>
+          </a:p>
+        </p:txBody>
+      </p:sp>
+      <p:sp>
+        <p:nvSpPr>
+          <p:cNvPr id="3" name="Content Placeholder 2"/>
+          <p:cNvSpPr>
+            <a:spLocks noGrp="1"/>
+          </p:cNvSpPr>
+          <p:nvPr>
+            <p:ph idx="1"/>
+          </p:nvPr>
+        </p:nvSpPr>
+        <p:spPr/>
+        <p:txBody>
+          <a:bodyPr>
+            <a:normAutofit fontScale="92500" lnSpcReduction="20000"/>
+          </a:bodyPr>
+          <a:lstStyle/>
+          <a:p>
+            <a:r>
+              <a:rPr lang="en-US" dirty="0" smtClean="0"/>
+              <a:t>Write OPPL2 queries:</a:t>
+            </a:r>
+          </a:p>
+          <a:p>
+            <a:pPr lvl="1"/>
+            <a:r>
+              <a:rPr lang="en-US" dirty="0" smtClean="0"/>
+              <a:t>SELECT ?</a:t>
+            </a:r>
+            <a:r>
+              <a:rPr lang="en-US" dirty="0" err="1" smtClean="0"/>
+              <a:t>x</a:t>
+            </a:r>
+            <a:r>
+              <a:rPr lang="en-US" dirty="0" smtClean="0"/>
+              <a:t> </a:t>
+            </a:r>
+            <a:r>
+              <a:rPr lang="en-US" dirty="0" err="1" smtClean="0"/>
+              <a:t>SubClassOf</a:t>
+            </a:r>
+            <a:r>
+              <a:rPr lang="en-US" dirty="0" smtClean="0"/>
+              <a:t> </a:t>
+            </a:r>
+            <a:r>
+              <a:rPr lang="en-US" dirty="0" err="1" smtClean="0"/>
+              <a:t>synapsed_to</a:t>
+            </a:r>
+            <a:r>
+              <a:rPr lang="en-US" dirty="0" smtClean="0"/>
+              <a:t> some ?</a:t>
+            </a:r>
+            <a:r>
+              <a:rPr lang="en-US" dirty="0" err="1" smtClean="0"/>
+              <a:t>y</a:t>
+            </a:r>
+            <a:endParaRPr lang="en-US" dirty="0" smtClean="0"/>
+          </a:p>
+          <a:p>
+            <a:pPr>
+              <a:buFont typeface="Arial" charset="0"/>
+              <a:buNone/>
+            </a:pPr>
+            <a:r>
+              <a:rPr lang="en-US" dirty="0" smtClean="0"/>
+              <a:t>			ADD </a:t>
+            </a:r>
+            <a:r>
+              <a:rPr lang="en-US" sz="2400" i="1" dirty="0" smtClean="0">
+                <a:solidFill>
+                  <a:srgbClr val="FF0000"/>
+                </a:solidFill>
+              </a:rPr>
+              <a:t>?X</a:t>
+            </a:r>
+            <a:r>
+              <a:rPr lang="en-US" sz="1700" i="1" dirty="0" smtClean="0">
+                <a:solidFill>
+                  <a:srgbClr val="FF0000"/>
+                </a:solidFill>
+              </a:rPr>
+              <a:t> </a:t>
+            </a:r>
+            <a:r>
+              <a:rPr lang="en-US" sz="1700" dirty="0" err="1" smtClean="0"/>
+              <a:t>SubclassOf</a:t>
+            </a:r>
+            <a:r>
+              <a:rPr lang="en-US" sz="1700" dirty="0" smtClean="0"/>
+              <a:t> (</a:t>
+            </a:r>
+          </a:p>
+          <a:p>
+            <a:pPr lvl="2">
+              <a:buFont typeface="Arial" charset="0"/>
+              <a:buNone/>
+            </a:pPr>
+            <a:r>
+              <a:rPr lang="en-US" sz="1700" b="1" dirty="0" smtClean="0"/>
+              <a:t>has_part</a:t>
+            </a:r>
+            <a:r>
+              <a:rPr lang="en-US" sz="1700" dirty="0" smtClean="0"/>
+              <a:t> </a:t>
+            </a:r>
+            <a:r>
+              <a:rPr lang="en-US" sz="1700" dirty="0" smtClean="0">
+                <a:solidFill>
+                  <a:srgbClr val="0000FF"/>
+                </a:solidFill>
+              </a:rPr>
+              <a:t>some </a:t>
+            </a:r>
+            <a:r>
+              <a:rPr lang="en-US" sz="1700" dirty="0" smtClean="0"/>
+              <a:t>(</a:t>
+            </a:r>
+          </a:p>
+          <a:p>
+            <a:pPr lvl="3">
+              <a:buFont typeface="Arial" charset="0"/>
+              <a:buNone/>
+            </a:pPr>
+            <a:r>
+              <a:rPr lang="en-US" sz="1700" dirty="0" smtClean="0"/>
+              <a:t>‘pre-synaptic membrane ; GO_0042734’ </a:t>
+            </a:r>
+            <a:r>
+              <a:rPr lang="en-US" sz="1700" dirty="0" smtClean="0">
+                <a:solidFill>
+                  <a:srgbClr val="0000FF"/>
+                </a:solidFill>
+              </a:rPr>
+              <a:t>that </a:t>
+            </a:r>
+            <a:r>
+              <a:rPr lang="en-US" sz="1700" b="1" dirty="0" smtClean="0"/>
+              <a:t>part_of</a:t>
+            </a:r>
+            <a:r>
+              <a:rPr lang="en-US" sz="1700" dirty="0" smtClean="0"/>
+              <a:t> </a:t>
+            </a:r>
+            <a:r>
+              <a:rPr lang="en-US" sz="1700" dirty="0" smtClean="0">
+                <a:solidFill>
+                  <a:srgbClr val="0000FF"/>
+                </a:solidFill>
+              </a:rPr>
+              <a:t>some </a:t>
+            </a:r>
+            <a:r>
+              <a:rPr lang="en-US" sz="1700" dirty="0" smtClean="0"/>
+              <a:t>( </a:t>
+            </a:r>
+          </a:p>
+          <a:p>
+            <a:pPr lvl="3">
+              <a:buFont typeface="Arial" charset="0"/>
+              <a:buNone/>
+            </a:pPr>
+            <a:r>
+              <a:rPr lang="en-US" sz="1700" dirty="0" smtClean="0"/>
+              <a:t>	‘synapse ; GO_0045202’ </a:t>
+            </a:r>
+            <a:r>
+              <a:rPr lang="en-US" sz="1700" dirty="0" smtClean="0">
+                <a:solidFill>
+                  <a:srgbClr val="0000FF"/>
+                </a:solidFill>
+              </a:rPr>
+              <a:t>that </a:t>
+            </a:r>
+            <a:r>
+              <a:rPr lang="en-US" sz="1700" b="1" dirty="0" smtClean="0"/>
+              <a:t>has_part</a:t>
+            </a:r>
+            <a:r>
+              <a:rPr lang="en-US" sz="1700" dirty="0" smtClean="0"/>
+              <a:t> </a:t>
+            </a:r>
+            <a:r>
+              <a:rPr lang="en-US" sz="1700" dirty="0" smtClean="0">
+                <a:solidFill>
+                  <a:srgbClr val="0000FF"/>
+                </a:solidFill>
+              </a:rPr>
+              <a:t>some </a:t>
+            </a:r>
+            <a:r>
+              <a:rPr lang="en-US" sz="1700" dirty="0" smtClean="0"/>
+              <a:t>(</a:t>
+            </a:r>
+          </a:p>
+          <a:p>
+            <a:pPr lvl="3">
+              <a:buFont typeface="Arial" charset="0"/>
+              <a:buNone/>
+            </a:pPr>
+            <a:r>
+              <a:rPr lang="en-US" sz="1700" dirty="0" smtClean="0"/>
+              <a:t>			‘post-synaptic membrane ; GO_0045211’ </a:t>
+            </a:r>
+            <a:r>
+              <a:rPr lang="en-US" sz="1700" dirty="0" smtClean="0">
+                <a:solidFill>
+                  <a:srgbClr val="0000FF"/>
+                </a:solidFill>
+              </a:rPr>
+              <a:t>that </a:t>
+            </a:r>
+            <a:r>
+              <a:rPr lang="en-US" sz="1700" b="1" dirty="0" smtClean="0"/>
+              <a:t>part_of</a:t>
+            </a:r>
+            <a:r>
+              <a:rPr lang="en-US" sz="1700" dirty="0" smtClean="0"/>
+              <a:t> some </a:t>
+            </a:r>
+            <a:r>
+              <a:rPr lang="en-US" sz="2400" i="1" dirty="0" smtClean="0">
+                <a:solidFill>
+                  <a:srgbClr val="FF0000"/>
+                </a:solidFill>
+              </a:rPr>
+              <a:t>?Y</a:t>
+            </a:r>
+            <a:r>
+              <a:rPr lang="en-US" sz="2100" dirty="0" smtClean="0"/>
+              <a:t>))))</a:t>
+            </a:r>
+          </a:p>
+          <a:p>
+            <a:r>
+              <a:rPr lang="en-US" dirty="0" smtClean="0"/>
+              <a:t>Limitations: axiom-level</a:t>
+            </a:r>
+          </a:p>
+          <a:p>
+            <a:pPr lvl="1"/>
+            <a:r>
+              <a:rPr lang="en-US" dirty="0" smtClean="0"/>
+              <a:t>we would like to replace arbitrary expressions</a:t>
+            </a:r>
+          </a:p>
+          <a:p>
+            <a:r>
+              <a:rPr lang="en-US" dirty="0" smtClean="0"/>
+              <a:t>Can we make the OPPL2 queries part of the ontology?</a:t>
+            </a:r>
+          </a:p>
+          <a:p>
+            <a:endParaRPr lang="en-US" dirty="0"/>
+          </a:p>
+        </p:txBody>
+      </p:sp>
+    </p:spTree>
+  </p:cSld>
+  <p:clrMapOvr>
+    <a:masterClrMapping/>
+  </p:clrMapOvr>
+</p:sld>
+</file>
+
+<file path=ppt/slides/slide15.xml><?xml version="1.0" encoding="utf-8"?>
+<p:sld xmlns:a="http://schemas.openxmlformats.org/drawingml/2006/main" xmlns:r="http://schemas.openxmlformats.org/officeDocument/2006/relationships" xmlns:mc="http://schemas.openxmlformats.org/markup-compatibility/2006" xmlns:mv="urn:schemas-microsoft-com:mac:vml" xmlns:p="http://schemas.openxmlformats.org/presentationml/2006/main" mc:Ignorable="mv" mc:PreserveAttributes="mv:*">
+  <p:cSld>
+    <p:spTree>
+      <p:nvGrpSpPr>
+        <p:cNvPr id="1" name=""/>
+        <p:cNvGrpSpPr/>
+        <p:nvPr/>
+      </p:nvGrpSpPr>
+      <p:grpSpPr>
+        <a:xfrm>
+          <a:off x="0" y="0"/>
+          <a:ext cx="0" cy="0"/>
+          <a:chOff x="0" y="0"/>
+          <a:chExt cx="0" cy="0"/>
+        </a:xfrm>
+      </p:grpSpPr>
+      <p:sp>
+        <p:nvSpPr>
+          <p:cNvPr id="2" name="Title 1"/>
+          <p:cNvSpPr>
+            <a:spLocks noGrp="1"/>
+          </p:cNvSpPr>
+          <p:nvPr>
+            <p:ph type="title"/>
+          </p:nvPr>
+        </p:nvSpPr>
+        <p:spPr/>
+        <p:txBody>
+          <a:bodyPr/>
+          <a:lstStyle/>
+          <a:p>
+            <a:r>
+              <a:rPr lang="en-US" dirty="0" smtClean="0"/>
+              <a:t>Our current approach</a:t>
+            </a:r>
+            <a:endParaRPr lang="en-US" dirty="0"/>
+          </a:p>
+        </p:txBody>
+      </p:sp>
+      <p:sp>
+        <p:nvSpPr>
+          <p:cNvPr id="3" name="Content Placeholder 2"/>
+          <p:cNvSpPr>
+            <a:spLocks noGrp="1"/>
+          </p:cNvSpPr>
+          <p:nvPr>
+            <p:ph idx="1"/>
+          </p:nvPr>
+        </p:nvSpPr>
+        <p:spPr/>
+        <p:txBody>
+          <a:bodyPr>
+            <a:normAutofit fontScale="92500"/>
+          </a:bodyPr>
+          <a:lstStyle/>
+          <a:p>
+            <a:r>
+              <a:rPr lang="en-US" dirty="0" smtClean="0"/>
+              <a:t>domain experts author ontologies using shortcut relations</a:t>
+            </a:r>
+          </a:p>
+          <a:p>
+            <a:pPr lvl="1"/>
+            <a:r>
+              <a:rPr lang="en-US" dirty="0" smtClean="0"/>
+              <a:t>obo or owl</a:t>
+            </a:r>
+          </a:p>
+          <a:p>
+            <a:r>
+              <a:rPr lang="en-US" dirty="0" smtClean="0"/>
+              <a:t>macros are embedded as annotation properties</a:t>
+            </a:r>
+          </a:p>
+          <a:p>
+            <a:r>
+              <a:rPr lang="en-US" dirty="0" smtClean="0"/>
+              <a:t>expansion engine rewrites ontology</a:t>
+            </a:r>
+          </a:p>
+          <a:p>
+            <a:r>
+              <a:rPr lang="en-US" dirty="0" smtClean="0"/>
+              <a:t>can reason over pre or post expanded ontology</a:t>
+            </a:r>
+          </a:p>
+          <a:p>
+            <a:r>
+              <a:rPr lang="en-US" dirty="0" smtClean="0"/>
+              <a:t>we would like to do this in a standard way</a:t>
+            </a:r>
+          </a:p>
+          <a:p>
+            <a:pPr lvl="1"/>
+            <a:r>
+              <a:rPr lang="en-US" dirty="0" smtClean="0"/>
+              <a:t>which is why we’re here</a:t>
+            </a:r>
+          </a:p>
+          <a:p>
+            <a:endParaRPr lang="en-US" dirty="0" smtClean="0"/>
+          </a:p>
+          <a:p>
+            <a:endParaRPr lang="en-US" dirty="0"/>
+          </a:p>
+        </p:txBody>
+      </p:sp>
+    </p:spTree>
+  </p:cSld>
+  <p:clrMapOvr>
+    <a:masterClrMapping/>
+  </p:clrMapOvr>
+</p:sld>
+</file>
+
+<file path=ppt/slides/slide16.xml><?xml version="1.0" encoding="utf-8"?>
+<p:sld xmlns:a="http://schemas.openxmlformats.org/drawingml/2006/main" xmlns:r="http://schemas.openxmlformats.org/officeDocument/2006/relationships" xmlns:mc="http://schemas.openxmlformats.org/markup-compatibility/2006" xmlns:mv="urn:schemas-microsoft-com:mac:vml" xmlns:p="http://schemas.openxmlformats.org/presentationml/2006/main" mc:Ignorable="mv" mc:PreserveAttributes="mv:*">
+  <p:cSld>
+    <p:spTree>
+      <p:nvGrpSpPr>
+        <p:cNvPr id="1" name=""/>
+        <p:cNvGrpSpPr/>
+        <p:nvPr/>
+      </p:nvGrpSpPr>
+      <p:grpSpPr>
+        <a:xfrm>
+          <a:off x="0" y="0"/>
+          <a:ext cx="0" cy="0"/>
+          <a:chOff x="0" y="0"/>
+          <a:chExt cx="0" cy="0"/>
+        </a:xfrm>
+      </p:grpSpPr>
+      <p:sp>
+        <p:nvSpPr>
+          <p:cNvPr id="2" name="Title 1"/>
+          <p:cNvSpPr>
+            <a:spLocks noGrp="1"/>
+          </p:cNvSpPr>
+          <p:nvPr>
+            <p:ph type="title"/>
+          </p:nvPr>
+        </p:nvSpPr>
+        <p:spPr/>
+        <p:txBody>
+          <a:bodyPr/>
+          <a:lstStyle/>
+          <a:p>
+            <a:r>
+              <a:rPr lang="en-US" dirty="0" smtClean="0"/>
+              <a:t>Example: synapses</a:t>
+            </a:r>
+            <a:endParaRPr lang="en-US" dirty="0"/>
+          </a:p>
+        </p:txBody>
+      </p:sp>
+      <p:sp>
+        <p:nvSpPr>
+          <p:cNvPr id="4" name="Rectangle 3"/>
+          <p:cNvSpPr/>
+          <p:nvPr/>
+        </p:nvSpPr>
+        <p:spPr>
+          <a:xfrm>
+            <a:off x="457200" y="1600200"/>
+            <a:ext cx="4572000" cy="2677656"/>
+          </a:xfrm>
+          <a:prstGeom prst="rect">
+            <a:avLst/>
+          </a:prstGeom>
+        </p:spPr>
+        <p:txBody>
+          <a:bodyPr wrap="square">
+            <a:spAutoFit/>
+          </a:bodyPr>
+          <a:lstStyle/>
+          <a:p>
+            <a:pPr>
+              <a:buFont typeface="Arial" charset="0"/>
+              <a:buNone/>
+            </a:pPr>
+            <a:r>
+              <a:rPr lang="en-US" sz="2400" b="1" dirty="0" err="1" smtClean="0"/>
+              <a:t>ObjectProperty</a:t>
+            </a:r>
+            <a:r>
+              <a:rPr lang="en-US" sz="2400" dirty="0" smtClean="0"/>
+              <a:t>: </a:t>
+            </a:r>
+            <a:r>
+              <a:rPr lang="en-US" sz="2400" dirty="0" err="1" smtClean="0"/>
+              <a:t>synapsed_to</a:t>
+            </a:r>
+            <a:endParaRPr lang="en-US" sz="2400" dirty="0" smtClean="0"/>
+          </a:p>
+          <a:p>
+            <a:pPr>
+              <a:buFont typeface="Arial" charset="0"/>
+              <a:buNone/>
+            </a:pPr>
+            <a:r>
+              <a:rPr lang="en-US" sz="2400" b="1" dirty="0" smtClean="0"/>
+              <a:t>Annotations</a:t>
+            </a:r>
+            <a:r>
+              <a:rPr lang="en-US" sz="2400" dirty="0" smtClean="0"/>
+              <a:t>: </a:t>
+            </a:r>
+            <a:r>
+              <a:rPr lang="en-US" sz="2400" dirty="0" err="1" smtClean="0"/>
+              <a:t>expandExpressionTo</a:t>
+            </a:r>
+            <a:r>
+              <a:rPr lang="en-US" sz="2400" dirty="0" smtClean="0"/>
+              <a:t> “</a:t>
+            </a:r>
+            <a:r>
+              <a:rPr lang="en-US" sz="2400" dirty="0" smtClean="0"/>
+              <a:t/>
+            </a:r>
+            <a:br>
+              <a:rPr lang="en-US" sz="2400" dirty="0" smtClean="0"/>
+            </a:br>
+            <a:r>
+              <a:rPr lang="en-US" sz="1700" dirty="0" smtClean="0"/>
+              <a:t>  </a:t>
+            </a:r>
+            <a:r>
+              <a:rPr lang="en-US" sz="1700" b="1" dirty="0" smtClean="0"/>
+              <a:t>has_part</a:t>
+            </a:r>
+            <a:r>
+              <a:rPr lang="en-US" sz="1700" dirty="0" smtClean="0"/>
+              <a:t> </a:t>
+            </a:r>
+            <a:r>
+              <a:rPr lang="en-US" sz="1700" dirty="0" smtClean="0">
+                <a:solidFill>
+                  <a:srgbClr val="0000FF"/>
+                </a:solidFill>
+              </a:rPr>
+              <a:t>some </a:t>
+            </a:r>
+            <a:r>
+              <a:rPr lang="en-US" sz="1700" dirty="0" smtClean="0"/>
+              <a:t>(</a:t>
+            </a:r>
+          </a:p>
+          <a:p>
+            <a:pPr>
+              <a:buFont typeface="Arial" charset="0"/>
+              <a:buNone/>
+            </a:pPr>
+            <a:r>
+              <a:rPr lang="en-US" sz="1700" dirty="0"/>
+              <a:t> </a:t>
+            </a:r>
+            <a:r>
+              <a:rPr lang="en-US" sz="1700" dirty="0" smtClean="0"/>
+              <a:t>‘pre-synaptic membrane’ </a:t>
+            </a:r>
+            <a:r>
+              <a:rPr lang="en-US" sz="1700" dirty="0" smtClean="0">
+                <a:solidFill>
+                  <a:srgbClr val="0000FF"/>
+                </a:solidFill>
+              </a:rPr>
+              <a:t>that </a:t>
+            </a:r>
+            <a:r>
+              <a:rPr lang="en-US" sz="1700" b="1" dirty="0" smtClean="0"/>
+              <a:t>part_of</a:t>
+            </a:r>
+            <a:r>
+              <a:rPr lang="en-US" sz="1700" dirty="0" smtClean="0"/>
+              <a:t> </a:t>
+            </a:r>
+            <a:r>
+              <a:rPr lang="en-US" sz="1700" dirty="0" smtClean="0">
+                <a:solidFill>
+                  <a:srgbClr val="0000FF"/>
+                </a:solidFill>
+              </a:rPr>
+              <a:t>some </a:t>
+            </a:r>
+            <a:r>
+              <a:rPr lang="en-US" sz="1700" dirty="0" smtClean="0"/>
+              <a:t>( ‘synapse’ </a:t>
+            </a:r>
+            <a:r>
+              <a:rPr lang="en-US" sz="1700" dirty="0" smtClean="0">
+                <a:solidFill>
+                  <a:srgbClr val="0000FF"/>
+                </a:solidFill>
+              </a:rPr>
+              <a:t>that </a:t>
+            </a:r>
+            <a:r>
+              <a:rPr lang="en-US" sz="1700" b="1" dirty="0" smtClean="0"/>
+              <a:t>has_part</a:t>
+            </a:r>
+            <a:r>
+              <a:rPr lang="en-US" sz="1700" dirty="0" smtClean="0"/>
+              <a:t> </a:t>
+            </a:r>
+            <a:r>
+              <a:rPr lang="en-US" sz="1700" dirty="0" smtClean="0">
+                <a:solidFill>
+                  <a:srgbClr val="0000FF"/>
+                </a:solidFill>
+              </a:rPr>
+              <a:t>some </a:t>
+            </a:r>
+            <a:r>
+              <a:rPr lang="en-US" sz="1700" dirty="0" smtClean="0">
+                <a:solidFill>
+                  <a:srgbClr val="0000FF"/>
+                </a:solidFill>
+              </a:rPr>
+              <a:t>(</a:t>
+            </a:r>
+            <a:r>
+              <a:rPr lang="en-US" sz="1700" dirty="0" smtClean="0"/>
+              <a:t>‘post-synaptic membrane’ </a:t>
+            </a:r>
+            <a:r>
+              <a:rPr lang="en-US" sz="1700" dirty="0" smtClean="0">
+                <a:solidFill>
+                  <a:srgbClr val="0000FF"/>
+                </a:solidFill>
+              </a:rPr>
+              <a:t>that </a:t>
+            </a:r>
+            <a:r>
+              <a:rPr lang="en-US" sz="1700" b="1" dirty="0" smtClean="0"/>
+              <a:t>part_of</a:t>
+            </a:r>
+            <a:r>
+              <a:rPr lang="en-US" sz="1700" dirty="0" smtClean="0"/>
+              <a:t> some </a:t>
+            </a:r>
+            <a:r>
+              <a:rPr lang="en-US" sz="2400" i="1" dirty="0" smtClean="0">
+                <a:solidFill>
+                  <a:srgbClr val="FF0000"/>
+                </a:solidFill>
+              </a:rPr>
+              <a:t>?Y</a:t>
+            </a:r>
+            <a:r>
+              <a:rPr lang="en-US" sz="2100" dirty="0" smtClean="0"/>
+              <a:t>))</a:t>
+            </a:r>
+          </a:p>
+          <a:p>
+            <a:pPr>
+              <a:buFont typeface="Arial" charset="0"/>
+              <a:buNone/>
+            </a:pPr>
+            <a:r>
+              <a:rPr lang="en-US" sz="2100" dirty="0" smtClean="0"/>
+              <a:t>”</a:t>
+            </a:r>
+            <a:endParaRPr lang="en-US" sz="2100" dirty="0" smtClean="0"/>
+          </a:p>
+        </p:txBody>
+      </p:sp>
+      <p:sp>
+        <p:nvSpPr>
+          <p:cNvPr id="5" name="Rectangle 4"/>
+          <p:cNvSpPr/>
+          <p:nvPr/>
+        </p:nvSpPr>
+        <p:spPr>
+          <a:xfrm>
+            <a:off x="5257800" y="1600200"/>
+            <a:ext cx="3810000" cy="923330"/>
+          </a:xfrm>
+          <a:prstGeom prst="rect">
+            <a:avLst/>
+          </a:prstGeom>
+          <a:solidFill>
+            <a:schemeClr val="bg2"/>
+          </a:solidFill>
+        </p:spPr>
+        <p:txBody>
+          <a:bodyPr wrap="square">
+            <a:spAutoFit/>
+          </a:bodyPr>
+          <a:lstStyle/>
+          <a:p>
+            <a:r>
+              <a:rPr lang="en-US" dirty="0" smtClean="0">
+                <a:latin typeface="Calibri" charset="0"/>
+              </a:rPr>
+              <a:t>Class: </a:t>
+            </a:r>
+            <a:r>
+              <a:rPr lang="en-US" b="1" dirty="0" smtClean="0">
+                <a:latin typeface="Calibri" charset="0"/>
+              </a:rPr>
+              <a:t>N_ABC</a:t>
+            </a:r>
+          </a:p>
+          <a:p>
+            <a:r>
+              <a:rPr lang="en-US" dirty="0" err="1" smtClean="0">
+                <a:latin typeface="Calibri" charset="0"/>
+              </a:rPr>
+              <a:t>SubClassOf</a:t>
+            </a:r>
+            <a:r>
+              <a:rPr lang="en-US" dirty="0" smtClean="0">
+                <a:latin typeface="Calibri" charset="0"/>
+              </a:rPr>
+              <a:t>: </a:t>
+            </a:r>
+          </a:p>
+          <a:p>
+            <a:r>
+              <a:rPr lang="en-US" dirty="0">
+                <a:latin typeface="Calibri" charset="0"/>
+              </a:rPr>
+              <a:t> </a:t>
+            </a:r>
+            <a:r>
+              <a:rPr lang="en-US" i="1" dirty="0" err="1" smtClean="0">
+                <a:latin typeface="Calibri" charset="0"/>
+              </a:rPr>
+              <a:t>synapsed_to</a:t>
+            </a:r>
+            <a:r>
+              <a:rPr lang="en-US" dirty="0" smtClean="0">
+                <a:latin typeface="Calibri" charset="0"/>
+              </a:rPr>
+              <a:t> some </a:t>
+            </a:r>
+            <a:r>
+              <a:rPr lang="en-US" b="1" dirty="0" smtClean="0">
+                <a:latin typeface="Calibri" charset="0"/>
+              </a:rPr>
+              <a:t>N_DEF</a:t>
+            </a:r>
+            <a:endParaRPr lang="en-US" b="1" dirty="0" smtClean="0">
+              <a:latin typeface="Calibri" charset="0"/>
+            </a:endParaRPr>
+          </a:p>
+        </p:txBody>
+      </p:sp>
+      <p:sp>
+        <p:nvSpPr>
+          <p:cNvPr id="7" name="Rectangle 6"/>
+          <p:cNvSpPr/>
+          <p:nvPr/>
+        </p:nvSpPr>
+        <p:spPr>
+          <a:xfrm>
+            <a:off x="5257800" y="3962400"/>
+            <a:ext cx="3810000" cy="1754327"/>
+          </a:xfrm>
+          <a:prstGeom prst="rect">
+            <a:avLst/>
+          </a:prstGeom>
+          <a:solidFill>
+            <a:schemeClr val="accent1">
+              <a:lumMod val="40000"/>
+              <a:lumOff val="60000"/>
+            </a:schemeClr>
+          </a:solidFill>
+        </p:spPr>
+        <p:txBody>
+          <a:bodyPr wrap="square">
+            <a:spAutoFit/>
+          </a:bodyPr>
+          <a:lstStyle/>
+          <a:p>
+            <a:r>
+              <a:rPr lang="en-US" dirty="0" smtClean="0">
+                <a:latin typeface="Calibri" charset="0"/>
+              </a:rPr>
+              <a:t>Class: </a:t>
+            </a:r>
+            <a:r>
+              <a:rPr lang="en-US" b="1" dirty="0" smtClean="0">
+                <a:latin typeface="Calibri" charset="0"/>
+              </a:rPr>
+              <a:t>N_ABC</a:t>
+            </a:r>
+          </a:p>
+          <a:p>
+            <a:r>
+              <a:rPr lang="en-US" dirty="0" err="1" smtClean="0">
+                <a:latin typeface="Calibri" charset="0"/>
+              </a:rPr>
+              <a:t>SubClassOf</a:t>
+            </a:r>
+            <a:r>
+              <a:rPr lang="en-US" dirty="0" smtClean="0">
+                <a:latin typeface="Calibri" charset="0"/>
+              </a:rPr>
+              <a:t>:</a:t>
+            </a:r>
+          </a:p>
+          <a:p>
+            <a:r>
+              <a:rPr lang="en-US" sz="1700" b="1" dirty="0" smtClean="0">
+                <a:latin typeface="Calibri" charset="0"/>
+              </a:rPr>
+              <a:t>   </a:t>
+            </a:r>
+            <a:r>
+              <a:rPr lang="en-US" sz="1700" b="1" dirty="0" smtClean="0"/>
+              <a:t>has_part</a:t>
+            </a:r>
+            <a:r>
+              <a:rPr lang="en-US" sz="1700" dirty="0" smtClean="0"/>
+              <a:t> </a:t>
+            </a:r>
+            <a:r>
+              <a:rPr lang="en-US" sz="1700" dirty="0" smtClean="0">
+                <a:solidFill>
+                  <a:srgbClr val="0000FF"/>
+                </a:solidFill>
+              </a:rPr>
+              <a:t>some </a:t>
+            </a:r>
+            <a:r>
+              <a:rPr lang="en-US" sz="1700" dirty="0" smtClean="0"/>
+              <a:t>(‘pre-synaptic membrane’ </a:t>
+            </a:r>
+            <a:r>
+              <a:rPr lang="en-US" sz="1700" dirty="0" smtClean="0">
+                <a:solidFill>
+                  <a:srgbClr val="0000FF"/>
+                </a:solidFill>
+              </a:rPr>
+              <a:t>that </a:t>
+            </a:r>
+            <a:r>
+              <a:rPr lang="en-US" sz="1700" b="1" dirty="0" smtClean="0"/>
+              <a:t>part_of</a:t>
+            </a:r>
+            <a:r>
+              <a:rPr lang="en-US" sz="1700" dirty="0" smtClean="0"/>
+              <a:t> </a:t>
+            </a:r>
+            <a:r>
+              <a:rPr lang="en-US" sz="1700" dirty="0" smtClean="0">
+                <a:solidFill>
+                  <a:srgbClr val="0000FF"/>
+                </a:solidFill>
+              </a:rPr>
+              <a:t>some </a:t>
+            </a:r>
+            <a:r>
+              <a:rPr lang="en-US" sz="1700" dirty="0" smtClean="0"/>
+              <a:t>(‘synapse’ </a:t>
+            </a:r>
+            <a:r>
+              <a:rPr lang="en-US" sz="1700" dirty="0" smtClean="0">
+                <a:solidFill>
+                  <a:srgbClr val="0000FF"/>
+                </a:solidFill>
+              </a:rPr>
+              <a:t>that </a:t>
+            </a:r>
+            <a:r>
+              <a:rPr lang="en-US" sz="1700" b="1" dirty="0" smtClean="0"/>
+              <a:t>has_part</a:t>
+            </a:r>
+            <a:r>
+              <a:rPr lang="en-US" sz="1700" dirty="0" smtClean="0"/>
+              <a:t> </a:t>
+            </a:r>
+            <a:r>
+              <a:rPr lang="en-US" sz="1700" dirty="0" smtClean="0">
+                <a:solidFill>
+                  <a:srgbClr val="0000FF"/>
+                </a:solidFill>
+              </a:rPr>
+              <a:t>some </a:t>
+            </a:r>
+            <a:r>
+              <a:rPr lang="en-US" sz="1700" dirty="0">
+                <a:solidFill>
+                  <a:srgbClr val="0000FF"/>
+                </a:solidFill>
+              </a:rPr>
+              <a:t>(</a:t>
+            </a:r>
+            <a:r>
+              <a:rPr lang="en-US" sz="1700" dirty="0" smtClean="0"/>
+              <a:t>‘post-synaptic membrane’ </a:t>
+            </a:r>
+            <a:r>
+              <a:rPr lang="en-US" sz="1700" dirty="0" smtClean="0">
+                <a:solidFill>
+                  <a:srgbClr val="0000FF"/>
+                </a:solidFill>
+              </a:rPr>
+              <a:t>that </a:t>
+            </a:r>
+            <a:r>
+              <a:rPr lang="en-US" sz="1700" b="1" dirty="0" smtClean="0"/>
+              <a:t>part_of</a:t>
+            </a:r>
+            <a:r>
+              <a:rPr lang="en-US" sz="1700" dirty="0" smtClean="0"/>
+              <a:t> some</a:t>
+            </a:r>
+            <a:r>
+              <a:rPr lang="en-US" sz="1600" dirty="0" smtClean="0">
+                <a:latin typeface="Calibri" charset="0"/>
+              </a:rPr>
+              <a:t> </a:t>
+            </a:r>
+            <a:r>
+              <a:rPr lang="en-US" sz="1600" b="1" dirty="0" smtClean="0">
+                <a:latin typeface="Calibri" charset="0"/>
+              </a:rPr>
+              <a:t>N_DEF</a:t>
+            </a:r>
+            <a:r>
+              <a:rPr lang="en-US" sz="2100" dirty="0" smtClean="0"/>
+              <a:t>))</a:t>
+            </a:r>
+            <a:endParaRPr lang="en-US" b="1" dirty="0" smtClean="0">
+              <a:latin typeface="Calibri" charset="0"/>
+            </a:endParaRPr>
+          </a:p>
+        </p:txBody>
+      </p:sp>
+      <p:sp>
+        <p:nvSpPr>
+          <p:cNvPr id="8" name="Down Arrow 7"/>
+          <p:cNvSpPr/>
+          <p:nvPr/>
+        </p:nvSpPr>
+        <p:spPr>
+          <a:xfrm>
+            <a:off x="6324600" y="2895600"/>
+            <a:ext cx="304800" cy="762000"/>
+          </a:xfrm>
+          <a:prstGeom prst="downArrow">
+            <a:avLst/>
+          </a:prstGeom>
+        </p:spPr>
+        <p:style>
+          <a:lnRef idx="1">
+            <a:schemeClr val="accent1"/>
+          </a:lnRef>
+          <a:fillRef idx="3">
+            <a:schemeClr val="accent1"/>
+          </a:fillRef>
+          <a:effectRef idx="2">
+            <a:schemeClr val="accent1"/>
+          </a:effectRef>
+          <a:fontRef idx="minor">
+            <a:schemeClr val="lt1"/>
+          </a:fontRef>
+        </p:style>
+        <p:txBody>
+          <a:bodyPr rtlCol="0" anchor="ctr"/>
+          <a:lstStyle/>
+          <a:p>
+            <a:pPr algn="ctr"/>
+            <a:endParaRPr lang="en-US"/>
+          </a:p>
+        </p:txBody>
+      </p:sp>
+      <p:sp>
+        <p:nvSpPr>
+          <p:cNvPr id="9" name="Rectangle 8"/>
+          <p:cNvSpPr/>
+          <p:nvPr/>
+        </p:nvSpPr>
+        <p:spPr>
+          <a:xfrm>
+            <a:off x="7010400" y="1230868"/>
+            <a:ext cx="609487" cy="523220"/>
+          </a:xfrm>
+          <a:prstGeom prst="rect">
+            <a:avLst/>
+          </a:prstGeom>
+        </p:spPr>
+        <p:txBody>
+          <a:bodyPr wrap="none">
+            <a:spAutoFit/>
+          </a:bodyPr>
+          <a:lstStyle/>
+          <a:p>
+            <a:r>
+              <a:rPr lang="en-US" sz="2800" b="1" dirty="0" smtClean="0"/>
+              <a:t>O1</a:t>
+            </a:r>
+            <a:endParaRPr lang="en-US" sz="2800" b="1" dirty="0"/>
+          </a:p>
+        </p:txBody>
+      </p:sp>
+      <p:sp>
+        <p:nvSpPr>
+          <p:cNvPr id="10" name="Rectangle 9"/>
+          <p:cNvSpPr/>
+          <p:nvPr/>
+        </p:nvSpPr>
+        <p:spPr>
+          <a:xfrm>
+            <a:off x="7010400" y="3439180"/>
+            <a:ext cx="609487" cy="523220"/>
+          </a:xfrm>
+          <a:prstGeom prst="rect">
+            <a:avLst/>
+          </a:prstGeom>
+        </p:spPr>
+        <p:txBody>
+          <a:bodyPr wrap="none">
+            <a:spAutoFit/>
+          </a:bodyPr>
+          <a:lstStyle/>
+          <a:p>
+            <a:r>
+              <a:rPr lang="en-US" sz="2800" b="1" dirty="0" smtClean="0"/>
+              <a:t>O2</a:t>
+            </a:r>
+            <a:endParaRPr lang="en-US" sz="2800" b="1" dirty="0"/>
+          </a:p>
+        </p:txBody>
+      </p:sp>
+    </p:spTree>
+  </p:cSld>
+  <p:clrMapOvr>
+    <a:masterClrMapping/>
+  </p:clrMapOvr>
+</p:sld>
+</file>
+
+<file path=ppt/slides/slide17.xml><?xml version="1.0" encoding="utf-8"?>
+<p:sld xmlns:a="http://schemas.openxmlformats.org/drawingml/2006/main" xmlns:r="http://schemas.openxmlformats.org/officeDocument/2006/relationships" xmlns:mc="http://schemas.openxmlformats.org/markup-compatibility/2006" xmlns:mv="urn:schemas-microsoft-com:mac:vml" xmlns:p="http://schemas.openxmlformats.org/presentationml/2006/main" mc:Ignorable="mv" mc:PreserveAttributes="mv:*">
+  <p:cSld>
+    <p:spTree>
+      <p:nvGrpSpPr>
+        <p:cNvPr id="1" name=""/>
+        <p:cNvGrpSpPr/>
+        <p:nvPr/>
+      </p:nvGrpSpPr>
+      <p:grpSpPr>
+        <a:xfrm>
+          <a:off x="0" y="0"/>
+          <a:ext cx="0" cy="0"/>
+          <a:chOff x="0" y="0"/>
+          <a:chExt cx="0" cy="0"/>
+        </a:xfrm>
+      </p:grpSpPr>
+      <p:sp>
+        <p:nvSpPr>
+          <p:cNvPr id="11" name="Rectangle 10"/>
+          <p:cNvSpPr/>
+          <p:nvPr/>
+        </p:nvSpPr>
+        <p:spPr>
+          <a:xfrm>
+            <a:off x="5257800" y="1600200"/>
+            <a:ext cx="3810000" cy="1200329"/>
+          </a:xfrm>
+          <a:prstGeom prst="rect">
+            <a:avLst/>
+          </a:prstGeom>
+          <a:solidFill>
+            <a:schemeClr val="bg2"/>
+          </a:solidFill>
+        </p:spPr>
+        <p:txBody>
+          <a:bodyPr wrap="square">
+            <a:spAutoFit/>
+          </a:bodyPr>
+          <a:lstStyle/>
+          <a:p>
+            <a:r>
+              <a:rPr lang="en-US" dirty="0" smtClean="0">
+                <a:latin typeface="Calibri" charset="0"/>
+              </a:rPr>
+              <a:t>Class: </a:t>
+            </a:r>
+            <a:r>
+              <a:rPr lang="en-US" b="1" dirty="0" err="1" smtClean="0">
+                <a:latin typeface="Calibri" charset="0"/>
+              </a:rPr>
+              <a:t>Foo_synapsing_neuron</a:t>
+            </a:r>
+            <a:endParaRPr lang="en-US" b="1" dirty="0" smtClean="0">
+              <a:latin typeface="Calibri" charset="0"/>
+            </a:endParaRPr>
+          </a:p>
+          <a:p>
+            <a:r>
+              <a:rPr lang="en-US" dirty="0" err="1" smtClean="0">
+                <a:latin typeface="Calibri" charset="0"/>
+              </a:rPr>
+              <a:t>EquivalentTo</a:t>
+            </a:r>
+            <a:r>
+              <a:rPr lang="en-US" dirty="0" smtClean="0">
+                <a:latin typeface="Calibri" charset="0"/>
+              </a:rPr>
+              <a:t>:</a:t>
+            </a:r>
+          </a:p>
+          <a:p>
+            <a:r>
+              <a:rPr lang="en-US" dirty="0" smtClean="0">
+                <a:latin typeface="Calibri" charset="0"/>
+              </a:rPr>
+              <a:t> neuron </a:t>
+            </a:r>
+            <a:r>
+              <a:rPr lang="en-US" dirty="0" smtClean="0">
+                <a:solidFill>
+                  <a:srgbClr val="0000FF"/>
+                </a:solidFill>
+              </a:rPr>
+              <a:t>that </a:t>
+            </a:r>
+            <a:endParaRPr lang="en-US" dirty="0" smtClean="0">
+              <a:latin typeface="Calibri" charset="0"/>
+            </a:endParaRPr>
+          </a:p>
+          <a:p>
+            <a:r>
+              <a:rPr lang="en-US" dirty="0">
+                <a:latin typeface="Calibri" charset="0"/>
+              </a:rPr>
+              <a:t> </a:t>
+            </a:r>
+            <a:r>
+              <a:rPr lang="en-US" i="1" dirty="0" err="1" smtClean="0">
+                <a:latin typeface="Calibri" charset="0"/>
+              </a:rPr>
+              <a:t>synapsed_to</a:t>
+            </a:r>
+            <a:r>
+              <a:rPr lang="en-US" dirty="0" smtClean="0">
+                <a:latin typeface="Calibri" charset="0"/>
+              </a:rPr>
+              <a:t> some </a:t>
+            </a:r>
+            <a:r>
+              <a:rPr lang="en-US" b="1" dirty="0" err="1" smtClean="0">
+                <a:latin typeface="Calibri" charset="0"/>
+              </a:rPr>
+              <a:t>N_Foo</a:t>
+            </a:r>
+            <a:endParaRPr lang="en-US" b="1" dirty="0" smtClean="0">
+              <a:latin typeface="Calibri" charset="0"/>
+            </a:endParaRPr>
+          </a:p>
+        </p:txBody>
+      </p:sp>
+      <p:sp>
+        <p:nvSpPr>
+          <p:cNvPr id="2" name="Title 1"/>
+          <p:cNvSpPr>
+            <a:spLocks noGrp="1"/>
+          </p:cNvSpPr>
+          <p:nvPr>
+            <p:ph type="title"/>
+          </p:nvPr>
+        </p:nvSpPr>
+        <p:spPr/>
+        <p:txBody>
+          <a:bodyPr/>
+          <a:lstStyle/>
+          <a:p>
+            <a:r>
+              <a:rPr lang="en-US" dirty="0" smtClean="0"/>
+              <a:t>Also works for equivalence axioms</a:t>
+            </a:r>
+            <a:endParaRPr lang="en-US" dirty="0"/>
+          </a:p>
+        </p:txBody>
+      </p:sp>
+      <p:sp>
+        <p:nvSpPr>
+          <p:cNvPr id="4" name="Rectangle 3"/>
+          <p:cNvSpPr/>
+          <p:nvPr/>
+        </p:nvSpPr>
+        <p:spPr>
+          <a:xfrm>
+            <a:off x="457200" y="1600200"/>
+            <a:ext cx="4572000" cy="2677656"/>
+          </a:xfrm>
+          <a:prstGeom prst="rect">
+            <a:avLst/>
+          </a:prstGeom>
+        </p:spPr>
+        <p:txBody>
+          <a:bodyPr wrap="square">
+            <a:spAutoFit/>
+          </a:bodyPr>
+          <a:lstStyle/>
+          <a:p>
+            <a:pPr>
+              <a:buFont typeface="Arial" charset="0"/>
+              <a:buNone/>
+            </a:pPr>
+            <a:r>
+              <a:rPr lang="en-US" sz="2400" b="1" dirty="0" err="1" smtClean="0"/>
+              <a:t>ObjectProperty</a:t>
+            </a:r>
+            <a:r>
+              <a:rPr lang="en-US" sz="2400" dirty="0" smtClean="0"/>
+              <a:t>: </a:t>
+            </a:r>
+            <a:r>
+              <a:rPr lang="en-US" sz="2400" dirty="0" err="1" smtClean="0"/>
+              <a:t>synapsed_to</a:t>
+            </a:r>
+            <a:endParaRPr lang="en-US" sz="2400" dirty="0" smtClean="0"/>
+          </a:p>
+          <a:p>
+            <a:pPr>
+              <a:buFont typeface="Arial" charset="0"/>
+              <a:buNone/>
+            </a:pPr>
+            <a:r>
+              <a:rPr lang="en-US" sz="2400" b="1" dirty="0" smtClean="0"/>
+              <a:t>Annotations</a:t>
+            </a:r>
+            <a:r>
+              <a:rPr lang="en-US" sz="2400" dirty="0" smtClean="0"/>
+              <a:t>: </a:t>
+            </a:r>
+            <a:r>
+              <a:rPr lang="en-US" sz="2400" dirty="0" err="1" smtClean="0"/>
+              <a:t>expandExpressionTo</a:t>
+            </a:r>
+            <a:r>
+              <a:rPr lang="en-US" sz="2400" dirty="0" smtClean="0"/>
+              <a:t> “</a:t>
+            </a:r>
+            <a:r>
+              <a:rPr lang="en-US" sz="2400" dirty="0" smtClean="0"/>
+              <a:t/>
+            </a:r>
+            <a:br>
+              <a:rPr lang="en-US" sz="2400" dirty="0" smtClean="0"/>
+            </a:br>
+            <a:r>
+              <a:rPr lang="en-US" sz="1700" dirty="0" smtClean="0"/>
+              <a:t>  </a:t>
+            </a:r>
+            <a:r>
+              <a:rPr lang="en-US" sz="1700" b="1" dirty="0" smtClean="0"/>
+              <a:t>has_part</a:t>
+            </a:r>
+            <a:r>
+              <a:rPr lang="en-US" sz="1700" dirty="0" smtClean="0"/>
+              <a:t> </a:t>
+            </a:r>
+            <a:r>
+              <a:rPr lang="en-US" sz="1700" dirty="0" smtClean="0">
+                <a:solidFill>
+                  <a:srgbClr val="0000FF"/>
+                </a:solidFill>
+              </a:rPr>
+              <a:t>some </a:t>
+            </a:r>
+            <a:r>
+              <a:rPr lang="en-US" sz="1700" dirty="0" smtClean="0"/>
+              <a:t>(</a:t>
+            </a:r>
+          </a:p>
+          <a:p>
+            <a:pPr>
+              <a:buFont typeface="Arial" charset="0"/>
+              <a:buNone/>
+            </a:pPr>
+            <a:r>
+              <a:rPr lang="en-US" sz="1700" dirty="0"/>
+              <a:t> </a:t>
+            </a:r>
+            <a:r>
+              <a:rPr lang="en-US" sz="1700" dirty="0" smtClean="0"/>
+              <a:t>‘pre-synaptic membrane’ </a:t>
+            </a:r>
+            <a:r>
+              <a:rPr lang="en-US" sz="1700" dirty="0" smtClean="0">
+                <a:solidFill>
+                  <a:srgbClr val="0000FF"/>
+                </a:solidFill>
+              </a:rPr>
+              <a:t>that </a:t>
+            </a:r>
+            <a:r>
+              <a:rPr lang="en-US" sz="1700" b="1" dirty="0" smtClean="0"/>
+              <a:t>part_of</a:t>
+            </a:r>
+            <a:r>
+              <a:rPr lang="en-US" sz="1700" dirty="0" smtClean="0"/>
+              <a:t> </a:t>
+            </a:r>
+            <a:r>
+              <a:rPr lang="en-US" sz="1700" dirty="0" smtClean="0">
+                <a:solidFill>
+                  <a:srgbClr val="0000FF"/>
+                </a:solidFill>
+              </a:rPr>
+              <a:t>some </a:t>
+            </a:r>
+            <a:r>
+              <a:rPr lang="en-US" sz="1700" dirty="0" smtClean="0"/>
+              <a:t>( ‘synapse’ </a:t>
+            </a:r>
+            <a:r>
+              <a:rPr lang="en-US" sz="1700" dirty="0" smtClean="0">
+                <a:solidFill>
+                  <a:srgbClr val="0000FF"/>
+                </a:solidFill>
+              </a:rPr>
+              <a:t>that </a:t>
+            </a:r>
+            <a:r>
+              <a:rPr lang="en-US" sz="1700" b="1" dirty="0" smtClean="0"/>
+              <a:t>has_part</a:t>
+            </a:r>
+            <a:r>
+              <a:rPr lang="en-US" sz="1700" dirty="0" smtClean="0"/>
+              <a:t> </a:t>
+            </a:r>
+            <a:r>
+              <a:rPr lang="en-US" sz="1700" dirty="0" smtClean="0">
+                <a:solidFill>
+                  <a:srgbClr val="0000FF"/>
+                </a:solidFill>
+              </a:rPr>
+              <a:t>some </a:t>
+            </a:r>
+            <a:r>
+              <a:rPr lang="en-US" sz="1700" dirty="0" smtClean="0">
+                <a:solidFill>
+                  <a:srgbClr val="0000FF"/>
+                </a:solidFill>
+              </a:rPr>
+              <a:t>(</a:t>
+            </a:r>
+            <a:r>
+              <a:rPr lang="en-US" sz="1700" dirty="0" smtClean="0"/>
+              <a:t>‘post-synaptic membrane’ </a:t>
+            </a:r>
+            <a:r>
+              <a:rPr lang="en-US" sz="1700" dirty="0" smtClean="0">
+                <a:solidFill>
+                  <a:srgbClr val="0000FF"/>
+                </a:solidFill>
+              </a:rPr>
+              <a:t>that </a:t>
+            </a:r>
+            <a:r>
+              <a:rPr lang="en-US" sz="1700" b="1" dirty="0" smtClean="0"/>
+              <a:t>part_of</a:t>
+            </a:r>
+            <a:r>
+              <a:rPr lang="en-US" sz="1700" dirty="0" smtClean="0"/>
+              <a:t> some </a:t>
+            </a:r>
+            <a:r>
+              <a:rPr lang="en-US" sz="2400" i="1" dirty="0" smtClean="0">
+                <a:solidFill>
+                  <a:srgbClr val="FF0000"/>
+                </a:solidFill>
+              </a:rPr>
+              <a:t>?Y</a:t>
+            </a:r>
+            <a:r>
+              <a:rPr lang="en-US" sz="2100" dirty="0" smtClean="0"/>
+              <a:t>))</a:t>
+            </a:r>
+          </a:p>
+          <a:p>
+            <a:pPr>
+              <a:buFont typeface="Arial" charset="0"/>
+              <a:buNone/>
+            </a:pPr>
+            <a:r>
+              <a:rPr lang="en-US" sz="2100" dirty="0" smtClean="0"/>
+              <a:t>”</a:t>
+            </a:r>
+            <a:endParaRPr lang="en-US" sz="2100" dirty="0" smtClean="0"/>
+          </a:p>
+        </p:txBody>
+      </p:sp>
+      <p:sp>
+        <p:nvSpPr>
+          <p:cNvPr id="7" name="Rectangle 6"/>
+          <p:cNvSpPr/>
+          <p:nvPr/>
+        </p:nvSpPr>
+        <p:spPr>
+          <a:xfrm>
+            <a:off x="5257800" y="3962400"/>
+            <a:ext cx="3810000" cy="2031325"/>
+          </a:xfrm>
+          <a:prstGeom prst="rect">
+            <a:avLst/>
+          </a:prstGeom>
+          <a:solidFill>
+            <a:schemeClr val="accent1">
+              <a:lumMod val="40000"/>
+              <a:lumOff val="60000"/>
+            </a:schemeClr>
+          </a:solidFill>
+        </p:spPr>
+        <p:txBody>
+          <a:bodyPr wrap="square">
+            <a:spAutoFit/>
+          </a:bodyPr>
+          <a:lstStyle/>
+          <a:p>
+            <a:r>
+              <a:rPr lang="en-US" dirty="0" smtClean="0">
+                <a:latin typeface="Calibri" charset="0"/>
+              </a:rPr>
+              <a:t>Class: </a:t>
+            </a:r>
+            <a:r>
+              <a:rPr lang="en-US" b="1" dirty="0" smtClean="0">
+                <a:latin typeface="Calibri" charset="0"/>
+              </a:rPr>
+              <a:t>N_ABC</a:t>
+            </a:r>
+          </a:p>
+          <a:p>
+            <a:r>
+              <a:rPr lang="en-US" dirty="0" err="1" smtClean="0">
+                <a:latin typeface="Calibri" charset="0"/>
+              </a:rPr>
+              <a:t>EquivalentTo</a:t>
+            </a:r>
+            <a:r>
+              <a:rPr lang="en-US" dirty="0" smtClean="0">
+                <a:latin typeface="Calibri" charset="0"/>
+              </a:rPr>
+              <a:t>:</a:t>
+            </a:r>
+          </a:p>
+          <a:p>
+            <a:r>
+              <a:rPr lang="en-US" dirty="0" smtClean="0">
+                <a:latin typeface="Calibri" charset="0"/>
+              </a:rPr>
+              <a:t>  </a:t>
+            </a:r>
+            <a:r>
+              <a:rPr lang="en-US" dirty="0" smtClean="0">
+                <a:latin typeface="Calibri" charset="0"/>
+              </a:rPr>
+              <a:t>neuron </a:t>
+            </a:r>
+            <a:r>
+              <a:rPr lang="en-US" dirty="0" smtClean="0">
+                <a:solidFill>
+                  <a:srgbClr val="0000FF"/>
+                </a:solidFill>
+              </a:rPr>
+              <a:t>that </a:t>
+            </a:r>
+            <a:endParaRPr lang="en-US" dirty="0" smtClean="0">
+              <a:latin typeface="Calibri" charset="0"/>
+            </a:endParaRPr>
+          </a:p>
+          <a:p>
+            <a:r>
+              <a:rPr lang="en-US" sz="1700" b="1" dirty="0" smtClean="0">
+                <a:latin typeface="Calibri" charset="0"/>
+              </a:rPr>
+              <a:t>   </a:t>
+            </a:r>
+            <a:r>
+              <a:rPr lang="en-US" sz="1700" b="1" dirty="0" smtClean="0"/>
+              <a:t>has_part</a:t>
+            </a:r>
+            <a:r>
+              <a:rPr lang="en-US" sz="1700" dirty="0" smtClean="0"/>
+              <a:t> </a:t>
+            </a:r>
+            <a:r>
+              <a:rPr lang="en-US" sz="1700" dirty="0" smtClean="0">
+                <a:solidFill>
+                  <a:srgbClr val="0000FF"/>
+                </a:solidFill>
+              </a:rPr>
+              <a:t>some </a:t>
+            </a:r>
+            <a:r>
+              <a:rPr lang="en-US" sz="1700" dirty="0" smtClean="0"/>
+              <a:t>(‘pre-synaptic membrane’ </a:t>
+            </a:r>
+            <a:r>
+              <a:rPr lang="en-US" sz="1700" dirty="0" smtClean="0">
+                <a:solidFill>
+                  <a:srgbClr val="0000FF"/>
+                </a:solidFill>
+              </a:rPr>
+              <a:t>that </a:t>
+            </a:r>
+            <a:r>
+              <a:rPr lang="en-US" sz="1700" b="1" dirty="0" smtClean="0"/>
+              <a:t>part_of</a:t>
+            </a:r>
+            <a:r>
+              <a:rPr lang="en-US" sz="1700" dirty="0" smtClean="0"/>
+              <a:t> </a:t>
+            </a:r>
+            <a:r>
+              <a:rPr lang="en-US" sz="1700" dirty="0" smtClean="0">
+                <a:solidFill>
+                  <a:srgbClr val="0000FF"/>
+                </a:solidFill>
+              </a:rPr>
+              <a:t>some </a:t>
+            </a:r>
+            <a:r>
+              <a:rPr lang="en-US" sz="1700" dirty="0" smtClean="0"/>
+              <a:t>(‘synapse’ </a:t>
+            </a:r>
+            <a:r>
+              <a:rPr lang="en-US" sz="1700" dirty="0" smtClean="0">
+                <a:solidFill>
+                  <a:srgbClr val="0000FF"/>
+                </a:solidFill>
+              </a:rPr>
+              <a:t>that </a:t>
+            </a:r>
+            <a:r>
+              <a:rPr lang="en-US" sz="1700" b="1" dirty="0" smtClean="0"/>
+              <a:t>has_part</a:t>
+            </a:r>
+            <a:r>
+              <a:rPr lang="en-US" sz="1700" dirty="0" smtClean="0"/>
+              <a:t> </a:t>
+            </a:r>
+            <a:r>
+              <a:rPr lang="en-US" sz="1700" dirty="0" smtClean="0">
+                <a:solidFill>
+                  <a:srgbClr val="0000FF"/>
+                </a:solidFill>
+              </a:rPr>
+              <a:t>some </a:t>
+            </a:r>
+            <a:r>
+              <a:rPr lang="en-US" sz="1700" dirty="0">
+                <a:solidFill>
+                  <a:srgbClr val="0000FF"/>
+                </a:solidFill>
+              </a:rPr>
+              <a:t>(</a:t>
+            </a:r>
+            <a:r>
+              <a:rPr lang="en-US" sz="1700" dirty="0" smtClean="0"/>
+              <a:t>‘post-synaptic membrane’ </a:t>
+            </a:r>
+            <a:r>
+              <a:rPr lang="en-US" sz="1700" dirty="0" smtClean="0">
+                <a:solidFill>
+                  <a:srgbClr val="0000FF"/>
+                </a:solidFill>
+              </a:rPr>
+              <a:t>that </a:t>
+            </a:r>
+            <a:r>
+              <a:rPr lang="en-US" sz="1700" b="1" dirty="0" smtClean="0"/>
+              <a:t>part_of</a:t>
+            </a:r>
+            <a:r>
+              <a:rPr lang="en-US" sz="1700" dirty="0" smtClean="0"/>
+              <a:t> some</a:t>
+            </a:r>
+            <a:r>
+              <a:rPr lang="en-US" sz="1600" dirty="0" smtClean="0">
+                <a:latin typeface="Calibri" charset="0"/>
+              </a:rPr>
+              <a:t> </a:t>
+            </a:r>
+            <a:r>
+              <a:rPr lang="en-US" sz="1600" b="1" dirty="0" smtClean="0">
+                <a:latin typeface="Calibri" charset="0"/>
+              </a:rPr>
+              <a:t>N_DEF</a:t>
+            </a:r>
+            <a:r>
+              <a:rPr lang="en-US" sz="2100" dirty="0" smtClean="0"/>
+              <a:t>))</a:t>
+            </a:r>
+            <a:endParaRPr lang="en-US" b="1" dirty="0" smtClean="0">
+              <a:latin typeface="Calibri" charset="0"/>
+            </a:endParaRPr>
+          </a:p>
+        </p:txBody>
+      </p:sp>
+      <p:sp>
+        <p:nvSpPr>
+          <p:cNvPr id="8" name="Down Arrow 7"/>
+          <p:cNvSpPr/>
+          <p:nvPr/>
+        </p:nvSpPr>
+        <p:spPr>
+          <a:xfrm>
+            <a:off x="6324600" y="2895600"/>
+            <a:ext cx="304800" cy="762000"/>
+          </a:xfrm>
+          <a:prstGeom prst="downArrow">
+            <a:avLst/>
+          </a:prstGeom>
+        </p:spPr>
+        <p:style>
+          <a:lnRef idx="1">
+            <a:schemeClr val="accent1"/>
+          </a:lnRef>
+          <a:fillRef idx="3">
+            <a:schemeClr val="accent1"/>
+          </a:fillRef>
+          <a:effectRef idx="2">
+            <a:schemeClr val="accent1"/>
+          </a:effectRef>
+          <a:fontRef idx="minor">
+            <a:schemeClr val="lt1"/>
+          </a:fontRef>
+        </p:style>
+        <p:txBody>
+          <a:bodyPr rtlCol="0" anchor="ctr"/>
+          <a:lstStyle/>
+          <a:p>
+            <a:pPr algn="ctr"/>
+            <a:endParaRPr lang="en-US"/>
+          </a:p>
+        </p:txBody>
+      </p:sp>
+      <p:sp>
+        <p:nvSpPr>
+          <p:cNvPr id="9" name="Rectangle 8"/>
+          <p:cNvSpPr/>
+          <p:nvPr/>
+        </p:nvSpPr>
+        <p:spPr>
+          <a:xfrm>
+            <a:off x="7010400" y="1230868"/>
+            <a:ext cx="609487" cy="523220"/>
+          </a:xfrm>
+          <a:prstGeom prst="rect">
+            <a:avLst/>
+          </a:prstGeom>
+        </p:spPr>
+        <p:txBody>
+          <a:bodyPr wrap="none">
+            <a:spAutoFit/>
+          </a:bodyPr>
+          <a:lstStyle/>
+          <a:p>
+            <a:r>
+              <a:rPr lang="en-US" sz="2800" b="1" dirty="0" smtClean="0"/>
+              <a:t>O1</a:t>
+            </a:r>
+            <a:endParaRPr lang="en-US" sz="2800" b="1" dirty="0"/>
+          </a:p>
+        </p:txBody>
+      </p:sp>
+      <p:sp>
+        <p:nvSpPr>
+          <p:cNvPr id="10" name="Rectangle 9"/>
+          <p:cNvSpPr/>
+          <p:nvPr/>
+        </p:nvSpPr>
+        <p:spPr>
+          <a:xfrm>
+            <a:off x="7010400" y="3439180"/>
+            <a:ext cx="609487" cy="523220"/>
+          </a:xfrm>
+          <a:prstGeom prst="rect">
+            <a:avLst/>
+          </a:prstGeom>
+        </p:spPr>
+        <p:txBody>
+          <a:bodyPr wrap="none">
+            <a:spAutoFit/>
+          </a:bodyPr>
+          <a:lstStyle/>
+          <a:p>
+            <a:r>
+              <a:rPr lang="en-US" sz="2800" b="1" dirty="0" smtClean="0"/>
+              <a:t>O2</a:t>
+            </a:r>
+            <a:endParaRPr lang="en-US" sz="2800" b="1" dirty="0"/>
+          </a:p>
+        </p:txBody>
+      </p:sp>
+    </p:spTree>
+  </p:cSld>
+  <p:clrMapOvr>
+    <a:masterClrMapping/>
+  </p:clrMapOvr>
+</p:sld>
+</file>
+
+<file path=ppt/slides/slide18.xml><?xml version="1.0" encoding="utf-8"?>
+<p:sld xmlns:a="http://schemas.openxmlformats.org/drawingml/2006/main" xmlns:r="http://schemas.openxmlformats.org/officeDocument/2006/relationships" xmlns:mc="http://schemas.openxmlformats.org/markup-compatibility/2006" xmlns:mv="urn:schemas-microsoft-com:mac:vml" xmlns:p="http://schemas.openxmlformats.org/presentationml/2006/main" mc:Ignorable="mv" mc:PreserveAttributes="mv:*">
+  <p:cSld>
+    <p:spTree>
+      <p:nvGrpSpPr>
+        <p:cNvPr id="1" name=""/>
+        <p:cNvGrpSpPr/>
+        <p:nvPr/>
+      </p:nvGrpSpPr>
+      <p:grpSpPr>
+        <a:xfrm>
+          <a:off x="0" y="0"/>
+          <a:ext cx="0" cy="0"/>
+          <a:chOff x="0" y="0"/>
+          <a:chExt cx="0" cy="0"/>
+        </a:xfrm>
+      </p:grpSpPr>
+      <p:sp>
+        <p:nvSpPr>
+          <p:cNvPr id="11" name="Rectangle 10"/>
+          <p:cNvSpPr/>
+          <p:nvPr/>
+        </p:nvSpPr>
+        <p:spPr>
+          <a:xfrm>
+            <a:off x="5257800" y="1600200"/>
+            <a:ext cx="3810000" cy="1477328"/>
+          </a:xfrm>
+          <a:prstGeom prst="rect">
+            <a:avLst/>
+          </a:prstGeom>
+          <a:solidFill>
+            <a:schemeClr val="bg2"/>
+          </a:solidFill>
+        </p:spPr>
+        <p:txBody>
+          <a:bodyPr wrap="square">
+            <a:spAutoFit/>
+          </a:bodyPr>
+          <a:lstStyle/>
+          <a:p>
+            <a:r>
+              <a:rPr lang="en-US" dirty="0" smtClean="0">
+                <a:latin typeface="Calibri" charset="0"/>
+              </a:rPr>
+              <a:t>Class: ‘</a:t>
+            </a:r>
+            <a:r>
+              <a:rPr lang="en-US" dirty="0" smtClean="0"/>
+              <a:t>B1b-B cell’</a:t>
+            </a:r>
+            <a:endParaRPr lang="en-US" b="1" dirty="0" smtClean="0">
+              <a:latin typeface="Calibri" charset="0"/>
+            </a:endParaRPr>
+          </a:p>
+          <a:p>
+            <a:r>
+              <a:rPr lang="en-US" dirty="0" err="1" smtClean="0">
+                <a:latin typeface="Calibri" charset="0"/>
+              </a:rPr>
+              <a:t>EquivalentTo</a:t>
+            </a:r>
+            <a:r>
+              <a:rPr lang="en-US" dirty="0" smtClean="0">
+                <a:latin typeface="Calibri" charset="0"/>
+              </a:rPr>
+              <a:t>:</a:t>
+            </a:r>
+          </a:p>
+          <a:p>
+            <a:r>
+              <a:rPr lang="en-US" dirty="0" smtClean="0"/>
+              <a:t>‘B1-B cell’ and </a:t>
+            </a:r>
+            <a:r>
+              <a:rPr lang="en-US" dirty="0" err="1" smtClean="0"/>
+              <a:t>lacks_plasma_membrane_part</a:t>
+            </a:r>
+            <a:r>
+              <a:rPr lang="en-US" dirty="0" smtClean="0"/>
+              <a:t> value CD5</a:t>
+            </a:r>
+            <a:endParaRPr lang="en-US" b="1" dirty="0" smtClean="0">
+              <a:latin typeface="Calibri" charset="0"/>
+            </a:endParaRPr>
+          </a:p>
+        </p:txBody>
+      </p:sp>
+      <p:sp>
+        <p:nvSpPr>
+          <p:cNvPr id="2" name="Title 1"/>
+          <p:cNvSpPr>
+            <a:spLocks noGrp="1"/>
+          </p:cNvSpPr>
+          <p:nvPr>
+            <p:ph type="title"/>
+          </p:nvPr>
+        </p:nvSpPr>
+        <p:spPr/>
+        <p:txBody>
+          <a:bodyPr/>
+          <a:lstStyle/>
+          <a:p>
+            <a:r>
+              <a:rPr lang="en-US" dirty="0" smtClean="0"/>
+              <a:t>Chaining different constructs</a:t>
+            </a:r>
+            <a:endParaRPr lang="en-US" dirty="0"/>
+          </a:p>
+        </p:txBody>
+      </p:sp>
+      <p:sp>
+        <p:nvSpPr>
+          <p:cNvPr id="4" name="Rectangle 3"/>
+          <p:cNvSpPr/>
+          <p:nvPr/>
+        </p:nvSpPr>
+        <p:spPr>
+          <a:xfrm>
+            <a:off x="457200" y="1600200"/>
+            <a:ext cx="4572000" cy="2262158"/>
+          </a:xfrm>
+          <a:prstGeom prst="rect">
+            <a:avLst/>
+          </a:prstGeom>
+        </p:spPr>
+        <p:txBody>
+          <a:bodyPr wrap="square">
+            <a:spAutoFit/>
+          </a:bodyPr>
+          <a:lstStyle/>
+          <a:p>
+            <a:pPr>
+              <a:buFont typeface="Arial" charset="0"/>
+              <a:buNone/>
+            </a:pPr>
+            <a:r>
+              <a:rPr lang="en-US" sz="2400" b="1" dirty="0" err="1" smtClean="0"/>
+              <a:t>ObjectProperty</a:t>
+            </a:r>
+            <a:r>
+              <a:rPr lang="en-US" sz="2400" dirty="0" smtClean="0"/>
+              <a:t>: </a:t>
+            </a:r>
+            <a:r>
+              <a:rPr lang="en-US" sz="2400" dirty="0" err="1" smtClean="0"/>
+              <a:t>lacks_plasma_membrane_part</a:t>
+            </a:r>
+            <a:endParaRPr lang="en-US" sz="2400" dirty="0" smtClean="0"/>
+          </a:p>
+          <a:p>
+            <a:pPr>
+              <a:buFont typeface="Arial" charset="0"/>
+              <a:buNone/>
+            </a:pPr>
+            <a:r>
+              <a:rPr lang="en-US" sz="2400" b="1" dirty="0" smtClean="0"/>
+              <a:t>Annotations</a:t>
+            </a:r>
+            <a:r>
+              <a:rPr lang="en-US" sz="2400" dirty="0" smtClean="0"/>
+              <a:t>: </a:t>
+            </a:r>
+            <a:r>
+              <a:rPr lang="en-US" sz="2400" dirty="0" err="1" smtClean="0"/>
+              <a:t>expandExpressionTo</a:t>
+            </a:r>
+            <a:r>
+              <a:rPr lang="en-US" sz="2400" dirty="0" smtClean="0"/>
+              <a:t> “</a:t>
+            </a:r>
+            <a:r>
+              <a:rPr lang="en-US" sz="1600" dirty="0" smtClean="0"/>
+              <a:t>has part exactly 0 (‘plasma membrane’ and has_part some  </a:t>
+            </a:r>
+            <a:r>
+              <a:rPr lang="en-US" sz="2400" i="1" dirty="0" smtClean="0">
+                <a:solidFill>
+                  <a:srgbClr val="FF0000"/>
+                </a:solidFill>
+              </a:rPr>
+              <a:t>?Y</a:t>
+            </a:r>
+            <a:r>
+              <a:rPr lang="en-US" sz="2100" dirty="0" smtClean="0"/>
+              <a:t>)</a:t>
+            </a:r>
+          </a:p>
+          <a:p>
+            <a:pPr>
+              <a:buFont typeface="Arial" charset="0"/>
+              <a:buNone/>
+            </a:pPr>
+            <a:r>
+              <a:rPr lang="en-US" sz="2100" dirty="0" smtClean="0"/>
+              <a:t>”</a:t>
+            </a:r>
+            <a:endParaRPr lang="en-US" sz="2100" dirty="0" smtClean="0"/>
+          </a:p>
+        </p:txBody>
+      </p:sp>
+      <p:sp>
+        <p:nvSpPr>
+          <p:cNvPr id="7" name="Rectangle 6"/>
+          <p:cNvSpPr/>
+          <p:nvPr/>
+        </p:nvSpPr>
+        <p:spPr>
+          <a:xfrm>
+            <a:off x="5105400" y="4572000"/>
+            <a:ext cx="3810000" cy="1477328"/>
+          </a:xfrm>
+          <a:prstGeom prst="rect">
+            <a:avLst/>
+          </a:prstGeom>
+          <a:solidFill>
+            <a:schemeClr val="accent1">
+              <a:lumMod val="40000"/>
+              <a:lumOff val="60000"/>
+            </a:schemeClr>
+          </a:solidFill>
+        </p:spPr>
+        <p:txBody>
+          <a:bodyPr wrap="square">
+            <a:spAutoFit/>
+          </a:bodyPr>
+          <a:lstStyle/>
+          <a:p>
+            <a:r>
+              <a:rPr lang="en-US" dirty="0" smtClean="0">
+                <a:latin typeface="Calibri" charset="0"/>
+              </a:rPr>
+              <a:t>Class: ‘</a:t>
+            </a:r>
+            <a:r>
+              <a:rPr lang="en-US" dirty="0" smtClean="0"/>
+              <a:t>B1b-B cell’</a:t>
+            </a:r>
+            <a:endParaRPr lang="en-US" b="1" dirty="0" smtClean="0">
+              <a:latin typeface="Calibri" charset="0"/>
+            </a:endParaRPr>
+          </a:p>
+          <a:p>
+            <a:r>
+              <a:rPr lang="en-US" dirty="0" err="1" smtClean="0">
+                <a:latin typeface="Calibri" charset="0"/>
+              </a:rPr>
+              <a:t>EquivalentTo</a:t>
+            </a:r>
+            <a:r>
+              <a:rPr lang="en-US" dirty="0" smtClean="0">
+                <a:latin typeface="Calibri" charset="0"/>
+              </a:rPr>
+              <a:t>:</a:t>
+            </a:r>
+          </a:p>
+          <a:p>
+            <a:r>
+              <a:rPr lang="en-US" dirty="0" smtClean="0"/>
+              <a:t>‘B1-B cell’ and has part exactly 0 (‘plasma membrane’ and has_part some  CD5)</a:t>
+            </a:r>
+            <a:endParaRPr lang="en-US" b="1" dirty="0" smtClean="0">
+              <a:latin typeface="Calibri" charset="0"/>
+            </a:endParaRPr>
+          </a:p>
+        </p:txBody>
+      </p:sp>
+      <p:sp>
+        <p:nvSpPr>
+          <p:cNvPr id="8" name="Down Arrow 7"/>
+          <p:cNvSpPr/>
+          <p:nvPr/>
+        </p:nvSpPr>
+        <p:spPr>
+          <a:xfrm>
+            <a:off x="6705600" y="3581400"/>
+            <a:ext cx="304800" cy="762000"/>
+          </a:xfrm>
+          <a:prstGeom prst="downArrow">
+            <a:avLst/>
+          </a:prstGeom>
+        </p:spPr>
+        <p:style>
+          <a:lnRef idx="1">
+            <a:schemeClr val="accent1"/>
+          </a:lnRef>
+          <a:fillRef idx="3">
+            <a:schemeClr val="accent1"/>
+          </a:fillRef>
+          <a:effectRef idx="2">
+            <a:schemeClr val="accent1"/>
+          </a:effectRef>
+          <a:fontRef idx="minor">
+            <a:schemeClr val="lt1"/>
+          </a:fontRef>
+        </p:style>
+        <p:txBody>
+          <a:bodyPr rtlCol="0" anchor="ctr"/>
+          <a:lstStyle/>
+          <a:p>
+            <a:pPr algn="ctr"/>
+            <a:endParaRPr lang="en-US"/>
+          </a:p>
+        </p:txBody>
+      </p:sp>
+      <p:sp>
+        <p:nvSpPr>
+          <p:cNvPr id="9" name="Rectangle 8"/>
+          <p:cNvSpPr/>
+          <p:nvPr/>
+        </p:nvSpPr>
+        <p:spPr>
+          <a:xfrm>
+            <a:off x="7010400" y="1230868"/>
+            <a:ext cx="609487" cy="523220"/>
+          </a:xfrm>
+          <a:prstGeom prst="rect">
+            <a:avLst/>
+          </a:prstGeom>
+        </p:spPr>
+        <p:txBody>
+          <a:bodyPr wrap="none">
+            <a:spAutoFit/>
+          </a:bodyPr>
+          <a:lstStyle/>
+          <a:p>
+            <a:r>
+              <a:rPr lang="en-US" sz="2800" b="1" dirty="0" smtClean="0"/>
+              <a:t>O1</a:t>
+            </a:r>
+            <a:endParaRPr lang="en-US" sz="2800" b="1" dirty="0"/>
+          </a:p>
+        </p:txBody>
+      </p:sp>
+      <p:sp>
+        <p:nvSpPr>
+          <p:cNvPr id="10" name="Rectangle 9"/>
+          <p:cNvSpPr/>
+          <p:nvPr/>
+        </p:nvSpPr>
+        <p:spPr>
+          <a:xfrm>
+            <a:off x="7010400" y="3820180"/>
+            <a:ext cx="609487" cy="523220"/>
+          </a:xfrm>
+          <a:prstGeom prst="rect">
+            <a:avLst/>
+          </a:prstGeom>
+        </p:spPr>
+        <p:txBody>
+          <a:bodyPr wrap="none">
+            <a:spAutoFit/>
+          </a:bodyPr>
+          <a:lstStyle/>
+          <a:p>
+            <a:r>
+              <a:rPr lang="en-US" sz="2800" b="1" dirty="0" smtClean="0"/>
+              <a:t>O2</a:t>
+            </a:r>
+            <a:endParaRPr lang="en-US" sz="2800" b="1" dirty="0"/>
+          </a:p>
+        </p:txBody>
+      </p:sp>
+    </p:spTree>
+  </p:cSld>
+  <p:clrMapOvr>
+    <a:masterClrMapping/>
+  </p:clrMapOvr>
+</p:sld>
+</file>
+
+<file path=ppt/slides/slide19.xml><?xml version="1.0" encoding="utf-8"?>
+<p:sld xmlns:a="http://schemas.openxmlformats.org/drawingml/2006/main" xmlns:r="http://schemas.openxmlformats.org/officeDocument/2006/relationships" xmlns:mc="http://schemas.openxmlformats.org/markup-compatibility/2006" xmlns:mv="urn:schemas-microsoft-com:mac:vml" xmlns:p="http://schemas.openxmlformats.org/presentationml/2006/main" mc:Ignorable="mv" mc:PreserveAttributes="mv:*">
+  <p:cSld>
+    <p:spTree>
+      <p:nvGrpSpPr>
+        <p:cNvPr id="1" name=""/>
+        <p:cNvGrpSpPr/>
+        <p:nvPr/>
+      </p:nvGrpSpPr>
+      <p:grpSpPr>
+        <a:xfrm>
+          <a:off x="0" y="0"/>
+          <a:ext cx="0" cy="0"/>
+          <a:chOff x="0" y="0"/>
+          <a:chExt cx="0" cy="0"/>
+        </a:xfrm>
+      </p:grpSpPr>
+      <p:sp>
+        <p:nvSpPr>
+          <p:cNvPr id="11" name="Rectangle 10"/>
+          <p:cNvSpPr/>
+          <p:nvPr/>
+        </p:nvSpPr>
+        <p:spPr>
+          <a:xfrm>
+            <a:off x="5257800" y="1600200"/>
+            <a:ext cx="3810000" cy="923330"/>
+          </a:xfrm>
+          <a:prstGeom prst="rect">
+            <a:avLst/>
+          </a:prstGeom>
+          <a:solidFill>
+            <a:schemeClr val="bg2"/>
+          </a:solidFill>
+        </p:spPr>
+        <p:txBody>
+          <a:bodyPr wrap="square">
+            <a:spAutoFit/>
+          </a:bodyPr>
+          <a:lstStyle/>
+          <a:p>
+            <a:r>
+              <a:rPr lang="en-US" dirty="0" smtClean="0">
+                <a:latin typeface="Calibri" charset="0"/>
+              </a:rPr>
+              <a:t>Class: </a:t>
+            </a:r>
+            <a:r>
+              <a:rPr lang="en-US" b="1" dirty="0" smtClean="0">
+                <a:latin typeface="Calibri" charset="0"/>
+              </a:rPr>
+              <a:t>cell nucleus</a:t>
+            </a:r>
+          </a:p>
+          <a:p>
+            <a:r>
+              <a:rPr lang="en-US" dirty="0" smtClean="0">
+                <a:latin typeface="Calibri" charset="0"/>
+              </a:rPr>
+              <a:t>Annotations: </a:t>
+            </a:r>
+            <a:r>
+              <a:rPr lang="en-US" dirty="0" err="1" smtClean="0">
+                <a:latin typeface="Calibri" charset="0"/>
+              </a:rPr>
+              <a:t>disconnected_from</a:t>
+            </a:r>
+            <a:r>
+              <a:rPr lang="en-US" dirty="0" smtClean="0">
+                <a:latin typeface="Calibri" charset="0"/>
+              </a:rPr>
+              <a:t> cytoplasm</a:t>
+            </a:r>
+            <a:endParaRPr lang="en-US" b="1" dirty="0" smtClean="0">
+              <a:latin typeface="Calibri" charset="0"/>
+            </a:endParaRPr>
+          </a:p>
+        </p:txBody>
+      </p:sp>
+      <p:sp>
+        <p:nvSpPr>
+          <p:cNvPr id="2" name="Title 1"/>
+          <p:cNvSpPr>
+            <a:spLocks noGrp="1"/>
+          </p:cNvSpPr>
+          <p:nvPr>
+            <p:ph type="title"/>
+          </p:nvPr>
+        </p:nvSpPr>
+        <p:spPr/>
+        <p:txBody>
+          <a:bodyPr/>
+          <a:lstStyle/>
+          <a:p>
+            <a:r>
+              <a:rPr lang="en-US" dirty="0" smtClean="0"/>
+              <a:t>Expansion of axioms</a:t>
+            </a:r>
+            <a:endParaRPr lang="en-US" dirty="0"/>
+          </a:p>
+        </p:txBody>
+      </p:sp>
+      <p:sp>
+        <p:nvSpPr>
+          <p:cNvPr id="4" name="Rectangle 3"/>
+          <p:cNvSpPr/>
+          <p:nvPr/>
+        </p:nvSpPr>
+        <p:spPr>
+          <a:xfrm>
+            <a:off x="457200" y="1600200"/>
+            <a:ext cx="4572000" cy="1523494"/>
+          </a:xfrm>
+          <a:prstGeom prst="rect">
+            <a:avLst/>
+          </a:prstGeom>
+        </p:spPr>
+        <p:txBody>
+          <a:bodyPr wrap="square">
+            <a:spAutoFit/>
+          </a:bodyPr>
+          <a:lstStyle/>
+          <a:p>
+            <a:pPr>
+              <a:buFont typeface="Arial" charset="0"/>
+              <a:buNone/>
+            </a:pPr>
+            <a:r>
+              <a:rPr lang="en-US" sz="2400" b="1" dirty="0" err="1" smtClean="0"/>
+              <a:t>ObjectProperty</a:t>
+            </a:r>
+            <a:r>
+              <a:rPr lang="en-US" sz="2400" dirty="0" smtClean="0"/>
+              <a:t>: </a:t>
+            </a:r>
+            <a:r>
+              <a:rPr lang="en-US" sz="2400" dirty="0" err="1" smtClean="0"/>
+              <a:t>disconnected_from</a:t>
+            </a:r>
+            <a:endParaRPr lang="en-US" sz="2400" dirty="0" smtClean="0"/>
+          </a:p>
+          <a:p>
+            <a:pPr>
+              <a:buFont typeface="Arial" charset="0"/>
+              <a:buNone/>
+            </a:pPr>
+            <a:r>
+              <a:rPr lang="en-US" sz="2400" b="1" dirty="0" smtClean="0"/>
+              <a:t>Annotations</a:t>
+            </a:r>
+            <a:r>
+              <a:rPr lang="en-US" sz="2400" dirty="0" smtClean="0"/>
+              <a:t>: </a:t>
+            </a:r>
+            <a:r>
+              <a:rPr lang="en-US" sz="2400" dirty="0" err="1" smtClean="0"/>
+              <a:t>expandAssertionTo</a:t>
+            </a:r>
+            <a:r>
+              <a:rPr lang="en-US" sz="2400" dirty="0" smtClean="0"/>
+              <a:t> “</a:t>
+            </a:r>
+            <a:r>
+              <a:rPr lang="en-US" sz="2400" dirty="0" smtClean="0"/>
+              <a:t/>
+            </a:r>
+            <a:br>
+              <a:rPr lang="en-US" sz="2400" dirty="0" smtClean="0"/>
+            </a:br>
+            <a:r>
+              <a:rPr lang="en-US" sz="1700" dirty="0" smtClean="0"/>
+              <a:t> (</a:t>
+            </a:r>
+            <a:r>
+              <a:rPr lang="en-US" sz="1700" b="1" dirty="0" smtClean="0"/>
+              <a:t>part_of</a:t>
+            </a:r>
+            <a:r>
+              <a:rPr lang="en-US" sz="1700" dirty="0" smtClean="0"/>
+              <a:t> </a:t>
+            </a:r>
+            <a:r>
+              <a:rPr lang="en-US" sz="1700" dirty="0" smtClean="0"/>
+              <a:t> </a:t>
+            </a:r>
+            <a:r>
+              <a:rPr lang="en-US" sz="1600" i="1" dirty="0" smtClean="0">
+                <a:solidFill>
+                  <a:srgbClr val="FF0000"/>
+                </a:solidFill>
+              </a:rPr>
+              <a:t>?X) </a:t>
+            </a:r>
+            <a:r>
+              <a:rPr lang="en-US" sz="1700" b="1" i="1" dirty="0" err="1" smtClean="0"/>
+              <a:t>DisjointWith</a:t>
+            </a:r>
+            <a:r>
+              <a:rPr lang="en-US" sz="1700" b="1" i="1" dirty="0" smtClean="0"/>
+              <a:t> </a:t>
+            </a:r>
+            <a:r>
+              <a:rPr lang="en-US" sz="1700" dirty="0" smtClean="0"/>
+              <a:t> (</a:t>
+            </a:r>
+            <a:r>
+              <a:rPr lang="en-US" sz="1700" b="1" dirty="0" smtClean="0"/>
+              <a:t>part_of</a:t>
+            </a:r>
+            <a:r>
+              <a:rPr lang="en-US" sz="1700" dirty="0" smtClean="0"/>
+              <a:t>  </a:t>
+            </a:r>
+            <a:r>
+              <a:rPr lang="en-US" sz="1600" i="1" dirty="0" smtClean="0">
+                <a:solidFill>
+                  <a:srgbClr val="FF0000"/>
+                </a:solidFill>
+              </a:rPr>
+              <a:t>?Y )</a:t>
+            </a:r>
+            <a:r>
+              <a:rPr lang="en-US" sz="1700" b="1" i="1" dirty="0" smtClean="0"/>
+              <a:t> </a:t>
+            </a:r>
+            <a:r>
+              <a:rPr lang="en-US" sz="2100" dirty="0" smtClean="0"/>
+              <a:t>”</a:t>
+            </a:r>
+            <a:endParaRPr lang="en-US" sz="2100" dirty="0" smtClean="0"/>
+          </a:p>
+        </p:txBody>
+      </p:sp>
+      <p:sp>
+        <p:nvSpPr>
+          <p:cNvPr id="7" name="Rectangle 6"/>
+          <p:cNvSpPr/>
+          <p:nvPr/>
+        </p:nvSpPr>
+        <p:spPr>
+          <a:xfrm>
+            <a:off x="5257800" y="3962400"/>
+            <a:ext cx="3810000" cy="646331"/>
+          </a:xfrm>
+          <a:prstGeom prst="rect">
+            <a:avLst/>
+          </a:prstGeom>
+          <a:solidFill>
+            <a:schemeClr val="accent1">
+              <a:lumMod val="40000"/>
+              <a:lumOff val="60000"/>
+            </a:schemeClr>
+          </a:solidFill>
+        </p:spPr>
+        <p:txBody>
+          <a:bodyPr wrap="square">
+            <a:spAutoFit/>
+          </a:bodyPr>
+          <a:lstStyle/>
+          <a:p>
+            <a:r>
+              <a:rPr lang="en-US" dirty="0" smtClean="0"/>
+              <a:t>(</a:t>
+            </a:r>
+            <a:r>
+              <a:rPr lang="en-US" b="1" dirty="0" smtClean="0"/>
+              <a:t>part_of ‘</a:t>
+            </a:r>
+            <a:r>
+              <a:rPr lang="en-US" dirty="0" smtClean="0"/>
+              <a:t>cell nucleus</a:t>
+            </a:r>
+            <a:r>
+              <a:rPr lang="en-US" b="1" dirty="0" smtClean="0"/>
+              <a:t>’</a:t>
+            </a:r>
+            <a:r>
+              <a:rPr lang="en-US" b="1" dirty="0" smtClean="0"/>
+              <a:t>) </a:t>
+            </a:r>
+            <a:r>
+              <a:rPr lang="en-US" i="1" dirty="0" smtClean="0">
+                <a:solidFill>
+                  <a:srgbClr val="FF0000"/>
+                </a:solidFill>
+              </a:rPr>
+              <a:t> </a:t>
+            </a:r>
+            <a:r>
+              <a:rPr lang="en-US" b="1" i="1" dirty="0" err="1" smtClean="0"/>
+              <a:t>DisjointWith</a:t>
+            </a:r>
+            <a:r>
+              <a:rPr lang="en-US" b="1" i="1" dirty="0" smtClean="0"/>
+              <a:t> </a:t>
+            </a:r>
+            <a:r>
+              <a:rPr lang="en-US" dirty="0" smtClean="0"/>
+              <a:t> (</a:t>
+            </a:r>
+            <a:r>
+              <a:rPr lang="en-US" b="1" dirty="0" smtClean="0"/>
+              <a:t>part_of</a:t>
+            </a:r>
+            <a:r>
+              <a:rPr lang="en-US" dirty="0" smtClean="0"/>
+              <a:t> ‘cytoplasm’)</a:t>
+            </a:r>
+            <a:r>
+              <a:rPr lang="en-US" b="1" i="1" dirty="0" smtClean="0"/>
+              <a:t> </a:t>
+            </a:r>
+            <a:endParaRPr lang="en-US" b="1" dirty="0" smtClean="0">
+              <a:latin typeface="Calibri" charset="0"/>
+            </a:endParaRPr>
+          </a:p>
+        </p:txBody>
+      </p:sp>
+      <p:sp>
+        <p:nvSpPr>
+          <p:cNvPr id="8" name="Down Arrow 7"/>
+          <p:cNvSpPr/>
+          <p:nvPr/>
+        </p:nvSpPr>
+        <p:spPr>
+          <a:xfrm>
+            <a:off x="6324600" y="2895600"/>
+            <a:ext cx="304800" cy="762000"/>
+          </a:xfrm>
+          <a:prstGeom prst="downArrow">
+            <a:avLst/>
+          </a:prstGeom>
+        </p:spPr>
+        <p:style>
+          <a:lnRef idx="1">
+            <a:schemeClr val="accent1"/>
+          </a:lnRef>
+          <a:fillRef idx="3">
+            <a:schemeClr val="accent1"/>
+          </a:fillRef>
+          <a:effectRef idx="2">
+            <a:schemeClr val="accent1"/>
+          </a:effectRef>
+          <a:fontRef idx="minor">
+            <a:schemeClr val="lt1"/>
+          </a:fontRef>
+        </p:style>
+        <p:txBody>
+          <a:bodyPr rtlCol="0" anchor="ctr"/>
+          <a:lstStyle/>
+          <a:p>
+            <a:pPr algn="ctr"/>
+            <a:endParaRPr lang="en-US"/>
+          </a:p>
+        </p:txBody>
+      </p:sp>
+      <p:sp>
+        <p:nvSpPr>
+          <p:cNvPr id="9" name="Rectangle 8"/>
+          <p:cNvSpPr/>
+          <p:nvPr/>
+        </p:nvSpPr>
+        <p:spPr>
+          <a:xfrm>
+            <a:off x="7010400" y="1230868"/>
+            <a:ext cx="609487" cy="523220"/>
+          </a:xfrm>
+          <a:prstGeom prst="rect">
+            <a:avLst/>
+          </a:prstGeom>
+        </p:spPr>
+        <p:txBody>
+          <a:bodyPr wrap="none">
+            <a:spAutoFit/>
+          </a:bodyPr>
+          <a:lstStyle/>
+          <a:p>
+            <a:r>
+              <a:rPr lang="en-US" sz="2800" b="1" dirty="0" smtClean="0"/>
+              <a:t>O1</a:t>
+            </a:r>
+            <a:endParaRPr lang="en-US" sz="2800" b="1" dirty="0"/>
+          </a:p>
+        </p:txBody>
+      </p:sp>
+      <p:sp>
+        <p:nvSpPr>
+          <p:cNvPr id="10" name="Rectangle 9"/>
+          <p:cNvSpPr/>
+          <p:nvPr/>
+        </p:nvSpPr>
+        <p:spPr>
+          <a:xfrm>
+            <a:off x="7010400" y="3439180"/>
+            <a:ext cx="609487" cy="523220"/>
+          </a:xfrm>
+          <a:prstGeom prst="rect">
+            <a:avLst/>
+          </a:prstGeom>
+        </p:spPr>
+        <p:txBody>
+          <a:bodyPr wrap="none">
+            <a:spAutoFit/>
+          </a:bodyPr>
+          <a:lstStyle/>
+          <a:p>
+            <a:r>
+              <a:rPr lang="en-US" sz="2800" b="1" dirty="0" smtClean="0"/>
+              <a:t>O2</a:t>
+            </a:r>
+            <a:endParaRPr lang="en-US" sz="2800" b="1" dirty="0"/>
           </a:p>
         </p:txBody>
       </p:sp>
@@ -3952,7 +6135,7 @@
           <a:p>
             <a:r>
               <a:rPr lang="en-US" dirty="0" smtClean="0"/>
-              <a:t>Background</a:t>
+              <a:t>Outline</a:t>
             </a:r>
             <a:endParaRPr lang="en-US" dirty="0"/>
           </a:p>
@@ -3970,40 +6153,195 @@
         </p:nvSpPr>
         <p:spPr/>
         <p:txBody>
-          <a:bodyPr>
-            <a:normAutofit lnSpcReduction="10000"/>
-          </a:bodyPr>
-          <a:lstStyle/>
-          <a:p>
-            <a:r>
-              <a:rPr lang="en-US" dirty="0" smtClean="0"/>
-              <a:t>Biology is complex</a:t>
-            </a:r>
-          </a:p>
-          <a:p>
-            <a:r>
-              <a:rPr lang="en-US" dirty="0" smtClean="0"/>
-              <a:t>OWL2 provides some of the needed expressivity</a:t>
-            </a:r>
-          </a:p>
-          <a:p>
-            <a:r>
-              <a:rPr lang="en-US" dirty="0" smtClean="0"/>
-              <a:t>Ontologies that model the necessary detail can be difficult to work with</a:t>
-            </a:r>
-          </a:p>
-          <a:p>
-            <a:r>
-              <a:rPr lang="en-US" dirty="0" smtClean="0"/>
-              <a:t>Some kind of intermediate representation (IR) would help</a:t>
-            </a:r>
-          </a:p>
-          <a:p>
-            <a:r>
-              <a:rPr lang="en-US" b="1" dirty="0" smtClean="0"/>
-              <a:t>Ideally this representation would live in OWL and be edited in common OWL tools</a:t>
-            </a:r>
-            <a:endParaRPr lang="en-US" b="1" dirty="0"/>
+          <a:bodyPr/>
+          <a:lstStyle/>
+          <a:p>
+            <a:r>
+              <a:rPr lang="en-US" dirty="0" smtClean="0"/>
+              <a:t>Illustration of problem</a:t>
+            </a:r>
+          </a:p>
+          <a:p>
+            <a:pPr lvl="1"/>
+            <a:r>
+              <a:rPr lang="en-US" dirty="0" smtClean="0"/>
+              <a:t>Biological example</a:t>
+            </a:r>
+          </a:p>
+          <a:p>
+            <a:r>
+              <a:rPr lang="en-US" dirty="0" smtClean="0"/>
+              <a:t>Implementation choices</a:t>
+            </a:r>
+          </a:p>
+          <a:p>
+            <a:r>
+              <a:rPr lang="en-US" dirty="0" smtClean="0"/>
+              <a:t>Existing approaches</a:t>
+            </a:r>
+          </a:p>
+          <a:p>
+            <a:r>
+              <a:rPr lang="en-US" dirty="0" smtClean="0"/>
+              <a:t>A proposed approach</a:t>
+            </a:r>
+          </a:p>
+          <a:p>
+            <a:r>
+              <a:rPr lang="en-US" dirty="0" smtClean="0"/>
+              <a:t>Open discussion</a:t>
+            </a:r>
+            <a:endParaRPr lang="en-US" dirty="0"/>
+          </a:p>
+        </p:txBody>
+      </p:sp>
+    </p:spTree>
+  </p:cSld>
+  <p:clrMapOvr>
+    <a:masterClrMapping/>
+  </p:clrMapOvr>
+</p:sld>
+</file>
+
+<file path=ppt/slides/slide20.xml><?xml version="1.0" encoding="utf-8"?>
+<p:sld xmlns:a="http://schemas.openxmlformats.org/drawingml/2006/main" xmlns:r="http://schemas.openxmlformats.org/officeDocument/2006/relationships" xmlns:mc="http://schemas.openxmlformats.org/markup-compatibility/2006" xmlns:mv="urn:schemas-microsoft-com:mac:vml" xmlns:p="http://schemas.openxmlformats.org/presentationml/2006/main" mc:Ignorable="mv" mc:PreserveAttributes="mv:*">
+  <p:cSld>
+    <p:spTree>
+      <p:nvGrpSpPr>
+        <p:cNvPr id="1" name=""/>
+        <p:cNvGrpSpPr/>
+        <p:nvPr/>
+      </p:nvGrpSpPr>
+      <p:grpSpPr>
+        <a:xfrm>
+          <a:off x="0" y="0"/>
+          <a:ext cx="0" cy="0"/>
+          <a:chOff x="0" y="0"/>
+          <a:chExt cx="0" cy="0"/>
+        </a:xfrm>
+      </p:grpSpPr>
+      <p:sp>
+        <p:nvSpPr>
+          <p:cNvPr id="2" name="Title 1"/>
+          <p:cNvSpPr>
+            <a:spLocks noGrp="1"/>
+          </p:cNvSpPr>
+          <p:nvPr>
+            <p:ph type="title"/>
+          </p:nvPr>
+        </p:nvSpPr>
+        <p:spPr/>
+        <p:txBody>
+          <a:bodyPr/>
+          <a:lstStyle/>
+          <a:p>
+            <a:r>
+              <a:rPr lang="en-US" dirty="0" smtClean="0"/>
+              <a:t>OBO Relation Ontology</a:t>
+            </a:r>
+            <a:endParaRPr lang="en-US" dirty="0"/>
+          </a:p>
+        </p:txBody>
+      </p:sp>
+      <p:sp>
+        <p:nvSpPr>
+          <p:cNvPr id="3" name="Content Placeholder 2"/>
+          <p:cNvSpPr>
+            <a:spLocks noGrp="1"/>
+          </p:cNvSpPr>
+          <p:nvPr>
+            <p:ph idx="1"/>
+          </p:nvPr>
+        </p:nvSpPr>
+        <p:spPr/>
+        <p:txBody>
+          <a:bodyPr/>
+          <a:lstStyle/>
+          <a:p>
+            <a:endParaRPr lang="en-US"/>
+          </a:p>
+        </p:txBody>
+      </p:sp>
+    </p:spTree>
+  </p:cSld>
+  <p:clrMapOvr>
+    <a:masterClrMapping/>
+  </p:clrMapOvr>
+</p:sld>
+</file>
+
+<file path=ppt/slides/slide21.xml><?xml version="1.0" encoding="utf-8"?>
+<p:sld xmlns:a="http://schemas.openxmlformats.org/drawingml/2006/main" xmlns:r="http://schemas.openxmlformats.org/officeDocument/2006/relationships" xmlns:mc="http://schemas.openxmlformats.org/markup-compatibility/2006" xmlns:mv="urn:schemas-microsoft-com:mac:vml" xmlns:p="http://schemas.openxmlformats.org/presentationml/2006/main" mc:Ignorable="mv" mc:PreserveAttributes="mv:*">
+  <p:cSld>
+    <p:spTree>
+      <p:nvGrpSpPr>
+        <p:cNvPr id="1" name=""/>
+        <p:cNvGrpSpPr/>
+        <p:nvPr/>
+      </p:nvGrpSpPr>
+      <p:grpSpPr>
+        <a:xfrm>
+          <a:off x="0" y="0"/>
+          <a:ext cx="0" cy="0"/>
+          <a:chOff x="0" y="0"/>
+          <a:chExt cx="0" cy="0"/>
+        </a:xfrm>
+      </p:grpSpPr>
+      <p:sp>
+        <p:nvSpPr>
+          <p:cNvPr id="2" name="Title 1"/>
+          <p:cNvSpPr>
+            <a:spLocks noGrp="1"/>
+          </p:cNvSpPr>
+          <p:nvPr>
+            <p:ph type="title"/>
+          </p:nvPr>
+        </p:nvSpPr>
+        <p:spPr/>
+        <p:txBody>
+          <a:bodyPr/>
+          <a:lstStyle/>
+          <a:p>
+            <a:r>
+              <a:rPr lang="en-US" dirty="0" smtClean="0"/>
+              <a:t>Conclusions</a:t>
+            </a:r>
+            <a:endParaRPr lang="en-US" dirty="0"/>
+          </a:p>
+        </p:txBody>
+      </p:sp>
+      <p:sp>
+        <p:nvSpPr>
+          <p:cNvPr id="3" name="Content Placeholder 2"/>
+          <p:cNvSpPr>
+            <a:spLocks noGrp="1"/>
+          </p:cNvSpPr>
+          <p:nvPr>
+            <p:ph idx="1"/>
+          </p:nvPr>
+        </p:nvSpPr>
+        <p:spPr/>
+        <p:txBody>
+          <a:bodyPr/>
+          <a:lstStyle/>
+          <a:p>
+            <a:r>
+              <a:rPr lang="en-US" dirty="0" smtClean="0"/>
+              <a:t>Hand authoring complex OWL is difficult</a:t>
+            </a:r>
+          </a:p>
+          <a:p>
+            <a:r>
+              <a:rPr lang="en-US" dirty="0" smtClean="0"/>
+              <a:t>Different people approach this differently</a:t>
+            </a:r>
+          </a:p>
+          <a:p>
+            <a:r>
+              <a:rPr lang="en-US" dirty="0" smtClean="0"/>
+              <a:t>We want a single standard solution</a:t>
+            </a:r>
+            <a:endParaRPr lang="en-US" dirty="0"/>
           </a:p>
         </p:txBody>
       </p:sp>
@@ -4016,6 +6354,111 @@
 </file>
 
 <file path=ppt/slides/slide3.xml><?xml version="1.0" encoding="utf-8"?>
+<p:sld xmlns:a="http://schemas.openxmlformats.org/drawingml/2006/main" xmlns:r="http://schemas.openxmlformats.org/officeDocument/2006/relationships" xmlns:mc="http://schemas.openxmlformats.org/markup-compatibility/2006" xmlns:mv="urn:schemas-microsoft-com:mac:vml" xmlns:p="http://schemas.openxmlformats.org/presentationml/2006/main" mc:Ignorable="mv" mc:PreserveAttributes="mv:*">
+  <p:cSld>
+    <p:spTree>
+      <p:nvGrpSpPr>
+        <p:cNvPr id="1" name=""/>
+        <p:cNvGrpSpPr/>
+        <p:nvPr/>
+      </p:nvGrpSpPr>
+      <p:grpSpPr>
+        <a:xfrm>
+          <a:off x="0" y="0"/>
+          <a:ext cx="0" cy="0"/>
+          <a:chOff x="0" y="0"/>
+          <a:chExt cx="0" cy="0"/>
+        </a:xfrm>
+      </p:grpSpPr>
+      <p:sp>
+        <p:nvSpPr>
+          <p:cNvPr id="2" name="Title 1"/>
+          <p:cNvSpPr>
+            <a:spLocks noGrp="1"/>
+          </p:cNvSpPr>
+          <p:nvPr>
+            <p:ph type="title"/>
+          </p:nvPr>
+        </p:nvSpPr>
+        <p:spPr/>
+        <p:txBody>
+          <a:bodyPr/>
+          <a:lstStyle/>
+          <a:p>
+            <a:r>
+              <a:rPr lang="en-US" dirty="0" smtClean="0"/>
+              <a:t>Background</a:t>
+            </a:r>
+            <a:endParaRPr lang="en-US" dirty="0"/>
+          </a:p>
+        </p:txBody>
+      </p:sp>
+      <p:sp>
+        <p:nvSpPr>
+          <p:cNvPr id="3" name="Content Placeholder 2"/>
+          <p:cNvSpPr>
+            <a:spLocks noGrp="1"/>
+          </p:cNvSpPr>
+          <p:nvPr>
+            <p:ph idx="1"/>
+          </p:nvPr>
+        </p:nvSpPr>
+        <p:spPr/>
+        <p:txBody>
+          <a:bodyPr>
+            <a:normAutofit fontScale="92500"/>
+          </a:bodyPr>
+          <a:lstStyle/>
+          <a:p>
+            <a:r>
+              <a:rPr lang="en-US" dirty="0" smtClean="0"/>
+              <a:t>Biology is complex</a:t>
+            </a:r>
+          </a:p>
+          <a:p>
+            <a:pPr lvl="1"/>
+            <a:r>
+              <a:rPr lang="en-US" dirty="0" smtClean="0"/>
+              <a:t>modeling is hard</a:t>
+            </a:r>
+          </a:p>
+          <a:p>
+            <a:r>
+              <a:rPr lang="en-US" dirty="0" smtClean="0"/>
+              <a:t>OWL2 provides some of the needed expressivity</a:t>
+            </a:r>
+          </a:p>
+          <a:p>
+            <a:pPr lvl="1"/>
+            <a:r>
+              <a:rPr lang="en-US" dirty="0" smtClean="0"/>
+              <a:t>…but ontologies that model the necessary detail can be difficult to work with</a:t>
+            </a:r>
+          </a:p>
+          <a:p>
+            <a:r>
+              <a:rPr lang="en-US" dirty="0" smtClean="0"/>
+              <a:t>Some kind of intermediate representation (IR) would help</a:t>
+            </a:r>
+          </a:p>
+          <a:p>
+            <a:r>
+              <a:rPr lang="en-US" b="1" dirty="0" smtClean="0"/>
+              <a:t>Ideally this representation would live in OWL and be edited in common OWL tools</a:t>
+            </a:r>
+            <a:endParaRPr lang="en-US" b="1" dirty="0"/>
+          </a:p>
+        </p:txBody>
+      </p:sp>
+    </p:spTree>
+  </p:cSld>
+  <p:clrMapOvr>
+    <a:masterClrMapping/>
+  </p:clrMapOvr>
+</p:sld>
+</file>
+
+<file path=ppt/slides/slide4.xml><?xml version="1.0" encoding="utf-8"?>
 <p:sld xmlns:a="http://schemas.openxmlformats.org/drawingml/2006/main" xmlns:r="http://schemas.openxmlformats.org/officeDocument/2006/relationships" xmlns:mc="http://schemas.openxmlformats.org/markup-compatibility/2006" xmlns:mv="urn:schemas-microsoft-com:mac:vml" xmlns:p="http://schemas.openxmlformats.org/presentationml/2006/main" mc:Ignorable="mv" mc:PreserveAttributes="mv:*">
   <p:cSld>
     <p:spTree>
@@ -4089,7 +6532,7 @@
         </p:nvSpPr>
         <p:spPr>
           <a:xfrm>
-            <a:off x="5286983" y="1883549"/>
+            <a:off x="5286983" y="5617349"/>
             <a:ext cx="3810000" cy="923330"/>
           </a:xfrm>
           <a:prstGeom prst="rect">
@@ -4112,7 +6555,7 @@
               <a:rPr lang="en-US" b="1" dirty="0" smtClean="0">
                 <a:latin typeface="Calibri" charset="0"/>
               </a:rPr>
-              <a:t>N1</a:t>
+              <a:t>N_ABC</a:t>
             </a:r>
           </a:p>
           <a:p>
@@ -4152,7 +6595,7 @@
               <a:rPr lang="en-US" b="1" dirty="0" smtClean="0">
                 <a:latin typeface="Calibri" charset="0"/>
               </a:rPr>
-              <a:t>N2</a:t>
+              <a:t>N_DEF</a:t>
             </a:r>
             <a:endParaRPr lang="en-US" b="1" dirty="0" smtClean="0">
               <a:latin typeface="Calibri" charset="0"/>
@@ -4168,8 +6611,8 @@
         </p:nvSpPr>
         <p:spPr>
           <a:xfrm>
-            <a:off x="3429000" y="1883549"/>
-            <a:ext cx="450664" cy="369332"/>
+            <a:off x="2978336" y="1698883"/>
+            <a:ext cx="843124" cy="369332"/>
           </a:xfrm>
           <a:prstGeom prst="rect">
             <a:avLst/>
@@ -4185,7 +6628,7 @@
               <a:rPr lang="en-US" b="1" dirty="0" smtClean="0">
                 <a:latin typeface="Calibri" charset="0"/>
               </a:rPr>
-              <a:t>N1</a:t>
+              <a:t>N_ABC</a:t>
             </a:r>
             <a:endParaRPr lang="en-US" b="1" dirty="0"/>
           </a:p>
@@ -4199,8 +6642,8 @@
         </p:nvSpPr>
         <p:spPr>
           <a:xfrm>
-            <a:off x="5286983" y="3505200"/>
-            <a:ext cx="453970" cy="369332"/>
+            <a:off x="4090247" y="3886200"/>
+            <a:ext cx="815736" cy="369332"/>
           </a:xfrm>
           <a:prstGeom prst="rect">
             <a:avLst/>
@@ -4216,7 +6659,7 @@
               <a:rPr lang="en-US" b="1" dirty="0" smtClean="0">
                 <a:latin typeface="Calibri" charset="0"/>
               </a:rPr>
-              <a:t>N2</a:t>
+              <a:t>N_DEF</a:t>
             </a:r>
             <a:endParaRPr lang="en-US" b="1" dirty="0"/>
           </a:p>
@@ -4231,7 +6674,7 @@
         <p:spPr>
           <a:xfrm>
             <a:off x="1905000" y="4648200"/>
-            <a:ext cx="453970" cy="369332"/>
+            <a:ext cx="751941" cy="369332"/>
           </a:xfrm>
           <a:prstGeom prst="rect">
             <a:avLst/>
@@ -4247,7 +6690,7 @@
               <a:rPr lang="en-US" b="1" dirty="0" smtClean="0">
                 <a:latin typeface="Calibri" charset="0"/>
               </a:rPr>
-              <a:t>N3</a:t>
+              <a:t>N_JKL</a:t>
             </a:r>
             <a:endParaRPr lang="en-US" b="1" dirty="0"/>
           </a:p>
@@ -4261,8 +6704,8 @@
         </p:nvSpPr>
         <p:spPr>
           <a:xfrm>
-            <a:off x="4572000" y="5377934"/>
-            <a:ext cx="453707" cy="369332"/>
+            <a:off x="2978336" y="5248017"/>
+            <a:ext cx="805930" cy="369332"/>
           </a:xfrm>
           <a:prstGeom prst="rect">
             <a:avLst/>
@@ -4278,7 +6721,7 @@
               <a:rPr lang="en-US" b="1" dirty="0" smtClean="0">
                 <a:latin typeface="Calibri" charset="0"/>
               </a:rPr>
-              <a:t>N4</a:t>
+              <a:t>N_GHI</a:t>
             </a:r>
             <a:endParaRPr lang="en-US" b="1" dirty="0"/>
           </a:p>
@@ -4292,7 +6735,7 @@
         </p:nvSpPr>
         <p:spPr>
           <a:xfrm>
-            <a:off x="5439383" y="4648200"/>
+            <a:off x="5286983" y="1698883"/>
             <a:ext cx="3810000" cy="1477328"/>
           </a:xfrm>
           <a:prstGeom prst="rect">
@@ -4368,7 +6811,7 @@
 </p:sld>
 </file>
 
-<file path=ppt/slides/slide4.xml><?xml version="1.0" encoding="utf-8"?>
+<file path=ppt/slides/slide5.xml><?xml version="1.0" encoding="utf-8"?>
 <p:sld xmlns:a="http://schemas.openxmlformats.org/drawingml/2006/main" xmlns:r="http://schemas.openxmlformats.org/officeDocument/2006/relationships" xmlns:mc="http://schemas.openxmlformats.org/markup-compatibility/2006" xmlns:mv="urn:schemas-microsoft-com:mac:vml" xmlns:p="http://schemas.openxmlformats.org/presentationml/2006/main" mc:Ignorable="mv" mc:PreserveAttributes="mv:*">
   <p:cSld>
     <p:spTree>
@@ -4692,344 +7135,6 @@
 </p:sld>
 </file>
 
-<file path=ppt/slides/slide5.xml><?xml version="1.0" encoding="utf-8"?>
-<p:sld xmlns:a="http://schemas.openxmlformats.org/drawingml/2006/main" xmlns:r="http://schemas.openxmlformats.org/officeDocument/2006/relationships" xmlns:mc="http://schemas.openxmlformats.org/markup-compatibility/2006" xmlns:mv="urn:schemas-microsoft-com:mac:vml" xmlns:p="http://schemas.openxmlformats.org/presentationml/2006/main" mc:Ignorable="mv" mc:PreserveAttributes="mv:*">
-  <p:cSld>
-    <p:spTree>
-      <p:nvGrpSpPr>
-        <p:cNvPr id="1" name=""/>
-        <p:cNvGrpSpPr/>
-        <p:nvPr/>
-      </p:nvGrpSpPr>
-      <p:grpSpPr>
-        <a:xfrm>
-          <a:off x="0" y="0"/>
-          <a:ext cx="0" cy="0"/>
-          <a:chOff x="0" y="0"/>
-          <a:chExt cx="0" cy="0"/>
-        </a:xfrm>
-      </p:grpSpPr>
-      <p:sp>
-        <p:nvSpPr>
-          <p:cNvPr id="27650" name="Title 1"/>
-          <p:cNvSpPr>
-            <a:spLocks noGrp="1"/>
-          </p:cNvSpPr>
-          <p:nvPr>
-            <p:ph type="title"/>
-          </p:nvPr>
-        </p:nvSpPr>
-        <p:spPr/>
-        <p:txBody>
-          <a:bodyPr/>
-          <a:lstStyle/>
-          <a:p>
-            <a:r>
-              <a:rPr lang="en-US" dirty="0" smtClean="0"/>
-              <a:t>Taking shortcuts</a:t>
-            </a:r>
-            <a:endParaRPr lang="en-US" dirty="0" smtClean="0"/>
-          </a:p>
-        </p:txBody>
-      </p:sp>
-      <p:sp>
-        <p:nvSpPr>
-          <p:cNvPr id="3" name="Content Placeholder 2"/>
-          <p:cNvSpPr>
-            <a:spLocks noGrp="1"/>
-          </p:cNvSpPr>
-          <p:nvPr>
-            <p:ph idx="1"/>
-          </p:nvPr>
-        </p:nvSpPr>
-        <p:spPr>
-          <a:xfrm>
-            <a:off x="647700" y="1600200"/>
-            <a:ext cx="8229600" cy="4965700"/>
-          </a:xfrm>
-        </p:spPr>
-        <p:txBody>
-          <a:bodyPr>
-            <a:normAutofit/>
-          </a:bodyPr>
-          <a:lstStyle/>
-          <a:p>
-            <a:r>
-              <a:rPr lang="en-US" dirty="0" smtClean="0"/>
-              <a:t>We would like to write:</a:t>
-            </a:r>
-          </a:p>
-          <a:p>
-            <a:pPr lvl="1"/>
-            <a:r>
-              <a:rPr lang="en-US" i="1" dirty="0" smtClean="0">
-                <a:solidFill>
-                  <a:srgbClr val="FF0000"/>
-                </a:solidFill>
-              </a:rPr>
-              <a:t>N1</a:t>
-            </a:r>
-            <a:r>
-              <a:rPr lang="en-US" i="1" dirty="0" smtClean="0"/>
-              <a:t> </a:t>
-            </a:r>
-            <a:r>
-              <a:rPr lang="en-US" dirty="0" err="1" smtClean="0"/>
-              <a:t>synapsed_to</a:t>
-            </a:r>
-            <a:r>
-              <a:rPr lang="en-US" dirty="0" smtClean="0"/>
-              <a:t> </a:t>
-            </a:r>
-            <a:r>
-              <a:rPr lang="en-US" dirty="0" smtClean="0">
-                <a:solidFill>
-                  <a:srgbClr val="0000FF"/>
-                </a:solidFill>
-              </a:rPr>
-              <a:t>some </a:t>
-            </a:r>
-            <a:r>
-              <a:rPr lang="en-US" i="1" dirty="0" smtClean="0">
-                <a:solidFill>
-                  <a:srgbClr val="FF0000"/>
-                </a:solidFill>
-              </a:rPr>
-              <a:t>N2</a:t>
-            </a:r>
-            <a:r>
-              <a:rPr lang="en-US" i="1" dirty="0" smtClean="0">
-                <a:solidFill>
-                  <a:srgbClr val="FF0000"/>
-                </a:solidFill>
-              </a:rPr>
-              <a:t> </a:t>
-            </a:r>
-            <a:endParaRPr lang="en-US" dirty="0" smtClean="0"/>
-          </a:p>
-          <a:p>
-            <a:r>
-              <a:rPr lang="en-US" dirty="0" smtClean="0"/>
-              <a:t>We want to infer this is equivalent to</a:t>
-            </a:r>
-            <a:r>
-              <a:rPr lang="en-US" dirty="0" smtClean="0"/>
-              <a:t>:</a:t>
-            </a:r>
-          </a:p>
-          <a:p>
-            <a:pPr>
-              <a:buFont typeface="Arial" charset="0"/>
-              <a:buNone/>
-            </a:pPr>
-            <a:r>
-              <a:rPr lang="en-US" sz="1700" i="1" dirty="0" smtClean="0">
-                <a:solidFill>
-                  <a:srgbClr val="FF0000"/>
-                </a:solidFill>
-              </a:rPr>
-              <a:t>N1 </a:t>
-            </a:r>
-            <a:r>
-              <a:rPr lang="en-US" sz="1700" dirty="0" err="1" smtClean="0"/>
-              <a:t>SubclassOf</a:t>
-            </a:r>
-            <a:r>
-              <a:rPr lang="en-US" sz="1700" dirty="0" smtClean="0"/>
-              <a:t> (</a:t>
-            </a:r>
-          </a:p>
-          <a:p>
-            <a:pPr lvl="2">
-              <a:buFont typeface="Arial" charset="0"/>
-              <a:buNone/>
-            </a:pPr>
-            <a:r>
-              <a:rPr lang="en-US" sz="1700" b="1" dirty="0" smtClean="0"/>
-              <a:t>has_part</a:t>
-            </a:r>
-            <a:r>
-              <a:rPr lang="en-US" sz="1700" dirty="0" smtClean="0"/>
-              <a:t> </a:t>
-            </a:r>
-            <a:r>
-              <a:rPr lang="en-US" sz="1700" dirty="0" smtClean="0">
-                <a:solidFill>
-                  <a:srgbClr val="0000FF"/>
-                </a:solidFill>
-              </a:rPr>
-              <a:t>some </a:t>
-            </a:r>
-            <a:r>
-              <a:rPr lang="en-US" sz="1700" dirty="0" smtClean="0"/>
-              <a:t>(</a:t>
-            </a:r>
-          </a:p>
-          <a:p>
-            <a:pPr lvl="3">
-              <a:buFont typeface="Arial" charset="0"/>
-              <a:buNone/>
-            </a:pPr>
-            <a:r>
-              <a:rPr lang="en-US" sz="1700" dirty="0" smtClean="0"/>
-              <a:t>‘pre-synaptic membrane ; </a:t>
-            </a:r>
-            <a:r>
-              <a:rPr lang="en-US" sz="1700" dirty="0" smtClean="0"/>
-              <a:t>GO_0042734</a:t>
-            </a:r>
-            <a:r>
-              <a:rPr lang="en-US" sz="1700" dirty="0" smtClean="0"/>
-              <a:t>’ </a:t>
-            </a:r>
-            <a:r>
-              <a:rPr lang="en-US" sz="1700" dirty="0" smtClean="0">
-                <a:solidFill>
-                  <a:srgbClr val="0000FF"/>
-                </a:solidFill>
-              </a:rPr>
-              <a:t>that </a:t>
-            </a:r>
-            <a:r>
-              <a:rPr lang="en-US" sz="1700" b="1" dirty="0" smtClean="0"/>
-              <a:t>part_of</a:t>
-            </a:r>
-            <a:r>
-              <a:rPr lang="en-US" sz="1700" dirty="0" smtClean="0"/>
-              <a:t> </a:t>
-            </a:r>
-            <a:r>
-              <a:rPr lang="en-US" sz="1700" dirty="0" smtClean="0">
-                <a:solidFill>
-                  <a:srgbClr val="0000FF"/>
-                </a:solidFill>
-              </a:rPr>
-              <a:t>some </a:t>
-            </a:r>
-            <a:r>
-              <a:rPr lang="en-US" sz="1700" dirty="0" smtClean="0"/>
-              <a:t>( </a:t>
-            </a:r>
-          </a:p>
-          <a:p>
-            <a:pPr lvl="3">
-              <a:buFont typeface="Arial" charset="0"/>
-              <a:buNone/>
-            </a:pPr>
-            <a:r>
-              <a:rPr lang="en-US" sz="1700" dirty="0" smtClean="0"/>
-              <a:t>	‘synapse ; </a:t>
-            </a:r>
-            <a:r>
-              <a:rPr lang="en-US" sz="1700" dirty="0" smtClean="0"/>
-              <a:t>GO_0045202</a:t>
-            </a:r>
-            <a:r>
-              <a:rPr lang="en-US" sz="1700" dirty="0" smtClean="0"/>
-              <a:t>’ </a:t>
-            </a:r>
-            <a:r>
-              <a:rPr lang="en-US" sz="1700" dirty="0" smtClean="0">
-                <a:solidFill>
-                  <a:srgbClr val="0000FF"/>
-                </a:solidFill>
-              </a:rPr>
-              <a:t>that </a:t>
-            </a:r>
-            <a:r>
-              <a:rPr lang="en-US" sz="1700" b="1" dirty="0" smtClean="0"/>
-              <a:t>has_part</a:t>
-            </a:r>
-            <a:r>
-              <a:rPr lang="en-US" sz="1700" dirty="0" smtClean="0"/>
-              <a:t> </a:t>
-            </a:r>
-            <a:r>
-              <a:rPr lang="en-US" sz="1700" dirty="0" smtClean="0">
-                <a:solidFill>
-                  <a:srgbClr val="0000FF"/>
-                </a:solidFill>
-              </a:rPr>
-              <a:t>some </a:t>
-            </a:r>
-            <a:r>
-              <a:rPr lang="en-US" sz="1700" dirty="0" smtClean="0"/>
-              <a:t>(</a:t>
-            </a:r>
-          </a:p>
-          <a:p>
-            <a:pPr lvl="3">
-              <a:buFont typeface="Arial" charset="0"/>
-              <a:buNone/>
-            </a:pPr>
-            <a:r>
-              <a:rPr lang="en-US" sz="1700" dirty="0" smtClean="0"/>
-              <a:t>			‘post-synaptic membrane ; </a:t>
-            </a:r>
-            <a:r>
-              <a:rPr lang="en-US" sz="1700" dirty="0" smtClean="0"/>
-              <a:t>GO_0045211</a:t>
-            </a:r>
-            <a:r>
-              <a:rPr lang="en-US" sz="1700" dirty="0" smtClean="0"/>
-              <a:t>’ </a:t>
-            </a:r>
-            <a:r>
-              <a:rPr lang="en-US" sz="1700" dirty="0" smtClean="0">
-                <a:solidFill>
-                  <a:srgbClr val="0000FF"/>
-                </a:solidFill>
-              </a:rPr>
-              <a:t>that </a:t>
-            </a:r>
-            <a:r>
-              <a:rPr lang="en-US" sz="1700" b="1" dirty="0" smtClean="0"/>
-              <a:t>part_of</a:t>
-            </a:r>
-            <a:r>
-              <a:rPr lang="en-US" sz="1700" dirty="0" smtClean="0"/>
-              <a:t> some </a:t>
-            </a:r>
-            <a:r>
-              <a:rPr lang="en-US" sz="1700" i="1" dirty="0" smtClean="0">
-                <a:solidFill>
-                  <a:srgbClr val="FF0000"/>
-                </a:solidFill>
-              </a:rPr>
-              <a:t>N2</a:t>
-            </a:r>
-          </a:p>
-          <a:p>
-            <a:pPr lvl="2">
-              <a:buFont typeface="Arial" charset="0"/>
-              <a:buNone/>
-            </a:pPr>
-            <a:r>
-              <a:rPr lang="en-US" sz="2100" dirty="0" smtClean="0"/>
-              <a:t>	)))</a:t>
-            </a:r>
-            <a:r>
-              <a:rPr lang="en-US" sz="2100" dirty="0" smtClean="0"/>
-              <a:t>)</a:t>
-            </a:r>
-          </a:p>
-        </p:txBody>
-      </p:sp>
-    </p:spTree>
-  </p:cSld>
-  <p:clrMapOvr>
-    <a:masterClrMapping/>
-  </p:clrMapOvr>
-  <p:timing>
-    <p:tnLst>
-      <p:par>
-        <p:cTn id="1" dur="indefinite" restart="never" nodeType="tmRoot"/>
-      </p:par>
-    </p:tnLst>
-  </p:timing>
-</p:sld>
-</file>
-
 <file path=ppt/slides/slide6.xml><?xml version="1.0" encoding="utf-8"?>
 <p:sld xmlns:a="http://schemas.openxmlformats.org/drawingml/2006/main" xmlns:r="http://schemas.openxmlformats.org/officeDocument/2006/relationships" xmlns:mc="http://schemas.openxmlformats.org/markup-compatibility/2006" xmlns:mv="urn:schemas-microsoft-com:mac:vml" xmlns:p="http://schemas.openxmlformats.org/presentationml/2006/main" mc:Ignorable="mv" mc:PreserveAttributes="mv:*">
   <p:cSld>
@@ -5049,7 +7154,7 @@
       </p:grpSpPr>
       <p:sp>
         <p:nvSpPr>
-          <p:cNvPr id="2" name="Title 1"/>
+          <p:cNvPr id="26626" name="Title 1"/>
           <p:cNvSpPr>
             <a:spLocks noGrp="1"/>
           </p:cNvSpPr>
@@ -5059,121 +7164,484 @@
         </p:nvSpPr>
         <p:spPr/>
         <p:txBody>
-          <a:bodyPr/>
-          <a:lstStyle/>
-          <a:p>
-            <a:r>
-              <a:rPr lang="en-US" dirty="0" smtClean="0"/>
-              <a:t>Is this a problem?</a:t>
-            </a:r>
-            <a:endParaRPr lang="en-US" dirty="0"/>
-          </a:p>
-        </p:txBody>
-      </p:sp>
-      <p:sp>
-        <p:nvSpPr>
-          <p:cNvPr id="3" name="Content Placeholder 2"/>
-          <p:cNvSpPr>
-            <a:spLocks noGrp="1"/>
-          </p:cNvSpPr>
-          <p:nvPr>
-            <p:ph idx="1"/>
-          </p:nvPr>
-        </p:nvSpPr>
-        <p:spPr/>
-        <p:txBody>
           <a:bodyPr>
-            <a:normAutofit fontScale="92500"/>
+            <a:normAutofit/>
           </a:bodyPr>
           <a:lstStyle/>
           <a:p>
             <a:r>
               <a:rPr lang="en-US" dirty="0" smtClean="0"/>
-              <a:t>We don’t </a:t>
+              <a:t>Modeling in more detail</a:t>
+            </a:r>
+            <a:endParaRPr lang="en-US" dirty="0" smtClean="0"/>
+          </a:p>
+        </p:txBody>
+      </p:sp>
+      <p:pic>
+        <p:nvPicPr>
+          <p:cNvPr id="26627" name="Picture 5"/>
+          <p:cNvPicPr>
+            <a:picLocks noChangeAspect="1"/>
+          </p:cNvPicPr>
+          <p:nvPr/>
+        </p:nvPicPr>
+        <p:blipFill>
+          <a:blip r:embed="rId2"/>
+          <a:srcRect/>
+          <a:stretch>
+            <a:fillRect/>
+          </a:stretch>
+        </p:blipFill>
+        <p:spPr bwMode="auto">
+          <a:xfrm>
+            <a:off x="457200" y="1606550"/>
+            <a:ext cx="3986213" cy="4146550"/>
+          </a:xfrm>
+          <a:prstGeom prst="rect">
+            <a:avLst/>
+          </a:prstGeom>
+          <a:noFill/>
+          <a:ln w="9525">
+            <a:noFill/>
+            <a:miter lim="800000"/>
+            <a:headEnd/>
+            <a:tailEnd/>
+          </a:ln>
+        </p:spPr>
+      </p:pic>
+      <p:sp>
+        <p:nvSpPr>
+          <p:cNvPr id="26628" name="TextBox 6"/>
+          <p:cNvSpPr txBox="1">
+            <a:spLocks noChangeArrowheads="1"/>
+          </p:cNvSpPr>
+          <p:nvPr/>
+        </p:nvSpPr>
+        <p:spPr bwMode="auto">
+          <a:xfrm>
+            <a:off x="5559425" y="1417638"/>
+            <a:ext cx="3276600" cy="2308324"/>
+          </a:xfrm>
+          <a:prstGeom prst="rect">
+            <a:avLst/>
+          </a:prstGeom>
+          <a:noFill/>
+          <a:ln w="9525">
+            <a:noFill/>
+            <a:miter lim="800000"/>
+            <a:headEnd/>
+            <a:tailEnd/>
+          </a:ln>
+        </p:spPr>
+        <p:txBody>
+          <a:bodyPr wrap="square">
+            <a:prstTxWarp prst="textNoShape">
+              <a:avLst/>
+            </a:prstTxWarp>
+            <a:spAutoFit/>
+          </a:bodyPr>
+          <a:lstStyle/>
+          <a:p>
+            <a:r>
+              <a:rPr lang="en-US" dirty="0" smtClean="0">
+                <a:latin typeface="Calibri" charset="0"/>
+              </a:rPr>
+              <a:t>We can model chemical </a:t>
+            </a:r>
+            <a:r>
+              <a:rPr lang="en-US" dirty="0" err="1" smtClean="0">
+                <a:latin typeface="Calibri" charset="0"/>
+              </a:rPr>
+              <a:t>synapsing</a:t>
+            </a:r>
+            <a:r>
+              <a:rPr lang="en-US" dirty="0" smtClean="0">
+                <a:latin typeface="Calibri" charset="0"/>
+              </a:rPr>
+              <a:t> in </a:t>
+            </a:r>
+            <a:r>
+              <a:rPr lang="en-US" i="1" dirty="0" smtClean="0">
+                <a:latin typeface="Calibri" charset="0"/>
+              </a:rPr>
+              <a:t>detail </a:t>
+            </a:r>
+            <a:r>
+              <a:rPr lang="en-US" dirty="0" smtClean="0">
+                <a:latin typeface="Calibri" charset="0"/>
+              </a:rPr>
+              <a:t>using </a:t>
+            </a:r>
+          </a:p>
+          <a:p>
+            <a:r>
+              <a:rPr lang="en-US" dirty="0" smtClean="0">
+                <a:latin typeface="Calibri" charset="0"/>
+              </a:rPr>
+              <a:t>Gene Ontology classes:</a:t>
+            </a:r>
+          </a:p>
+          <a:p>
+            <a:pPr>
+              <a:buFontTx/>
+              <a:buChar char="•"/>
+            </a:pPr>
+            <a:r>
+              <a:rPr lang="en-US" dirty="0" smtClean="0">
+                <a:latin typeface="Calibri" charset="0"/>
+              </a:rPr>
+              <a:t>pre-synaptic membrane</a:t>
+            </a:r>
+          </a:p>
+          <a:p>
+            <a:pPr>
+              <a:buFontTx/>
+              <a:buChar char="•"/>
+            </a:pPr>
+            <a:r>
+              <a:rPr lang="en-US" dirty="0" smtClean="0">
+                <a:latin typeface="Calibri" charset="0"/>
+              </a:rPr>
+              <a:t>post-synaptic membrane</a:t>
+            </a:r>
+          </a:p>
+          <a:p>
+            <a:r>
+              <a:rPr lang="en-US" dirty="0" smtClean="0">
+                <a:latin typeface="Calibri" charset="0"/>
+              </a:rPr>
+              <a:t>properties:</a:t>
+            </a:r>
+          </a:p>
+          <a:p>
+            <a:pPr>
+              <a:buFontTx/>
+              <a:buChar char="•"/>
+            </a:pPr>
+            <a:r>
+              <a:rPr lang="en-US" dirty="0" smtClean="0">
+                <a:latin typeface="Calibri" charset="0"/>
+              </a:rPr>
+              <a:t>part_of &amp; has_part</a:t>
+            </a:r>
+          </a:p>
+          <a:p>
+            <a:endParaRPr lang="en-US" dirty="0" smtClean="0">
+              <a:latin typeface="Calibri" charset="0"/>
+            </a:endParaRPr>
+          </a:p>
+        </p:txBody>
+      </p:sp>
+      <p:sp>
+        <p:nvSpPr>
+          <p:cNvPr id="26629" name="TextBox 4"/>
+          <p:cNvSpPr txBox="1">
+            <a:spLocks noChangeArrowheads="1"/>
+          </p:cNvSpPr>
+          <p:nvPr/>
+        </p:nvSpPr>
+        <p:spPr bwMode="auto">
+          <a:xfrm>
+            <a:off x="3808412" y="3429000"/>
+            <a:ext cx="1644411" cy="923330"/>
+          </a:xfrm>
+          <a:prstGeom prst="rect">
+            <a:avLst/>
+          </a:prstGeom>
+          <a:noFill/>
+          <a:ln w="9525">
+            <a:noFill/>
+            <a:miter lim="800000"/>
+            <a:headEnd/>
+            <a:tailEnd/>
+          </a:ln>
+        </p:spPr>
+        <p:txBody>
+          <a:bodyPr wrap="square">
+            <a:prstTxWarp prst="textNoShape">
+              <a:avLst/>
+            </a:prstTxWarp>
+            <a:spAutoFit/>
+          </a:bodyPr>
+          <a:lstStyle/>
+          <a:p>
+            <a:r>
+              <a:rPr lang="en-US" dirty="0">
+                <a:latin typeface="Calibri" charset="0"/>
+              </a:rPr>
+              <a:t>pre-synaptic </a:t>
+            </a:r>
+            <a:r>
+              <a:rPr lang="en-US" dirty="0" smtClean="0">
+                <a:latin typeface="Calibri" charset="0"/>
+              </a:rPr>
+              <a:t>membrane; </a:t>
             </a:r>
             <a:r>
               <a:rPr lang="en-US" b="1" dirty="0" smtClean="0"/>
-              <a:t>need </a:t>
-            </a:r>
-            <a:r>
-              <a:rPr lang="en-US" dirty="0" smtClean="0"/>
-              <a:t>a </a:t>
-            </a:r>
-            <a:r>
-              <a:rPr lang="en-US" dirty="0" err="1" smtClean="0"/>
-              <a:t>synapsed</a:t>
-            </a:r>
-            <a:r>
-              <a:rPr lang="en-US" dirty="0" err="1"/>
-              <a:t>_</a:t>
-            </a:r>
-            <a:r>
-              <a:rPr lang="en-US" dirty="0" err="1" smtClean="0"/>
-              <a:t>to</a:t>
-            </a:r>
-            <a:r>
-              <a:rPr lang="en-US" dirty="0" smtClean="0"/>
-              <a:t> property</a:t>
-            </a:r>
-          </a:p>
-          <a:p>
-            <a:pPr lvl="1"/>
-            <a:r>
-              <a:rPr lang="en-US" dirty="0" smtClean="0"/>
-              <a:t>We can write the fully expanded axiom each time</a:t>
-            </a:r>
-          </a:p>
-          <a:p>
-            <a:pPr lvl="1"/>
-            <a:r>
-              <a:rPr lang="en-US" dirty="0" smtClean="0"/>
-              <a:t>…but this is tedious</a:t>
-            </a:r>
-          </a:p>
-          <a:p>
-            <a:pPr lvl="2"/>
-            <a:r>
-              <a:rPr lang="en-US" dirty="0" smtClean="0"/>
-              <a:t>We want to add 100s-1000s of axioms following this pattern</a:t>
-            </a:r>
-          </a:p>
-          <a:p>
-            <a:pPr lvl="2"/>
-            <a:r>
-              <a:rPr lang="en-US" dirty="0" smtClean="0"/>
-              <a:t>error prone</a:t>
-            </a:r>
-          </a:p>
-          <a:p>
-            <a:pPr lvl="2"/>
-            <a:r>
-              <a:rPr lang="en-US" dirty="0" smtClean="0"/>
-              <a:t>we might want to modify representation choices later on</a:t>
-            </a:r>
-          </a:p>
-          <a:p>
-            <a:r>
-              <a:rPr lang="en-US" dirty="0" smtClean="0"/>
-              <a:t>Ideally we would have </a:t>
+              <a:t>GO_0042734</a:t>
+            </a:r>
+          </a:p>
+          <a:p>
+            <a:endParaRPr lang="en-US" dirty="0">
+              <a:latin typeface="Calibri" charset="0"/>
+            </a:endParaRPr>
+          </a:p>
+        </p:txBody>
+      </p:sp>
+      <p:sp>
+        <p:nvSpPr>
+          <p:cNvPr id="26630" name="TextBox 7"/>
+          <p:cNvSpPr txBox="1">
+            <a:spLocks noChangeArrowheads="1"/>
+          </p:cNvSpPr>
+          <p:nvPr/>
+        </p:nvSpPr>
+        <p:spPr bwMode="auto">
+          <a:xfrm>
+            <a:off x="768866" y="5383768"/>
+            <a:ext cx="3859213" cy="369332"/>
+          </a:xfrm>
+          <a:prstGeom prst="rect">
+            <a:avLst/>
+          </a:prstGeom>
+          <a:noFill/>
+          <a:ln w="9525">
+            <a:noFill/>
+            <a:miter lim="800000"/>
+            <a:headEnd/>
+            <a:tailEnd/>
+          </a:ln>
+        </p:spPr>
+        <p:txBody>
+          <a:bodyPr wrap="square">
+            <a:prstTxWarp prst="textNoShape">
+              <a:avLst/>
+            </a:prstTxWarp>
+            <a:spAutoFit/>
+          </a:bodyPr>
+          <a:lstStyle/>
+          <a:p>
+            <a:r>
+              <a:rPr lang="en-US" dirty="0">
+                <a:latin typeface="Calibri" charset="0"/>
+              </a:rPr>
+              <a:t>post-synaptic </a:t>
+            </a:r>
+            <a:r>
+              <a:rPr lang="en-US" dirty="0" smtClean="0">
+                <a:latin typeface="Calibri" charset="0"/>
+              </a:rPr>
+              <a:t>membrane; </a:t>
             </a:r>
             <a:r>
               <a:rPr lang="en-US" b="1" dirty="0" smtClean="0"/>
-              <a:t>shortcut properties</a:t>
-            </a:r>
-          </a:p>
-          <a:p>
-            <a:pPr lvl="1"/>
-            <a:r>
-              <a:rPr lang="en-US" dirty="0" smtClean="0"/>
-              <a:t>expand to more complex axioms using </a:t>
-            </a:r>
-            <a:r>
-              <a:rPr lang="en-US" b="1" dirty="0" smtClean="0"/>
-              <a:t>macro definitions </a:t>
-            </a:r>
-          </a:p>
-          <a:p>
-            <a:endParaRPr lang="en-US" dirty="0" smtClean="0"/>
+              <a:t>GO_0045211</a:t>
+            </a:r>
+            <a:endParaRPr lang="en-US" dirty="0">
+              <a:latin typeface="Calibri" charset="0"/>
+            </a:endParaRPr>
+          </a:p>
+        </p:txBody>
+      </p:sp>
+      <p:sp>
+        <p:nvSpPr>
+          <p:cNvPr id="7" name="Rectangle 6"/>
+          <p:cNvSpPr/>
+          <p:nvPr/>
+        </p:nvSpPr>
+        <p:spPr>
+          <a:xfrm>
+            <a:off x="5286983" y="4460438"/>
+            <a:ext cx="3810000" cy="2277547"/>
+          </a:xfrm>
+          <a:prstGeom prst="rect">
+            <a:avLst/>
+          </a:prstGeom>
+        </p:spPr>
+        <p:txBody>
+          <a:bodyPr wrap="square">
+            <a:spAutoFit/>
+          </a:bodyPr>
+          <a:lstStyle/>
+          <a:p>
+            <a:r>
+              <a:rPr lang="en-US" dirty="0" smtClean="0">
+                <a:latin typeface="Calibri" charset="0"/>
+              </a:rPr>
+              <a:t>Class: </a:t>
+            </a:r>
+            <a:r>
+              <a:rPr lang="en-US" b="1" dirty="0" smtClean="0">
+                <a:latin typeface="Calibri" charset="0"/>
+              </a:rPr>
+              <a:t>N_ABC</a:t>
+            </a:r>
+          </a:p>
+          <a:p>
+            <a:r>
+              <a:rPr lang="en-US" dirty="0" err="1" smtClean="0">
+                <a:latin typeface="Calibri" charset="0"/>
+              </a:rPr>
+              <a:t>SubClassOf</a:t>
+            </a:r>
+            <a:r>
+              <a:rPr lang="en-US" dirty="0" smtClean="0">
+                <a:latin typeface="Calibri" charset="0"/>
+              </a:rPr>
+              <a:t>:</a:t>
+            </a:r>
+          </a:p>
+          <a:p>
+            <a:r>
+              <a:rPr lang="en-US" sz="1700" b="1" dirty="0" smtClean="0">
+                <a:latin typeface="Calibri" charset="0"/>
+              </a:rPr>
+              <a:t>   </a:t>
+            </a:r>
+            <a:r>
+              <a:rPr lang="en-US" sz="1700" b="1" dirty="0" smtClean="0"/>
+              <a:t>has_part</a:t>
+            </a:r>
+            <a:r>
+              <a:rPr lang="en-US" sz="1700" dirty="0" smtClean="0"/>
+              <a:t> </a:t>
+            </a:r>
+            <a:r>
+              <a:rPr lang="en-US" sz="1700" dirty="0" smtClean="0">
+                <a:solidFill>
+                  <a:srgbClr val="0000FF"/>
+                </a:solidFill>
+              </a:rPr>
+              <a:t>some </a:t>
+            </a:r>
+            <a:r>
+              <a:rPr lang="en-US" sz="1700" dirty="0" smtClean="0"/>
+              <a:t>(‘pre-synaptic membrane ; </a:t>
+            </a:r>
+            <a:r>
+              <a:rPr lang="en-US" sz="1700" b="1" dirty="0" smtClean="0"/>
+              <a:t>GO_0042734</a:t>
+            </a:r>
+            <a:r>
+              <a:rPr lang="en-US" sz="1700" dirty="0" smtClean="0"/>
+              <a:t>’ </a:t>
+            </a:r>
+            <a:r>
+              <a:rPr lang="en-US" sz="1700" dirty="0" smtClean="0">
+                <a:solidFill>
+                  <a:srgbClr val="0000FF"/>
+                </a:solidFill>
+              </a:rPr>
+              <a:t>that </a:t>
+            </a:r>
+            <a:r>
+              <a:rPr lang="en-US" sz="1700" b="1" dirty="0" smtClean="0"/>
+              <a:t>part_of</a:t>
+            </a:r>
+            <a:r>
+              <a:rPr lang="en-US" sz="1700" dirty="0" smtClean="0"/>
+              <a:t> </a:t>
+            </a:r>
+            <a:r>
+              <a:rPr lang="en-US" sz="1700" dirty="0" smtClean="0">
+                <a:solidFill>
+                  <a:srgbClr val="0000FF"/>
+                </a:solidFill>
+              </a:rPr>
+              <a:t>some </a:t>
+            </a:r>
+            <a:r>
+              <a:rPr lang="en-US" sz="1700" dirty="0" smtClean="0"/>
+              <a:t>(‘synapse ; </a:t>
+            </a:r>
+            <a:r>
+              <a:rPr lang="en-US" sz="1700" b="1" dirty="0" smtClean="0"/>
+              <a:t>GO_0045202</a:t>
+            </a:r>
+            <a:r>
+              <a:rPr lang="en-US" sz="1700" dirty="0" smtClean="0"/>
+              <a:t>’ </a:t>
+            </a:r>
+            <a:r>
+              <a:rPr lang="en-US" sz="1700" dirty="0" smtClean="0">
+                <a:solidFill>
+                  <a:srgbClr val="0000FF"/>
+                </a:solidFill>
+              </a:rPr>
+              <a:t>that </a:t>
+            </a:r>
+            <a:r>
+              <a:rPr lang="en-US" sz="1700" b="1" dirty="0" smtClean="0"/>
+              <a:t>has_part</a:t>
+            </a:r>
+            <a:r>
+              <a:rPr lang="en-US" sz="1700" dirty="0" smtClean="0"/>
+              <a:t> </a:t>
+            </a:r>
+            <a:r>
+              <a:rPr lang="en-US" sz="1700" dirty="0" smtClean="0">
+                <a:solidFill>
+                  <a:srgbClr val="0000FF"/>
+                </a:solidFill>
+              </a:rPr>
+              <a:t>some </a:t>
+            </a:r>
+            <a:r>
+              <a:rPr lang="en-US" sz="1700" dirty="0">
+                <a:solidFill>
+                  <a:srgbClr val="0000FF"/>
+                </a:solidFill>
+              </a:rPr>
+              <a:t>(</a:t>
+            </a:r>
+            <a:r>
+              <a:rPr lang="en-US" sz="1700" dirty="0" smtClean="0"/>
+              <a:t>‘post-synaptic membrane ; </a:t>
+            </a:r>
+            <a:r>
+              <a:rPr lang="en-US" sz="1700" b="1" dirty="0" smtClean="0"/>
+              <a:t>GO_0045211</a:t>
+            </a:r>
+            <a:r>
+              <a:rPr lang="en-US" sz="1700" dirty="0" smtClean="0"/>
+              <a:t>’ </a:t>
+            </a:r>
+            <a:r>
+              <a:rPr lang="en-US" sz="1700" dirty="0" smtClean="0">
+                <a:solidFill>
+                  <a:srgbClr val="0000FF"/>
+                </a:solidFill>
+              </a:rPr>
+              <a:t>that </a:t>
+            </a:r>
+            <a:r>
+              <a:rPr lang="en-US" sz="1700" b="1" dirty="0" smtClean="0"/>
+              <a:t>part_of</a:t>
+            </a:r>
+            <a:r>
+              <a:rPr lang="en-US" sz="1700" dirty="0" smtClean="0"/>
+              <a:t> some</a:t>
+            </a:r>
+            <a:r>
+              <a:rPr lang="en-US" sz="1600" dirty="0" smtClean="0">
+                <a:latin typeface="Calibri" charset="0"/>
+              </a:rPr>
+              <a:t> </a:t>
+            </a:r>
+            <a:r>
+              <a:rPr lang="en-US" sz="1600" b="1" dirty="0" smtClean="0">
+                <a:latin typeface="Calibri" charset="0"/>
+              </a:rPr>
+              <a:t>N_DEF</a:t>
+            </a:r>
+            <a:r>
+              <a:rPr lang="en-US" sz="2100" dirty="0" smtClean="0"/>
+              <a:t>))</a:t>
+            </a:r>
+            <a:endParaRPr lang="en-US" b="1" dirty="0" smtClean="0">
+              <a:latin typeface="Calibri" charset="0"/>
+            </a:endParaRPr>
           </a:p>
         </p:txBody>
       </p:sp>
@@ -5182,6 +7650,13 @@
   <p:clrMapOvr>
     <a:masterClrMapping/>
   </p:clrMapOvr>
+  <p:timing>
+    <p:tnLst>
+      <p:par>
+        <p:cTn id="1" dur="indefinite" restart="never" nodeType="tmRoot"/>
+      </p:par>
+    </p:tnLst>
+  </p:timing>
 </p:sld>
 </file>
 
@@ -5204,7 +7679,7 @@
       </p:grpSpPr>
       <p:sp>
         <p:nvSpPr>
-          <p:cNvPr id="2" name="Title 1"/>
+          <p:cNvPr id="27650" name="Title 1"/>
           <p:cNvSpPr>
             <a:spLocks noGrp="1"/>
           </p:cNvSpPr>
@@ -5214,79 +7689,317 @@
         </p:nvSpPr>
         <p:spPr/>
         <p:txBody>
+          <a:bodyPr/>
+          <a:lstStyle/>
+          <a:p>
+            <a:r>
+              <a:rPr lang="en-US" dirty="0" smtClean="0"/>
+              <a:t>Taking shortcuts</a:t>
+            </a:r>
+            <a:endParaRPr lang="en-US" dirty="0" smtClean="0"/>
+          </a:p>
+        </p:txBody>
+      </p:sp>
+      <p:sp>
+        <p:nvSpPr>
+          <p:cNvPr id="3" name="Content Placeholder 2"/>
+          <p:cNvSpPr>
+            <a:spLocks noGrp="1"/>
+          </p:cNvSpPr>
+          <p:nvPr>
+            <p:ph idx="1"/>
+          </p:nvPr>
+        </p:nvSpPr>
+        <p:spPr>
+          <a:xfrm>
+            <a:off x="647700" y="1600200"/>
+            <a:ext cx="8229600" cy="4965700"/>
+          </a:xfrm>
+        </p:spPr>
+        <p:txBody>
           <a:bodyPr>
-            <a:normAutofit fontScale="90000"/>
+            <a:normAutofit/>
           </a:bodyPr>
           <a:lstStyle/>
           <a:p>
             <a:r>
               <a:rPr lang="en-US" dirty="0" smtClean="0"/>
-              <a:t>Current approach: translating from external format</a:t>
-            </a:r>
-            <a:endParaRPr lang="en-US" dirty="0"/>
-          </a:p>
-        </p:txBody>
-      </p:sp>
-      <p:sp>
-        <p:nvSpPr>
-          <p:cNvPr id="3" name="Content Placeholder 2"/>
-          <p:cNvSpPr>
-            <a:spLocks noGrp="1"/>
-          </p:cNvSpPr>
-          <p:nvPr>
-            <p:ph idx="1"/>
-          </p:nvPr>
-        </p:nvSpPr>
-        <p:spPr/>
-        <p:txBody>
-          <a:bodyPr>
-            <a:normAutofit lnSpcReduction="10000"/>
-          </a:bodyPr>
-          <a:lstStyle/>
-          <a:p>
-            <a:r>
-              <a:rPr lang="en-US" dirty="0" smtClean="0"/>
-              <a:t>Domain experts use spreadsheets</a:t>
-            </a:r>
-          </a:p>
-          <a:p>
-            <a:r>
-              <a:rPr lang="en-US" dirty="0" smtClean="0"/>
-              <a:t>We write translations that generate OWL from spreadsheets</a:t>
-            </a:r>
-          </a:p>
-          <a:p>
-            <a:r>
-              <a:rPr lang="en-US" dirty="0" smtClean="0"/>
-              <a:t>Problem:</a:t>
+              <a:t>We would like to write:</a:t>
             </a:r>
           </a:p>
           <a:p>
             <a:pPr lvl="1"/>
             <a:r>
-              <a:rPr lang="en-US" dirty="0" smtClean="0"/>
-              <a:t>Not optimal for all communities</a:t>
-            </a:r>
-          </a:p>
-          <a:p>
-            <a:pPr lvl="1"/>
-            <a:r>
-              <a:rPr lang="en-US" dirty="0" smtClean="0"/>
-              <a:t>Many domain experts are semi-comfortable in OWL environments</a:t>
-            </a:r>
-          </a:p>
-          <a:p>
-            <a:pPr lvl="2"/>
-            <a:r>
-              <a:rPr lang="en-US" dirty="0" smtClean="0"/>
-              <a:t>we want to encourage this</a:t>
-            </a:r>
-          </a:p>
-          <a:p>
-            <a:pPr lvl="1"/>
-            <a:r>
-              <a:rPr lang="en-US" dirty="0" smtClean="0"/>
-              <a:t>original spreadsheet abstraction is lost</a:t>
+              <a:rPr lang="en-US" i="1" dirty="0" smtClean="0">
+                <a:solidFill>
+                  <a:srgbClr val="FF0000"/>
+                </a:solidFill>
+              </a:rPr>
+              <a:t>?X </a:t>
+            </a:r>
+            <a:r>
+              <a:rPr lang="en-US" dirty="0" err="1" smtClean="0"/>
+              <a:t>synapsed_to</a:t>
+            </a:r>
+            <a:r>
+              <a:rPr lang="en-US" dirty="0" smtClean="0"/>
+              <a:t> </a:t>
+            </a:r>
+            <a:r>
+              <a:rPr lang="en-US" dirty="0" smtClean="0">
+                <a:solidFill>
+                  <a:srgbClr val="0000FF"/>
+                </a:solidFill>
+              </a:rPr>
+              <a:t>some</a:t>
+            </a:r>
+            <a:r>
+              <a:rPr lang="en-US" dirty="0" smtClean="0">
+                <a:solidFill>
+                  <a:srgbClr val="0000FF"/>
+                </a:solidFill>
+              </a:rPr>
+              <a:t> ?</a:t>
+            </a:r>
+            <a:r>
+              <a:rPr lang="en-US" i="1" dirty="0" smtClean="0">
+                <a:solidFill>
+                  <a:srgbClr val="FF0000"/>
+                </a:solidFill>
+              </a:rPr>
+              <a:t>Y</a:t>
+            </a:r>
+            <a:endParaRPr lang="en-US" dirty="0" smtClean="0"/>
+          </a:p>
+          <a:p>
+            <a:r>
+              <a:rPr lang="en-US" dirty="0" smtClean="0"/>
+              <a:t>We want to infer this is </a:t>
+            </a:r>
+            <a:r>
+              <a:rPr lang="en-US" b="1" dirty="0" smtClean="0"/>
+              <a:t>equivalent </a:t>
+            </a:r>
+            <a:r>
+              <a:rPr lang="en-US" dirty="0" smtClean="0"/>
+              <a:t>to</a:t>
+            </a:r>
+            <a:r>
+              <a:rPr lang="en-US" dirty="0" smtClean="0"/>
+              <a:t>:</a:t>
+            </a:r>
+            <a:endParaRPr lang="en-US" dirty="0" smtClean="0"/>
+          </a:p>
+          <a:p>
+            <a:pPr>
+              <a:buFont typeface="Arial" charset="0"/>
+              <a:buNone/>
+            </a:pPr>
+            <a:r>
+              <a:rPr lang="en-US" sz="2400" i="1" dirty="0" smtClean="0">
+                <a:solidFill>
+                  <a:srgbClr val="FF0000"/>
+                </a:solidFill>
+              </a:rPr>
+              <a:t>?X</a:t>
+            </a:r>
+            <a:r>
+              <a:rPr lang="en-US" sz="1700" i="1" dirty="0" smtClean="0">
+                <a:solidFill>
+                  <a:srgbClr val="FF0000"/>
+                </a:solidFill>
+              </a:rPr>
+              <a:t> </a:t>
+            </a:r>
+            <a:r>
+              <a:rPr lang="en-US" sz="1700" dirty="0" err="1" smtClean="0"/>
+              <a:t>SubclassOf</a:t>
+            </a:r>
+            <a:r>
+              <a:rPr lang="en-US" sz="1700" dirty="0" smtClean="0"/>
+              <a:t> </a:t>
+            </a:r>
+            <a:r>
+              <a:rPr lang="en-US" sz="1700" dirty="0" smtClean="0"/>
+              <a:t>(</a:t>
+            </a:r>
+          </a:p>
+          <a:p>
+            <a:pPr lvl="2">
+              <a:buFont typeface="Arial" charset="0"/>
+              <a:buNone/>
+            </a:pPr>
+            <a:r>
+              <a:rPr lang="en-US" sz="1700" b="1" dirty="0" smtClean="0"/>
+              <a:t>has_part</a:t>
+            </a:r>
+            <a:r>
+              <a:rPr lang="en-US" sz="1700" dirty="0" smtClean="0"/>
+              <a:t> </a:t>
+            </a:r>
+            <a:r>
+              <a:rPr lang="en-US" sz="1700" dirty="0" smtClean="0">
+                <a:solidFill>
+                  <a:srgbClr val="0000FF"/>
+                </a:solidFill>
+              </a:rPr>
+              <a:t>some </a:t>
+            </a:r>
+            <a:r>
+              <a:rPr lang="en-US" sz="1700" dirty="0" smtClean="0"/>
+              <a:t>(</a:t>
+            </a:r>
+          </a:p>
+          <a:p>
+            <a:pPr lvl="3">
+              <a:buFont typeface="Arial" charset="0"/>
+              <a:buNone/>
+            </a:pPr>
+            <a:r>
+              <a:rPr lang="en-US" sz="1700" dirty="0" smtClean="0"/>
+              <a:t>‘pre-synaptic membrane ; </a:t>
+            </a:r>
+            <a:r>
+              <a:rPr lang="en-US" sz="1700" dirty="0" smtClean="0"/>
+              <a:t>GO_0042734</a:t>
+            </a:r>
+            <a:r>
+              <a:rPr lang="en-US" sz="1700" dirty="0" smtClean="0"/>
+              <a:t>’ </a:t>
+            </a:r>
+            <a:r>
+              <a:rPr lang="en-US" sz="1700" dirty="0" smtClean="0">
+                <a:solidFill>
+                  <a:srgbClr val="0000FF"/>
+                </a:solidFill>
+              </a:rPr>
+              <a:t>that </a:t>
+            </a:r>
+            <a:r>
+              <a:rPr lang="en-US" sz="1700" b="1" dirty="0" smtClean="0"/>
+              <a:t>part_of</a:t>
+            </a:r>
+            <a:r>
+              <a:rPr lang="en-US" sz="1700" dirty="0" smtClean="0"/>
+              <a:t> </a:t>
+            </a:r>
+            <a:r>
+              <a:rPr lang="en-US" sz="1700" dirty="0" smtClean="0">
+                <a:solidFill>
+                  <a:srgbClr val="0000FF"/>
+                </a:solidFill>
+              </a:rPr>
+              <a:t>some </a:t>
+            </a:r>
+            <a:r>
+              <a:rPr lang="en-US" sz="1700" dirty="0" smtClean="0"/>
+              <a:t>( </a:t>
+            </a:r>
+          </a:p>
+          <a:p>
+            <a:pPr lvl="3">
+              <a:buFont typeface="Arial" charset="0"/>
+              <a:buNone/>
+            </a:pPr>
+            <a:r>
+              <a:rPr lang="en-US" sz="1700" dirty="0" smtClean="0"/>
+              <a:t>	‘synapse ; </a:t>
+            </a:r>
+            <a:r>
+              <a:rPr lang="en-US" sz="1700" dirty="0" smtClean="0"/>
+              <a:t>GO_0045202</a:t>
+            </a:r>
+            <a:r>
+              <a:rPr lang="en-US" sz="1700" dirty="0" smtClean="0"/>
+              <a:t>’ </a:t>
+            </a:r>
+            <a:r>
+              <a:rPr lang="en-US" sz="1700" dirty="0" smtClean="0">
+                <a:solidFill>
+                  <a:srgbClr val="0000FF"/>
+                </a:solidFill>
+              </a:rPr>
+              <a:t>that </a:t>
+            </a:r>
+            <a:r>
+              <a:rPr lang="en-US" sz="1700" b="1" dirty="0" smtClean="0"/>
+              <a:t>has_part</a:t>
+            </a:r>
+            <a:r>
+              <a:rPr lang="en-US" sz="1700" dirty="0" smtClean="0"/>
+              <a:t> </a:t>
+            </a:r>
+            <a:r>
+              <a:rPr lang="en-US" sz="1700" dirty="0" smtClean="0">
+                <a:solidFill>
+                  <a:srgbClr val="0000FF"/>
+                </a:solidFill>
+              </a:rPr>
+              <a:t>some </a:t>
+            </a:r>
+            <a:r>
+              <a:rPr lang="en-US" sz="1700" dirty="0" smtClean="0"/>
+              <a:t>(</a:t>
+            </a:r>
+          </a:p>
+          <a:p>
+            <a:pPr lvl="3">
+              <a:buFont typeface="Arial" charset="0"/>
+              <a:buNone/>
+            </a:pPr>
+            <a:r>
+              <a:rPr lang="en-US" sz="1700" dirty="0" smtClean="0"/>
+              <a:t>			‘post-synaptic membrane ; </a:t>
+            </a:r>
+            <a:r>
+              <a:rPr lang="en-US" sz="1700" dirty="0" smtClean="0"/>
+              <a:t>GO_0045211</a:t>
+            </a:r>
+            <a:r>
+              <a:rPr lang="en-US" sz="1700" dirty="0" smtClean="0"/>
+              <a:t>’ </a:t>
+            </a:r>
+            <a:r>
+              <a:rPr lang="en-US" sz="1700" dirty="0" smtClean="0">
+                <a:solidFill>
+                  <a:srgbClr val="0000FF"/>
+                </a:solidFill>
+              </a:rPr>
+              <a:t>that </a:t>
+            </a:r>
+            <a:r>
+              <a:rPr lang="en-US" sz="1700" b="1" dirty="0" smtClean="0"/>
+              <a:t>part_of</a:t>
+            </a:r>
+            <a:r>
+              <a:rPr lang="en-US" sz="1700" dirty="0" smtClean="0"/>
+              <a:t> some</a:t>
+            </a:r>
+            <a:r>
+              <a:rPr lang="en-US" sz="1700" dirty="0" smtClean="0"/>
+              <a:t> </a:t>
+            </a:r>
+            <a:r>
+              <a:rPr lang="en-US" sz="2400" i="1" dirty="0" smtClean="0">
+                <a:solidFill>
+                  <a:srgbClr val="FF0000"/>
+                </a:solidFill>
+              </a:rPr>
+              <a:t>?Y</a:t>
+            </a:r>
+          </a:p>
+          <a:p>
+            <a:pPr lvl="2">
+              <a:buFont typeface="Arial" charset="0"/>
+              <a:buNone/>
+            </a:pPr>
+            <a:r>
+              <a:rPr lang="en-US" sz="2100" dirty="0" smtClean="0"/>
+              <a:t>	)))</a:t>
+            </a:r>
+            <a:r>
+              <a:rPr lang="en-US" sz="2100" dirty="0" smtClean="0"/>
+              <a:t>)</a:t>
             </a:r>
           </a:p>
         </p:txBody>
@@ -5296,6 +8009,13 @@
   <p:clrMapOvr>
     <a:masterClrMapping/>
   </p:clrMapOvr>
+  <p:timing>
+    <p:tnLst>
+      <p:par>
+        <p:cTn id="1" dur="indefinite" restart="never" nodeType="tmRoot"/>
+      </p:par>
+    </p:tnLst>
+  </p:timing>
 </p:sld>
 </file>
 
@@ -5333,7 +8053,7 @@
           <a:p>
             <a:r>
               <a:rPr lang="en-US" dirty="0" smtClean="0"/>
-              <a:t>Hoehndorf et al approach</a:t>
+              <a:t>Is this a problem?</a:t>
             </a:r>
             <a:endParaRPr lang="en-US" dirty="0"/>
           </a:p>
@@ -5351,20 +8071,98 @@
         </p:nvSpPr>
         <p:spPr/>
         <p:txBody>
-          <a:bodyPr/>
-          <a:lstStyle/>
-          <a:p>
-            <a:r>
-              <a:rPr lang="en-US" dirty="0" smtClean="0"/>
-              <a:t>Limitations:</a:t>
+          <a:bodyPr>
+            <a:normAutofit fontScale="92500"/>
+          </a:bodyPr>
+          <a:lstStyle/>
+          <a:p>
+            <a:r>
+              <a:rPr lang="en-US" dirty="0" smtClean="0"/>
+              <a:t>We don’t </a:t>
+            </a:r>
+            <a:r>
+              <a:rPr lang="en-US" b="1" dirty="0" smtClean="0"/>
+              <a:t>need </a:t>
+            </a:r>
+            <a:r>
+              <a:rPr lang="en-US" dirty="0" smtClean="0"/>
+              <a:t>a </a:t>
+            </a:r>
+            <a:r>
+              <a:rPr lang="en-US" i="1" dirty="0" err="1" smtClean="0"/>
+              <a:t>synapsed</a:t>
+            </a:r>
+            <a:r>
+              <a:rPr lang="en-US" i="1" dirty="0" err="1"/>
+              <a:t>_</a:t>
+            </a:r>
+            <a:r>
+              <a:rPr lang="en-US" i="1" dirty="0" err="1" smtClean="0"/>
+              <a:t>to</a:t>
+            </a:r>
+            <a:r>
+              <a:rPr lang="en-US" dirty="0" smtClean="0"/>
+              <a:t> property</a:t>
             </a:r>
           </a:p>
           <a:p>
             <a:pPr lvl="1"/>
             <a:r>
               <a:rPr lang="en-US" dirty="0" smtClean="0"/>
-              <a:t>shortcut properties only existing in obo</a:t>
-            </a:r>
+              <a:t>We can write the fully expanded axiom each time</a:t>
+            </a:r>
+          </a:p>
+          <a:p>
+            <a:pPr lvl="2"/>
+            <a:r>
+              <a:rPr lang="en-US" dirty="0" smtClean="0"/>
+              <a:t>But we want to add 100s-1000s of axioms following this pattern</a:t>
+            </a:r>
+          </a:p>
+          <a:p>
+            <a:pPr lvl="2"/>
+            <a:r>
+              <a:rPr lang="en-US" dirty="0" smtClean="0"/>
+              <a:t>error prone</a:t>
+            </a:r>
+          </a:p>
+          <a:p>
+            <a:pPr lvl="2"/>
+            <a:r>
+              <a:rPr lang="en-US" dirty="0" smtClean="0"/>
+              <a:t>obscures underlying pattern</a:t>
+            </a:r>
+          </a:p>
+          <a:p>
+            <a:pPr lvl="2"/>
+            <a:r>
+              <a:rPr lang="en-US" dirty="0" smtClean="0"/>
+              <a:t>we might want to modify representation choices later on</a:t>
+            </a:r>
+          </a:p>
+          <a:p>
+            <a:r>
+              <a:rPr lang="en-US" dirty="0" smtClean="0"/>
+              <a:t>Ideally we would have </a:t>
+            </a:r>
+            <a:r>
+              <a:rPr lang="en-US" b="1" dirty="0" smtClean="0"/>
+              <a:t>shortcut properties</a:t>
+            </a:r>
+          </a:p>
+          <a:p>
+            <a:pPr lvl="1"/>
+            <a:r>
+              <a:rPr lang="en-US" dirty="0" smtClean="0"/>
+              <a:t>expand to more complex axioms using </a:t>
+            </a:r>
+            <a:r>
+              <a:rPr lang="en-US" b="1" dirty="0" smtClean="0"/>
+              <a:t>macro definitions </a:t>
+            </a:r>
+          </a:p>
+          <a:p>
+            <a:endParaRPr lang="en-US" dirty="0" smtClean="0"/>
           </a:p>
         </p:txBody>
       </p:sp>
@@ -5459,6 +8257,9 @@
             </a:r>
           </a:p>
           <a:p>
+            <a:endParaRPr lang="en-US" dirty="0" smtClean="0"/>
+          </a:p>
+          <a:p>
             <a:r>
               <a:rPr lang="en-US" dirty="0" smtClean="0"/>
               <a:t>Expanding axioms should only produce </a:t>
@@ -5471,6 +8272,14 @@
               <a:rPr lang="en-US" dirty="0" smtClean="0"/>
               <a:t>inferences</a:t>
             </a:r>
+          </a:p>
+          <a:p>
+            <a:pPr lvl="1"/>
+            <a:r>
+              <a:rPr lang="en-US" dirty="0" err="1" smtClean="0"/>
+              <a:t>monotonicity</a:t>
+            </a:r>
+            <a:endParaRPr lang="en-US" dirty="0" smtClean="0"/>
           </a:p>
           <a:p>
             <a:pPr lvl="1"/>

--- a/papers/owled-macros-panel.pptx
+++ b/papers/owled-macros-panel.pptx
@@ -4,6 +4,9 @@
   <p:sldMasterIdLst>
     <p:sldMasterId r:id="rId1"/>
   </p:sldMasterIdLst>
+  <p:notesMasterIdLst>
+    <p:notesMasterId r:id="rId24"/>
+  </p:notesMasterIdLst>
   <p:sldIdLst>
     <p:sldId id="256" r:id="rId2"/>
     <p:sldId id="274" r:id="rId3"/>
@@ -13,19 +16,20 @@
     <p:sldId id="270" r:id="rId7"/>
     <p:sldId id="259" r:id="rId8"/>
     <p:sldId id="261" r:id="rId9"/>
-    <p:sldId id="271" r:id="rId10"/>
+    <p:sldId id="282" r:id="rId10"/>
     <p:sldId id="272" r:id="rId11"/>
     <p:sldId id="280" r:id="rId12"/>
     <p:sldId id="263" r:id="rId13"/>
     <p:sldId id="266" r:id="rId14"/>
     <p:sldId id="273" r:id="rId15"/>
-    <p:sldId id="264" r:id="rId16"/>
-    <p:sldId id="275" r:id="rId17"/>
-    <p:sldId id="277" r:id="rId18"/>
-    <p:sldId id="279" r:id="rId19"/>
-    <p:sldId id="278" r:id="rId20"/>
-    <p:sldId id="281" r:id="rId21"/>
-    <p:sldId id="269" r:id="rId22"/>
+    <p:sldId id="283" r:id="rId16"/>
+    <p:sldId id="264" r:id="rId17"/>
+    <p:sldId id="275" r:id="rId18"/>
+    <p:sldId id="277" r:id="rId19"/>
+    <p:sldId id="279" r:id="rId20"/>
+    <p:sldId id="278" r:id="rId21"/>
+    <p:sldId id="281" r:id="rId22"/>
+    <p:sldId id="269" r:id="rId23"/>
   </p:sldIdLst>
   <p:sldSz cx="9144000" cy="6858000" type="screen4x3"/>
   <p:notesSz cx="6858000" cy="9144000"/>
@@ -125,6 +129,457 @@
     </a:lvl9pPr>
   </p:defaultTextStyle>
 </p:presentation>
+</file>
+
+<file path=ppt/notesMasters/notesMaster1.xml><?xml version="1.0" encoding="utf-8"?>
+<p:notesMaster xmlns:a="http://schemas.openxmlformats.org/drawingml/2006/main" xmlns:r="http://schemas.openxmlformats.org/officeDocument/2006/relationships" xmlns:mc="http://schemas.openxmlformats.org/markup-compatibility/2006" xmlns:mv="urn:schemas-microsoft-com:mac:vml" xmlns:p="http://schemas.openxmlformats.org/presentationml/2006/main" mc:Ignorable="mv" mc:PreserveAttributes="mv:*">
+  <p:cSld>
+    <p:bg>
+      <p:bgRef idx="1001">
+        <a:schemeClr val="bg1"/>
+      </p:bgRef>
+    </p:bg>
+    <p:spTree>
+      <p:nvGrpSpPr>
+        <p:cNvPr id="1" name=""/>
+        <p:cNvGrpSpPr/>
+        <p:nvPr/>
+      </p:nvGrpSpPr>
+      <p:grpSpPr>
+        <a:xfrm>
+          <a:off x="0" y="0"/>
+          <a:ext cx="0" cy="0"/>
+          <a:chOff x="0" y="0"/>
+          <a:chExt cx="0" cy="0"/>
+        </a:xfrm>
+      </p:grpSpPr>
+      <p:sp>
+        <p:nvSpPr>
+          <p:cNvPr id="2" name="Header Placeholder 1"/>
+          <p:cNvSpPr>
+            <a:spLocks noGrp="1"/>
+          </p:cNvSpPr>
+          <p:nvPr>
+            <p:ph type="hdr" sz="quarter"/>
+          </p:nvPr>
+        </p:nvSpPr>
+        <p:spPr>
+          <a:xfrm>
+            <a:off x="0" y="0"/>
+            <a:ext cx="2971800" cy="457200"/>
+          </a:xfrm>
+          <a:prstGeom prst="rect">
+            <a:avLst/>
+          </a:prstGeom>
+        </p:spPr>
+        <p:txBody>
+          <a:bodyPr vert="horz" lIns="91440" tIns="45720" rIns="91440" bIns="45720" rtlCol="0"/>
+          <a:lstStyle>
+            <a:lvl1pPr algn="l">
+              <a:defRPr sz="1200"/>
+            </a:lvl1pPr>
+          </a:lstStyle>
+          <a:p>
+            <a:endParaRPr lang="en-US"/>
+          </a:p>
+        </p:txBody>
+      </p:sp>
+      <p:sp>
+        <p:nvSpPr>
+          <p:cNvPr id="3" name="Date Placeholder 2"/>
+          <p:cNvSpPr>
+            <a:spLocks noGrp="1"/>
+          </p:cNvSpPr>
+          <p:nvPr>
+            <p:ph type="dt" idx="1"/>
+          </p:nvPr>
+        </p:nvSpPr>
+        <p:spPr>
+          <a:xfrm>
+            <a:off x="3884613" y="0"/>
+            <a:ext cx="2971800" cy="457200"/>
+          </a:xfrm>
+          <a:prstGeom prst="rect">
+            <a:avLst/>
+          </a:prstGeom>
+        </p:spPr>
+        <p:txBody>
+          <a:bodyPr vert="horz" lIns="91440" tIns="45720" rIns="91440" bIns="45720" rtlCol="0"/>
+          <a:lstStyle>
+            <a:lvl1pPr algn="r">
+              <a:defRPr sz="1200"/>
+            </a:lvl1pPr>
+          </a:lstStyle>
+          <a:p>
+            <a:fld id="{E394C125-C9AC-2C4E-AE8C-87AB7074566B}" type="datetimeFigureOut">
+              <a:rPr lang="en-US" smtClean="0"/>
+              <a:t>6/22/10</a:t>
+            </a:fld>
+            <a:endParaRPr lang="en-US"/>
+          </a:p>
+        </p:txBody>
+      </p:sp>
+      <p:sp>
+        <p:nvSpPr>
+          <p:cNvPr id="4" name="Slide Image Placeholder 3"/>
+          <p:cNvSpPr>
+            <a:spLocks noGrp="1" noRot="1" noChangeAspect="1"/>
+          </p:cNvSpPr>
+          <p:nvPr>
+            <p:ph type="sldImg" idx="2"/>
+          </p:nvPr>
+        </p:nvSpPr>
+        <p:spPr>
+          <a:xfrm>
+            <a:off x="1143000" y="685800"/>
+            <a:ext cx="4572000" cy="3429000"/>
+          </a:xfrm>
+          <a:prstGeom prst="rect">
+            <a:avLst/>
+          </a:prstGeom>
+          <a:noFill/>
+          <a:ln w="12700">
+            <a:solidFill>
+              <a:prstClr val="black"/>
+            </a:solidFill>
+          </a:ln>
+        </p:spPr>
+        <p:txBody>
+          <a:bodyPr vert="horz" lIns="91440" tIns="45720" rIns="91440" bIns="45720" rtlCol="0" anchor="ctr"/>
+          <a:lstStyle/>
+          <a:p>
+            <a:endParaRPr lang="en-US"/>
+          </a:p>
+        </p:txBody>
+      </p:sp>
+      <p:sp>
+        <p:nvSpPr>
+          <p:cNvPr id="5" name="Notes Placeholder 4"/>
+          <p:cNvSpPr>
+            <a:spLocks noGrp="1"/>
+          </p:cNvSpPr>
+          <p:nvPr>
+            <p:ph type="body" sz="quarter" idx="3"/>
+          </p:nvPr>
+        </p:nvSpPr>
+        <p:spPr>
+          <a:xfrm>
+            <a:off x="685800" y="4343400"/>
+            <a:ext cx="5486400" cy="4114800"/>
+          </a:xfrm>
+          <a:prstGeom prst="rect">
+            <a:avLst/>
+          </a:prstGeom>
+        </p:spPr>
+        <p:txBody>
+          <a:bodyPr vert="horz" lIns="91440" tIns="45720" rIns="91440" bIns="45720" rtlCol="0">
+            <a:normAutofit/>
+          </a:bodyPr>
+          <a:lstStyle/>
+          <a:p>
+            <a:pPr lvl="0"/>
+            <a:r>
+              <a:rPr lang="en-US" smtClean="0"/>
+              <a:t>Click to edit Master text styles</a:t>
+            </a:r>
+          </a:p>
+          <a:p>
+            <a:pPr lvl="1"/>
+            <a:r>
+              <a:rPr lang="en-US" smtClean="0"/>
+              <a:t>Second level</a:t>
+            </a:r>
+          </a:p>
+          <a:p>
+            <a:pPr lvl="2"/>
+            <a:r>
+              <a:rPr lang="en-US" smtClean="0"/>
+              <a:t>Third level</a:t>
+            </a:r>
+          </a:p>
+          <a:p>
+            <a:pPr lvl="3"/>
+            <a:r>
+              <a:rPr lang="en-US" smtClean="0"/>
+              <a:t>Fourth level</a:t>
+            </a:r>
+          </a:p>
+          <a:p>
+            <a:pPr lvl="4"/>
+            <a:r>
+              <a:rPr lang="en-US" smtClean="0"/>
+              <a:t>Fifth level</a:t>
+            </a:r>
+            <a:endParaRPr lang="en-US"/>
+          </a:p>
+        </p:txBody>
+      </p:sp>
+      <p:sp>
+        <p:nvSpPr>
+          <p:cNvPr id="6" name="Footer Placeholder 5"/>
+          <p:cNvSpPr>
+            <a:spLocks noGrp="1"/>
+          </p:cNvSpPr>
+          <p:nvPr>
+            <p:ph type="ftr" sz="quarter" idx="4"/>
+          </p:nvPr>
+        </p:nvSpPr>
+        <p:spPr>
+          <a:xfrm>
+            <a:off x="0" y="8685213"/>
+            <a:ext cx="2971800" cy="457200"/>
+          </a:xfrm>
+          <a:prstGeom prst="rect">
+            <a:avLst/>
+          </a:prstGeom>
+        </p:spPr>
+        <p:txBody>
+          <a:bodyPr vert="horz" lIns="91440" tIns="45720" rIns="91440" bIns="45720" rtlCol="0" anchor="b"/>
+          <a:lstStyle>
+            <a:lvl1pPr algn="l">
+              <a:defRPr sz="1200"/>
+            </a:lvl1pPr>
+          </a:lstStyle>
+          <a:p>
+            <a:endParaRPr lang="en-US"/>
+          </a:p>
+        </p:txBody>
+      </p:sp>
+      <p:sp>
+        <p:nvSpPr>
+          <p:cNvPr id="7" name="Slide Number Placeholder 6"/>
+          <p:cNvSpPr>
+            <a:spLocks noGrp="1"/>
+          </p:cNvSpPr>
+          <p:nvPr>
+            <p:ph type="sldNum" sz="quarter" idx="5"/>
+          </p:nvPr>
+        </p:nvSpPr>
+        <p:spPr>
+          <a:xfrm>
+            <a:off x="3884613" y="8685213"/>
+            <a:ext cx="2971800" cy="457200"/>
+          </a:xfrm>
+          <a:prstGeom prst="rect">
+            <a:avLst/>
+          </a:prstGeom>
+        </p:spPr>
+        <p:txBody>
+          <a:bodyPr vert="horz" lIns="91440" tIns="45720" rIns="91440" bIns="45720" rtlCol="0" anchor="b"/>
+          <a:lstStyle>
+            <a:lvl1pPr algn="r">
+              <a:defRPr sz="1200"/>
+            </a:lvl1pPr>
+          </a:lstStyle>
+          <a:p>
+            <a:fld id="{3749F423-FD8D-EA40-8B77-A0E4E76C79C2}" type="slidenum">
+              <a:rPr lang="en-US" smtClean="0"/>
+              <a:t>‹#›</a:t>
+            </a:fld>
+            <a:endParaRPr lang="en-US"/>
+          </a:p>
+        </p:txBody>
+      </p:sp>
+    </p:spTree>
+  </p:cSld>
+  <p:clrMap bg1="lt1" tx1="dk1" bg2="lt2" tx2="dk2" accent1="accent1" accent2="accent2" accent3="accent3" accent4="accent4" accent5="accent5" accent6="accent6" hlink="hlink" folHlink="folHlink"/>
+  <p:notesStyle>
+    <a:lvl1pPr marL="0" algn="l" defTabSz="457200" rtl="0" eaLnBrk="1" latinLnBrk="0" hangingPunct="1">
+      <a:defRPr sz="1200" kern="1200">
+        <a:solidFill>
+          <a:schemeClr val="tx1"/>
+        </a:solidFill>
+        <a:latin typeface="+mn-lt"/>
+        <a:ea typeface="+mn-ea"/>
+        <a:cs typeface="+mn-cs"/>
+      </a:defRPr>
+    </a:lvl1pPr>
+    <a:lvl2pPr marL="457200" algn="l" defTabSz="457200" rtl="0" eaLnBrk="1" latinLnBrk="0" hangingPunct="1">
+      <a:defRPr sz="1200" kern="1200">
+        <a:solidFill>
+          <a:schemeClr val="tx1"/>
+        </a:solidFill>
+        <a:latin typeface="+mn-lt"/>
+        <a:ea typeface="+mn-ea"/>
+        <a:cs typeface="+mn-cs"/>
+      </a:defRPr>
+    </a:lvl2pPr>
+    <a:lvl3pPr marL="914400" algn="l" defTabSz="457200" rtl="0" eaLnBrk="1" latinLnBrk="0" hangingPunct="1">
+      <a:defRPr sz="1200" kern="1200">
+        <a:solidFill>
+          <a:schemeClr val="tx1"/>
+        </a:solidFill>
+        <a:latin typeface="+mn-lt"/>
+        <a:ea typeface="+mn-ea"/>
+        <a:cs typeface="+mn-cs"/>
+      </a:defRPr>
+    </a:lvl3pPr>
+    <a:lvl4pPr marL="1371600" algn="l" defTabSz="457200" rtl="0" eaLnBrk="1" latinLnBrk="0" hangingPunct="1">
+      <a:defRPr sz="1200" kern="1200">
+        <a:solidFill>
+          <a:schemeClr val="tx1"/>
+        </a:solidFill>
+        <a:latin typeface="+mn-lt"/>
+        <a:ea typeface="+mn-ea"/>
+        <a:cs typeface="+mn-cs"/>
+      </a:defRPr>
+    </a:lvl4pPr>
+    <a:lvl5pPr marL="1828800" algn="l" defTabSz="457200" rtl="0" eaLnBrk="1" latinLnBrk="0" hangingPunct="1">
+      <a:defRPr sz="1200" kern="1200">
+        <a:solidFill>
+          <a:schemeClr val="tx1"/>
+        </a:solidFill>
+        <a:latin typeface="+mn-lt"/>
+        <a:ea typeface="+mn-ea"/>
+        <a:cs typeface="+mn-cs"/>
+      </a:defRPr>
+    </a:lvl5pPr>
+    <a:lvl6pPr marL="2286000" algn="l" defTabSz="457200" rtl="0" eaLnBrk="1" latinLnBrk="0" hangingPunct="1">
+      <a:defRPr sz="1200" kern="1200">
+        <a:solidFill>
+          <a:schemeClr val="tx1"/>
+        </a:solidFill>
+        <a:latin typeface="+mn-lt"/>
+        <a:ea typeface="+mn-ea"/>
+        <a:cs typeface="+mn-cs"/>
+      </a:defRPr>
+    </a:lvl6pPr>
+    <a:lvl7pPr marL="2743200" algn="l" defTabSz="457200" rtl="0" eaLnBrk="1" latinLnBrk="0" hangingPunct="1">
+      <a:defRPr sz="1200" kern="1200">
+        <a:solidFill>
+          <a:schemeClr val="tx1"/>
+        </a:solidFill>
+        <a:latin typeface="+mn-lt"/>
+        <a:ea typeface="+mn-ea"/>
+        <a:cs typeface="+mn-cs"/>
+      </a:defRPr>
+    </a:lvl7pPr>
+    <a:lvl8pPr marL="3200400" algn="l" defTabSz="457200" rtl="0" eaLnBrk="1" latinLnBrk="0" hangingPunct="1">
+      <a:defRPr sz="1200" kern="1200">
+        <a:solidFill>
+          <a:schemeClr val="tx1"/>
+        </a:solidFill>
+        <a:latin typeface="+mn-lt"/>
+        <a:ea typeface="+mn-ea"/>
+        <a:cs typeface="+mn-cs"/>
+      </a:defRPr>
+    </a:lvl8pPr>
+    <a:lvl9pPr marL="3657600" algn="l" defTabSz="457200" rtl="0" eaLnBrk="1" latinLnBrk="0" hangingPunct="1">
+      <a:defRPr sz="1200" kern="1200">
+        <a:solidFill>
+          <a:schemeClr val="tx1"/>
+        </a:solidFill>
+        <a:latin typeface="+mn-lt"/>
+        <a:ea typeface="+mn-ea"/>
+        <a:cs typeface="+mn-cs"/>
+      </a:defRPr>
+    </a:lvl9pPr>
+  </p:notesStyle>
+</p:notesMaster>
+</file>
+
+<file path=ppt/notesSlides/notesSlide1.xml><?xml version="1.0" encoding="utf-8"?>
+<p:notes xmlns:a="http://schemas.openxmlformats.org/drawingml/2006/main" xmlns:r="http://schemas.openxmlformats.org/officeDocument/2006/relationships" xmlns:mc="http://schemas.openxmlformats.org/markup-compatibility/2006" xmlns:mv="urn:schemas-microsoft-com:mac:vml" xmlns:p="http://schemas.openxmlformats.org/presentationml/2006/main" mc:Ignorable="mv" mc:PreserveAttributes="mv:*">
+  <p:cSld>
+    <p:spTree>
+      <p:nvGrpSpPr>
+        <p:cNvPr id="1" name=""/>
+        <p:cNvGrpSpPr/>
+        <p:nvPr/>
+      </p:nvGrpSpPr>
+      <p:grpSpPr>
+        <a:xfrm>
+          <a:off x="0" y="0"/>
+          <a:ext cx="0" cy="0"/>
+          <a:chOff x="0" y="0"/>
+          <a:chExt cx="0" cy="0"/>
+        </a:xfrm>
+      </p:grpSpPr>
+      <p:sp>
+        <p:nvSpPr>
+          <p:cNvPr id="18434" name="Slide Image Placeholder 1"/>
+          <p:cNvSpPr>
+            <a:spLocks noGrp="1" noRot="1" noChangeAspect="1"/>
+          </p:cNvSpPr>
+          <p:nvPr>
+            <p:ph type="sldImg"/>
+          </p:nvPr>
+        </p:nvSpPr>
+        <p:spPr bwMode="auto">
+          <a:noFill/>
+          <a:ln>
+            <a:solidFill>
+              <a:srgbClr val="000000"/>
+            </a:solidFill>
+            <a:miter lim="800000"/>
+            <a:headEnd/>
+            <a:tailEnd/>
+          </a:ln>
+        </p:spPr>
+      </p:sp>
+      <p:sp>
+        <p:nvSpPr>
+          <p:cNvPr id="18435" name="Notes Placeholder 2"/>
+          <p:cNvSpPr>
+            <a:spLocks noGrp="1"/>
+          </p:cNvSpPr>
+          <p:nvPr>
+            <p:ph type="body" idx="1"/>
+          </p:nvPr>
+        </p:nvSpPr>
+        <p:spPr bwMode="auto">
+          <a:noFill/>
+        </p:spPr>
+        <p:txBody>
+          <a:bodyPr/>
+          <a:lstStyle/>
+          <a:p>
+            <a:pPr>
+              <a:spcBef>
+                <a:spcPct val="0"/>
+              </a:spcBef>
+            </a:pPr>
+            <a:endParaRPr lang="en-US" smtClean="0"/>
+          </a:p>
+        </p:txBody>
+      </p:sp>
+      <p:sp>
+        <p:nvSpPr>
+          <p:cNvPr id="18436" name="Slide Number Placeholder 3"/>
+          <p:cNvSpPr>
+            <a:spLocks noGrp="1"/>
+          </p:cNvSpPr>
+          <p:nvPr>
+            <p:ph type="sldNum" sz="quarter" idx="5"/>
+          </p:nvPr>
+        </p:nvSpPr>
+        <p:spPr bwMode="auto">
+          <a:noFill/>
+          <a:ln>
+            <a:miter lim="800000"/>
+            <a:headEnd/>
+            <a:tailEnd/>
+          </a:ln>
+        </p:spPr>
+        <p:txBody>
+          <a:bodyPr/>
+          <a:lstStyle/>
+          <a:p>
+            <a:fld id="{329AFCA5-DB9C-AD48-ACB9-B4BB5885CC8A}" type="slidenum">
+              <a:rPr lang="en-US"/>
+              <a:pPr/>
+              <a:t>15</a:t>
+            </a:fld>
+            <a:endParaRPr lang="en-US"/>
+          </a:p>
+        </p:txBody>
+      </p:sp>
+    </p:spTree>
+  </p:cSld>
+  <p:clrMapOvr>
+    <a:masterClrMapping/>
+  </p:clrMapOvr>
+</p:notes>
 </file>
 
 <file path=ppt/slideLayouts/slideLayout1.xml><?xml version="1.0" encoding="utf-8"?>
@@ -3347,10 +3802,82 @@
         </p:nvSpPr>
         <p:spPr/>
         <p:txBody>
-          <a:bodyPr/>
-          <a:lstStyle/>
-          <a:p>
-            <a:endParaRPr lang="en-US"/>
+          <a:bodyPr>
+            <a:normAutofit lnSpcReduction="10000"/>
+          </a:bodyPr>
+          <a:lstStyle/>
+          <a:p>
+            <a:r>
+              <a:rPr lang="en-US" dirty="0" smtClean="0"/>
+              <a:t>Why not use property chains?</a:t>
+            </a:r>
+          </a:p>
+          <a:p>
+            <a:r>
+              <a:rPr lang="en-US" dirty="0" smtClean="0"/>
+              <a:t>Reason 1</a:t>
+            </a:r>
+          </a:p>
+          <a:p>
+            <a:pPr lvl="1"/>
+            <a:r>
+              <a:rPr lang="en-US" dirty="0" smtClean="0"/>
+              <a:t>implication is unidirectional</a:t>
+            </a:r>
+          </a:p>
+          <a:p>
+            <a:pPr lvl="1"/>
+            <a:r>
+              <a:rPr lang="en-US" dirty="0" smtClean="0"/>
+              <a:t>Example: overlaps &lt;- has_part </a:t>
+            </a:r>
+            <a:r>
+              <a:rPr lang="en-US" dirty="0" err="1" smtClean="0"/>
+              <a:t>o</a:t>
+            </a:r>
+            <a:r>
+              <a:rPr lang="en-US" dirty="0" smtClean="0"/>
+              <a:t> part_of</a:t>
+            </a:r>
+          </a:p>
+          <a:p>
+            <a:pPr lvl="2"/>
+            <a:endParaRPr lang="en-US" dirty="0" smtClean="0"/>
+          </a:p>
+          <a:p>
+            <a:r>
+              <a:rPr lang="en-US" dirty="0" smtClean="0"/>
+              <a:t>Reason 2</a:t>
+            </a:r>
+          </a:p>
+          <a:p>
+            <a:pPr lvl="1"/>
+            <a:r>
+              <a:rPr lang="en-US" dirty="0" smtClean="0"/>
+              <a:t>can’t be used for mixed constructs</a:t>
+            </a:r>
+          </a:p>
+          <a:p>
+            <a:pPr lvl="1"/>
+            <a:r>
+              <a:rPr lang="en-US" dirty="0" smtClean="0"/>
+              <a:t>E.g.</a:t>
+            </a:r>
+          </a:p>
+          <a:p>
+            <a:pPr lvl="2"/>
+            <a:r>
+              <a:rPr lang="en-US" dirty="0" smtClean="0"/>
+              <a:t>?X R ?Y -&gt; X </a:t>
+            </a:r>
+            <a:r>
+              <a:rPr lang="en-US" dirty="0" err="1" smtClean="0"/>
+              <a:t>subClassOf</a:t>
+            </a:r>
+            <a:r>
+              <a:rPr lang="en-US" dirty="0" smtClean="0"/>
+              <a:t> R1 some (R2 only ?Y) </a:t>
+            </a:r>
           </a:p>
         </p:txBody>
       </p:sp>
@@ -3654,7 +4181,7 @@
         <p:spPr/>
         <p:txBody>
           <a:bodyPr>
-            <a:normAutofit fontScale="92500" lnSpcReduction="20000"/>
+            <a:normAutofit fontScale="85000" lnSpcReduction="20000"/>
           </a:bodyPr>
           <a:lstStyle/>
           <a:p>
@@ -3667,7 +4194,15 @@
             <a:pPr lvl="1"/>
             <a:r>
               <a:rPr lang="en-US" dirty="0" smtClean="0"/>
-              <a:t>SELECT ?</a:t>
+              <a:t>?</a:t>
+            </a:r>
+            <a:r>
+              <a:rPr lang="en-US" dirty="0" err="1" smtClean="0"/>
+              <a:t>x</a:t>
+            </a:r>
+            <a:r>
+              <a:rPr lang="en-US" dirty="0" smtClean="0"/>
+              <a:t>: SELECT ?</a:t>
             </a:r>
             <a:r>
               <a:rPr lang="en-US" dirty="0" err="1" smtClean="0"/>
@@ -3874,23 +4409,94 @@
             </a:r>
           </a:p>
           <a:p>
-            <a:r>
-              <a:rPr lang="en-US" dirty="0" smtClean="0"/>
-              <a:t>Limitations: axiom-level</a:t>
-            </a:r>
-          </a:p>
-          <a:p>
-            <a:pPr lvl="1"/>
-            <a:r>
-              <a:rPr lang="en-US" dirty="0" smtClean="0"/>
-              <a:t>we would like to replace arbitrary expressions</a:t>
-            </a:r>
-          </a:p>
-          <a:p>
-            <a:r>
-              <a:rPr lang="en-US" dirty="0" smtClean="0"/>
-              <a:t>Can we make the OPPL2 queries part of the ontology?</a:t>
-            </a:r>
+            <a:pPr>
+              <a:lnSpc>
+                <a:spcPct val="80000"/>
+              </a:lnSpc>
+              <a:buFont typeface="Arial" charset="0"/>
+              <a:buNone/>
+            </a:pPr>
+            <a:r>
+              <a:rPr lang="en-US" dirty="0" smtClean="0"/>
+              <a:t>Expansion code doesn’t have a home?</a:t>
+            </a:r>
+          </a:p>
+          <a:p>
+            <a:pPr>
+              <a:lnSpc>
+                <a:spcPct val="80000"/>
+              </a:lnSpc>
+              <a:buFont typeface="Arial" charset="0"/>
+              <a:buNone/>
+            </a:pPr>
+            <a:r>
+              <a:rPr lang="en-US" dirty="0" smtClean="0"/>
+              <a:t>	Unclear whether we can we use </a:t>
+            </a:r>
+            <a:r>
+              <a:rPr lang="en-US" dirty="0" err="1" smtClean="0"/>
+              <a:t>rdfs:labels</a:t>
+            </a:r>
+            <a:r>
+              <a:rPr lang="en-US" dirty="0" smtClean="0"/>
+              <a:t> in expressions.</a:t>
+            </a:r>
+          </a:p>
+          <a:p>
+            <a:pPr>
+              <a:lnSpc>
+                <a:spcPct val="80000"/>
+              </a:lnSpc>
+              <a:buFont typeface="Arial" charset="0"/>
+              <a:buNone/>
+            </a:pPr>
+            <a:r>
+              <a:rPr lang="en-US" dirty="0" smtClean="0"/>
+              <a:t>	Can’t currently access or write annotations</a:t>
+            </a:r>
+          </a:p>
+          <a:p>
+            <a:pPr>
+              <a:lnSpc>
+                <a:spcPct val="80000"/>
+              </a:lnSpc>
+              <a:buFont typeface="Arial" charset="0"/>
+              <a:buNone/>
+            </a:pPr>
+            <a:r>
+              <a:rPr lang="en-US" dirty="0" smtClean="0"/>
+              <a:t>	No abstraction (e.g. functions to be reused)</a:t>
+            </a:r>
+          </a:p>
+          <a:p>
+            <a:pPr>
+              <a:lnSpc>
+                <a:spcPct val="80000"/>
+              </a:lnSpc>
+              <a:buFont typeface="Arial" charset="0"/>
+              <a:buNone/>
+            </a:pPr>
+            <a:r>
+              <a:rPr lang="en-US" dirty="0" smtClean="0"/>
+              <a:t>	One shortcut relation needs multiple OPPL scripts for each of </a:t>
+            </a:r>
+            <a:r>
+              <a:rPr lang="en-US" dirty="0" err="1" smtClean="0"/>
+              <a:t>SubClassOf</a:t>
+            </a:r>
+            <a:r>
+              <a:rPr lang="en-US" dirty="0" smtClean="0"/>
+              <a:t>, </a:t>
+            </a:r>
+            <a:r>
+              <a:rPr lang="en-US" dirty="0" err="1" smtClean="0"/>
+              <a:t>EquivalentTo</a:t>
+            </a:r>
+            <a:r>
+              <a:rPr lang="en-US" smtClean="0"/>
+              <a:t>, …</a:t>
+            </a:r>
+            <a:endParaRPr lang="en-US" smtClean="0"/>
           </a:p>
           <a:p>
             <a:endParaRPr lang="en-US" dirty="0"/>
@@ -3924,7 +4530,7 @@
       </p:grpSpPr>
       <p:sp>
         <p:nvSpPr>
-          <p:cNvPr id="2" name="Title 1"/>
+          <p:cNvPr id="17410" name="Title 1"/>
           <p:cNvSpPr>
             <a:spLocks noGrp="1"/>
           </p:cNvSpPr>
@@ -3939,15 +4545,15 @@
           <a:p>
             <a:r>
               <a:rPr lang="en-US" dirty="0" smtClean="0"/>
-              <a:t>Our current approach</a:t>
-            </a:r>
-            <a:endParaRPr lang="en-US" dirty="0"/>
-          </a:p>
-        </p:txBody>
-      </p:sp>
-      <p:sp>
-        <p:nvSpPr>
-          <p:cNvPr id="3" name="Content Placeholder 2"/>
+              <a:t>OPPL2 – embedded expressions</a:t>
+            </a:r>
+            <a:endParaRPr lang="en-US" dirty="0" smtClean="0"/>
+          </a:p>
+        </p:txBody>
+      </p:sp>
+      <p:sp>
+        <p:nvSpPr>
+          <p:cNvPr id="17411" name="Content Placeholder 2"/>
           <p:cNvSpPr>
             <a:spLocks noGrp="1"/>
           </p:cNvSpPr>
@@ -3957,59 +4563,217 @@
         </p:nvSpPr>
         <p:spPr/>
         <p:txBody>
+          <a:bodyPr/>
+          <a:lstStyle/>
+          <a:p>
+            <a:pPr>
+              <a:buFont typeface="Arial" charset="0"/>
+              <a:buNone/>
+            </a:pPr>
+            <a:r>
+              <a:rPr lang="en-US" smtClean="0"/>
+              <a:t>But trouble if the shortcut is embedded</a:t>
+            </a:r>
+          </a:p>
+          <a:p>
+            <a:pPr>
+              <a:buFont typeface="Arial" charset="0"/>
+              <a:buNone/>
+            </a:pPr>
+            <a:endParaRPr lang="en-US" smtClean="0"/>
+          </a:p>
+          <a:p>
+            <a:pPr>
+              <a:buFont typeface="Arial" charset="0"/>
+              <a:buNone/>
+            </a:pPr>
+            <a:endParaRPr lang="en-US" smtClean="0"/>
+          </a:p>
+          <a:p>
+            <a:pPr>
+              <a:buFont typeface="Arial" charset="0"/>
+              <a:buNone/>
+            </a:pPr>
+            <a:endParaRPr lang="en-US" smtClean="0"/>
+          </a:p>
+          <a:p>
+            <a:pPr>
+              <a:buFont typeface="Arial" charset="0"/>
+              <a:buNone/>
+            </a:pPr>
+            <a:endParaRPr lang="en-US" smtClean="0"/>
+          </a:p>
+          <a:p>
+            <a:pPr>
+              <a:buFont typeface="Arial" charset="0"/>
+              <a:buNone/>
+            </a:pPr>
+            <a:r>
+              <a:rPr lang="en-US" smtClean="0"/>
+              <a:t>Have to write another pattern and expansion</a:t>
+            </a:r>
+          </a:p>
+          <a:p>
+            <a:pPr>
+              <a:buFont typeface="Arial" charset="0"/>
+              <a:buNone/>
+            </a:pPr>
+            <a:endParaRPr lang="en-US" smtClean="0"/>
+          </a:p>
+        </p:txBody>
+      </p:sp>
+      <p:sp>
+        <p:nvSpPr>
+          <p:cNvPr id="17412" name="Rectangle 3"/>
+          <p:cNvSpPr>
+            <a:spLocks noChangeArrowheads="1"/>
+          </p:cNvSpPr>
+          <p:nvPr/>
+        </p:nvSpPr>
+        <p:spPr bwMode="auto">
+          <a:xfrm>
+            <a:off x="792163" y="2286000"/>
+            <a:ext cx="8142287" cy="2030413"/>
+          </a:xfrm>
+          <a:prstGeom prst="rect">
+            <a:avLst/>
+          </a:prstGeom>
+          <a:noFill/>
+          <a:ln w="9525">
+            <a:noFill/>
+            <a:miter lim="800000"/>
+            <a:headEnd/>
+            <a:tailEnd/>
+          </a:ln>
+        </p:spPr>
+        <p:txBody>
           <a:bodyPr>
-            <a:normAutofit fontScale="92500"/>
+            <a:prstTxWarp prst="textNoShape">
+              <a:avLst/>
+            </a:prstTxWarp>
+            <a:spAutoFit/>
           </a:bodyPr>
           <a:lstStyle/>
           <a:p>
             <a:r>
-              <a:rPr lang="en-US" dirty="0" smtClean="0"/>
-              <a:t>domain experts author ontologies using shortcut relations</a:t>
-            </a:r>
-          </a:p>
-          <a:p>
-            <a:pPr lvl="1"/>
-            <a:r>
-              <a:rPr lang="en-US" dirty="0" smtClean="0"/>
-              <a:t>obo or owl</a:t>
-            </a:r>
-          </a:p>
-          <a:p>
-            <a:r>
-              <a:rPr lang="en-US" dirty="0" smtClean="0"/>
-              <a:t>macros are embedded as annotation properties</a:t>
-            </a:r>
-          </a:p>
-          <a:p>
-            <a:r>
-              <a:rPr lang="en-US" dirty="0" smtClean="0"/>
-              <a:t>expansion engine rewrites ontology</a:t>
-            </a:r>
-          </a:p>
-          <a:p>
-            <a:r>
-              <a:rPr lang="en-US" dirty="0" smtClean="0"/>
-              <a:t>can reason over pre or post expanded ontology</a:t>
-            </a:r>
-          </a:p>
-          <a:p>
-            <a:r>
-              <a:rPr lang="en-US" dirty="0" smtClean="0"/>
-              <a:t>we would like to do this in a standard way</a:t>
-            </a:r>
-          </a:p>
-          <a:p>
-            <a:pPr lvl="1"/>
-            <a:r>
-              <a:rPr lang="en-US" dirty="0" smtClean="0"/>
-              <a:t>which is why we’re here</a:t>
-            </a:r>
-          </a:p>
-          <a:p>
-            <a:endParaRPr lang="en-US" dirty="0" smtClean="0"/>
-          </a:p>
-          <a:p>
-            <a:endParaRPr lang="en-US" dirty="0"/>
+              <a:rPr lang="en-US">
+                <a:latin typeface="Calibri" charset="0"/>
+              </a:rPr>
+              <a:t>N1 connected_to some (</a:t>
+            </a:r>
+            <a:r>
+              <a:rPr lang="en-US" b="1" u="sng">
+                <a:latin typeface="Calibri" charset="0"/>
+              </a:rPr>
+              <a:t>synapsed_to some N2</a:t>
+            </a:r>
+            <a:r>
+              <a:rPr lang="en-US">
+                <a:latin typeface="Calibri" charset="0"/>
+              </a:rPr>
+              <a:t>)</a:t>
+            </a:r>
+          </a:p>
+          <a:p>
+            <a:r>
+              <a:rPr lang="en-US">
+                <a:latin typeface="Calibri" charset="0"/>
+              </a:rPr>
+              <a:t>-&gt;</a:t>
+            </a:r>
+          </a:p>
+          <a:p>
+            <a:r>
+              <a:rPr lang="en-US">
+                <a:latin typeface="Calibri" charset="0"/>
+              </a:rPr>
+              <a:t>N1 SubclassOf</a:t>
+            </a:r>
+          </a:p>
+          <a:p>
+            <a:r>
+              <a:rPr lang="en-US">
+                <a:latin typeface="Calibri" charset="0"/>
+              </a:rPr>
+              <a:t>   connected_to some </a:t>
+            </a:r>
+            <a:br>
+              <a:rPr lang="en-US">
+                <a:latin typeface="Calibri" charset="0"/>
+              </a:rPr>
+            </a:br>
+            <a:r>
+              <a:rPr lang="en-US">
+                <a:latin typeface="Calibri" charset="0"/>
+              </a:rPr>
+              <a:t>        (has_part some (‘pre-synaptic membrane’ that part_of some</a:t>
+            </a:r>
+          </a:p>
+          <a:p>
+            <a:r>
+              <a:rPr lang="en-US">
+                <a:latin typeface="Calibri" charset="0"/>
+              </a:rPr>
+              <a:t>                       (‘synapse’ that has_part some</a:t>
+            </a:r>
+          </a:p>
+          <a:p>
+            <a:r>
+              <a:rPr lang="en-US">
+                <a:latin typeface="Calibri" charset="0"/>
+              </a:rPr>
+              <a:t>		         (‘post-synaptic membrane’ that part_of some N2))))</a:t>
+            </a:r>
+          </a:p>
+        </p:txBody>
+      </p:sp>
+      <p:sp>
+        <p:nvSpPr>
+          <p:cNvPr id="17413" name="Rectangle 4"/>
+          <p:cNvSpPr>
+            <a:spLocks noChangeArrowheads="1"/>
+          </p:cNvSpPr>
+          <p:nvPr/>
+        </p:nvSpPr>
+        <p:spPr bwMode="auto">
+          <a:xfrm>
+            <a:off x="195263" y="5349875"/>
+            <a:ext cx="9002712" cy="646113"/>
+          </a:xfrm>
+          <a:prstGeom prst="rect">
+            <a:avLst/>
+          </a:prstGeom>
+          <a:noFill/>
+          <a:ln w="9525">
+            <a:noFill/>
+            <a:miter lim="800000"/>
+            <a:headEnd/>
+            <a:tailEnd/>
+          </a:ln>
+        </p:spPr>
+        <p:txBody>
+          <a:bodyPr>
+            <a:prstTxWarp prst="textNoShape">
+              <a:avLst/>
+            </a:prstTxWarp>
+            <a:spAutoFit/>
+          </a:bodyPr>
+          <a:lstStyle/>
+          <a:p>
+            <a:r>
+              <a:rPr lang="en-US">
+                <a:latin typeface="Calibri" charset="0"/>
+              </a:rPr>
+              <a:t>select ?N1:Class ?N2:Class where ?N1 subclassOf connected_to some (synapsed_to some ?N2)</a:t>
+            </a:r>
+          </a:p>
+          <a:p>
+            <a:r>
+              <a:rPr lang="en-US">
+                <a:latin typeface="Calibri" charset="0"/>
+              </a:rPr>
+              <a:t>…</a:t>
+            </a:r>
           </a:p>
         </p:txBody>
       </p:sp>
@@ -4055,7 +4819,7 @@
           <a:p>
             <a:r>
               <a:rPr lang="en-US" dirty="0" smtClean="0"/>
-              <a:t>Example: synapses</a:t>
+              <a:t>Our current approach</a:t>
             </a:r>
             <a:endParaRPr lang="en-US" dirty="0"/>
           </a:p>
@@ -4063,573 +4827,69 @@
       </p:sp>
       <p:sp>
         <p:nvSpPr>
-          <p:cNvPr id="4" name="Rectangle 3"/>
-          <p:cNvSpPr/>
-          <p:nvPr/>
-        </p:nvSpPr>
-        <p:spPr>
-          <a:xfrm>
-            <a:off x="457200" y="1600200"/>
-            <a:ext cx="4572000" cy="2677656"/>
-          </a:xfrm>
-          <a:prstGeom prst="rect">
-            <a:avLst/>
-          </a:prstGeom>
-        </p:spPr>
-        <p:txBody>
-          <a:bodyPr wrap="square">
-            <a:spAutoFit/>
+          <p:cNvPr id="3" name="Content Placeholder 2"/>
+          <p:cNvSpPr>
+            <a:spLocks noGrp="1"/>
+          </p:cNvSpPr>
+          <p:nvPr>
+            <p:ph idx="1"/>
+          </p:nvPr>
+        </p:nvSpPr>
+        <p:spPr/>
+        <p:txBody>
+          <a:bodyPr>
+            <a:normAutofit fontScale="92500"/>
           </a:bodyPr>
           <a:lstStyle/>
           <a:p>
-            <a:pPr>
-              <a:buFont typeface="Arial" charset="0"/>
-              <a:buNone/>
-            </a:pPr>
-            <a:r>
-              <a:rPr lang="en-US" sz="2400" b="1" dirty="0" err="1" smtClean="0"/>
-              <a:t>ObjectProperty</a:t>
-            </a:r>
-            <a:r>
-              <a:rPr lang="en-US" sz="2400" dirty="0" smtClean="0"/>
-              <a:t>: </a:t>
-            </a:r>
-            <a:r>
-              <a:rPr lang="en-US" sz="2400" dirty="0" err="1" smtClean="0"/>
-              <a:t>synapsed_to</a:t>
-            </a:r>
-            <a:endParaRPr lang="en-US" sz="2400" dirty="0" smtClean="0"/>
-          </a:p>
-          <a:p>
-            <a:pPr>
-              <a:buFont typeface="Arial" charset="0"/>
-              <a:buNone/>
-            </a:pPr>
-            <a:r>
-              <a:rPr lang="en-US" sz="2400" b="1" dirty="0" smtClean="0"/>
-              <a:t>Annotations</a:t>
-            </a:r>
-            <a:r>
-              <a:rPr lang="en-US" sz="2400" dirty="0" smtClean="0"/>
-              <a:t>: </a:t>
-            </a:r>
-            <a:r>
-              <a:rPr lang="en-US" sz="2400" dirty="0" err="1" smtClean="0"/>
-              <a:t>expandExpressionTo</a:t>
-            </a:r>
-            <a:r>
-              <a:rPr lang="en-US" sz="2400" dirty="0" smtClean="0"/>
-              <a:t> “</a:t>
-            </a:r>
-            <a:r>
-              <a:rPr lang="en-US" sz="2400" dirty="0" smtClean="0"/>
-              <a:t/>
-            </a:r>
-            <a:br>
-              <a:rPr lang="en-US" sz="2400" dirty="0" smtClean="0"/>
-            </a:br>
-            <a:r>
-              <a:rPr lang="en-US" sz="1700" dirty="0" smtClean="0"/>
-              <a:t>  </a:t>
-            </a:r>
-            <a:r>
-              <a:rPr lang="en-US" sz="1700" b="1" dirty="0" smtClean="0"/>
-              <a:t>has_part</a:t>
-            </a:r>
-            <a:r>
-              <a:rPr lang="en-US" sz="1700" dirty="0" smtClean="0"/>
-              <a:t> </a:t>
-            </a:r>
-            <a:r>
-              <a:rPr lang="en-US" sz="1700" dirty="0" smtClean="0">
-                <a:solidFill>
-                  <a:srgbClr val="0000FF"/>
-                </a:solidFill>
-              </a:rPr>
-              <a:t>some </a:t>
-            </a:r>
-            <a:r>
-              <a:rPr lang="en-US" sz="1700" dirty="0" smtClean="0"/>
-              <a:t>(</a:t>
-            </a:r>
-          </a:p>
-          <a:p>
-            <a:pPr>
-              <a:buFont typeface="Arial" charset="0"/>
-              <a:buNone/>
-            </a:pPr>
-            <a:r>
-              <a:rPr lang="en-US" sz="1700" dirty="0"/>
-              <a:t> </a:t>
-            </a:r>
-            <a:r>
-              <a:rPr lang="en-US" sz="1700" dirty="0" smtClean="0"/>
-              <a:t>‘pre-synaptic membrane’ </a:t>
-            </a:r>
-            <a:r>
-              <a:rPr lang="en-US" sz="1700" dirty="0" smtClean="0">
-                <a:solidFill>
-                  <a:srgbClr val="0000FF"/>
-                </a:solidFill>
-              </a:rPr>
-              <a:t>that </a:t>
-            </a:r>
-            <a:r>
-              <a:rPr lang="en-US" sz="1700" b="1" dirty="0" smtClean="0"/>
-              <a:t>part_of</a:t>
-            </a:r>
-            <a:r>
-              <a:rPr lang="en-US" sz="1700" dirty="0" smtClean="0"/>
-              <a:t> </a:t>
-            </a:r>
-            <a:r>
-              <a:rPr lang="en-US" sz="1700" dirty="0" smtClean="0">
-                <a:solidFill>
-                  <a:srgbClr val="0000FF"/>
-                </a:solidFill>
-              </a:rPr>
-              <a:t>some </a:t>
-            </a:r>
-            <a:r>
-              <a:rPr lang="en-US" sz="1700" dirty="0" smtClean="0"/>
-              <a:t>( ‘synapse’ </a:t>
-            </a:r>
-            <a:r>
-              <a:rPr lang="en-US" sz="1700" dirty="0" smtClean="0">
-                <a:solidFill>
-                  <a:srgbClr val="0000FF"/>
-                </a:solidFill>
-              </a:rPr>
-              <a:t>that </a:t>
-            </a:r>
-            <a:r>
-              <a:rPr lang="en-US" sz="1700" b="1" dirty="0" smtClean="0"/>
-              <a:t>has_part</a:t>
-            </a:r>
-            <a:r>
-              <a:rPr lang="en-US" sz="1700" dirty="0" smtClean="0"/>
-              <a:t> </a:t>
-            </a:r>
-            <a:r>
-              <a:rPr lang="en-US" sz="1700" dirty="0" smtClean="0">
-                <a:solidFill>
-                  <a:srgbClr val="0000FF"/>
-                </a:solidFill>
-              </a:rPr>
-              <a:t>some </a:t>
-            </a:r>
-            <a:r>
-              <a:rPr lang="en-US" sz="1700" dirty="0" smtClean="0">
-                <a:solidFill>
-                  <a:srgbClr val="0000FF"/>
-                </a:solidFill>
-              </a:rPr>
-              <a:t>(</a:t>
-            </a:r>
-            <a:r>
-              <a:rPr lang="en-US" sz="1700" dirty="0" smtClean="0"/>
-              <a:t>‘post-synaptic membrane’ </a:t>
-            </a:r>
-            <a:r>
-              <a:rPr lang="en-US" sz="1700" dirty="0" smtClean="0">
-                <a:solidFill>
-                  <a:srgbClr val="0000FF"/>
-                </a:solidFill>
-              </a:rPr>
-              <a:t>that </a:t>
-            </a:r>
-            <a:r>
-              <a:rPr lang="en-US" sz="1700" b="1" dirty="0" smtClean="0"/>
-              <a:t>part_of</a:t>
-            </a:r>
-            <a:r>
-              <a:rPr lang="en-US" sz="1700" dirty="0" smtClean="0"/>
-              <a:t> some </a:t>
-            </a:r>
-            <a:r>
-              <a:rPr lang="en-US" sz="2400" i="1" dirty="0" smtClean="0">
-                <a:solidFill>
-                  <a:srgbClr val="FF0000"/>
-                </a:solidFill>
-              </a:rPr>
-              <a:t>?Y</a:t>
-            </a:r>
-            <a:r>
-              <a:rPr lang="en-US" sz="2100" dirty="0" smtClean="0"/>
-              <a:t>))</a:t>
-            </a:r>
-          </a:p>
-          <a:p>
-            <a:pPr>
-              <a:buFont typeface="Arial" charset="0"/>
-              <a:buNone/>
-            </a:pPr>
-            <a:r>
-              <a:rPr lang="en-US" sz="2100" dirty="0" smtClean="0"/>
-              <a:t>”</a:t>
-            </a:r>
-            <a:endParaRPr lang="en-US" sz="2100" dirty="0" smtClean="0"/>
-          </a:p>
-        </p:txBody>
-      </p:sp>
-      <p:sp>
-        <p:nvSpPr>
-          <p:cNvPr id="5" name="Rectangle 4"/>
-          <p:cNvSpPr/>
-          <p:nvPr/>
-        </p:nvSpPr>
-        <p:spPr>
-          <a:xfrm>
-            <a:off x="5257800" y="1600200"/>
-            <a:ext cx="3810000" cy="923330"/>
-          </a:xfrm>
-          <a:prstGeom prst="rect">
-            <a:avLst/>
-          </a:prstGeom>
-          <a:solidFill>
-            <a:schemeClr val="bg2"/>
-          </a:solidFill>
-        </p:spPr>
-        <p:txBody>
-          <a:bodyPr wrap="square">
-            <a:spAutoFit/>
-          </a:bodyPr>
-          <a:lstStyle/>
-          <a:p>
-            <a:r>
-              <a:rPr lang="en-US" dirty="0" smtClean="0">
-                <a:latin typeface="Calibri" charset="0"/>
-              </a:rPr>
-              <a:t>Class: </a:t>
-            </a:r>
-            <a:r>
-              <a:rPr lang="en-US" b="1" dirty="0" smtClean="0">
-                <a:latin typeface="Calibri" charset="0"/>
-              </a:rPr>
-              <a:t>N_ABC</a:t>
-            </a:r>
-          </a:p>
-          <a:p>
-            <a:r>
-              <a:rPr lang="en-US" dirty="0" err="1" smtClean="0">
-                <a:latin typeface="Calibri" charset="0"/>
-              </a:rPr>
-              <a:t>SubClassOf</a:t>
-            </a:r>
-            <a:r>
-              <a:rPr lang="en-US" dirty="0" smtClean="0">
-                <a:latin typeface="Calibri" charset="0"/>
-              </a:rPr>
-              <a:t>: </a:t>
-            </a:r>
-          </a:p>
-          <a:p>
-            <a:r>
-              <a:rPr lang="en-US" dirty="0">
-                <a:latin typeface="Calibri" charset="0"/>
-              </a:rPr>
-              <a:t> </a:t>
-            </a:r>
-            <a:r>
-              <a:rPr lang="en-US" i="1" dirty="0" err="1" smtClean="0">
-                <a:latin typeface="Calibri" charset="0"/>
-              </a:rPr>
-              <a:t>synapsed_to</a:t>
-            </a:r>
-            <a:r>
-              <a:rPr lang="en-US" dirty="0" smtClean="0">
-                <a:latin typeface="Calibri" charset="0"/>
-              </a:rPr>
-              <a:t> some </a:t>
-            </a:r>
-            <a:r>
-              <a:rPr lang="en-US" b="1" dirty="0" smtClean="0">
-                <a:latin typeface="Calibri" charset="0"/>
-              </a:rPr>
-              <a:t>N_DEF</a:t>
-            </a:r>
-            <a:endParaRPr lang="en-US" b="1" dirty="0" smtClean="0">
-              <a:latin typeface="Calibri" charset="0"/>
-            </a:endParaRPr>
-          </a:p>
-        </p:txBody>
-      </p:sp>
-      <p:sp>
-        <p:nvSpPr>
-          <p:cNvPr id="7" name="Rectangle 6"/>
-          <p:cNvSpPr/>
-          <p:nvPr/>
-        </p:nvSpPr>
-        <p:spPr>
-          <a:xfrm>
-            <a:off x="5257800" y="3962400"/>
-            <a:ext cx="3810000" cy="1754327"/>
-          </a:xfrm>
-          <a:prstGeom prst="rect">
-            <a:avLst/>
-          </a:prstGeom>
-          <a:solidFill>
-            <a:schemeClr val="accent1">
-              <a:lumMod val="40000"/>
-              <a:lumOff val="60000"/>
-            </a:schemeClr>
-          </a:solidFill>
-        </p:spPr>
-        <p:txBody>
-          <a:bodyPr wrap="square">
-            <a:spAutoFit/>
-          </a:bodyPr>
-          <a:lstStyle/>
-          <a:p>
-            <a:r>
-              <a:rPr lang="en-US" dirty="0" smtClean="0">
-                <a:latin typeface="Calibri" charset="0"/>
-              </a:rPr>
-              <a:t>Class: </a:t>
-            </a:r>
-            <a:r>
-              <a:rPr lang="en-US" b="1" dirty="0" smtClean="0">
-                <a:latin typeface="Calibri" charset="0"/>
-              </a:rPr>
-              <a:t>N_ABC</a:t>
-            </a:r>
-          </a:p>
-          <a:p>
-            <a:r>
-              <a:rPr lang="en-US" dirty="0" err="1" smtClean="0">
-                <a:latin typeface="Calibri" charset="0"/>
-              </a:rPr>
-              <a:t>SubClassOf</a:t>
-            </a:r>
-            <a:r>
-              <a:rPr lang="en-US" dirty="0" smtClean="0">
-                <a:latin typeface="Calibri" charset="0"/>
-              </a:rPr>
-              <a:t>:</a:t>
-            </a:r>
-          </a:p>
-          <a:p>
-            <a:r>
-              <a:rPr lang="en-US" sz="1700" b="1" dirty="0" smtClean="0">
-                <a:latin typeface="Calibri" charset="0"/>
-              </a:rPr>
-              <a:t>   </a:t>
-            </a:r>
-            <a:r>
-              <a:rPr lang="en-US" sz="1700" b="1" dirty="0" smtClean="0"/>
-              <a:t>has_part</a:t>
-            </a:r>
-            <a:r>
-              <a:rPr lang="en-US" sz="1700" dirty="0" smtClean="0"/>
-              <a:t> </a:t>
-            </a:r>
-            <a:r>
-              <a:rPr lang="en-US" sz="1700" dirty="0" smtClean="0">
-                <a:solidFill>
-                  <a:srgbClr val="0000FF"/>
-                </a:solidFill>
-              </a:rPr>
-              <a:t>some </a:t>
-            </a:r>
-            <a:r>
-              <a:rPr lang="en-US" sz="1700" dirty="0" smtClean="0"/>
-              <a:t>(‘pre-synaptic membrane’ </a:t>
-            </a:r>
-            <a:r>
-              <a:rPr lang="en-US" sz="1700" dirty="0" smtClean="0">
-                <a:solidFill>
-                  <a:srgbClr val="0000FF"/>
-                </a:solidFill>
-              </a:rPr>
-              <a:t>that </a:t>
-            </a:r>
-            <a:r>
-              <a:rPr lang="en-US" sz="1700" b="1" dirty="0" smtClean="0"/>
-              <a:t>part_of</a:t>
-            </a:r>
-            <a:r>
-              <a:rPr lang="en-US" sz="1700" dirty="0" smtClean="0"/>
-              <a:t> </a:t>
-            </a:r>
-            <a:r>
-              <a:rPr lang="en-US" sz="1700" dirty="0" smtClean="0">
-                <a:solidFill>
-                  <a:srgbClr val="0000FF"/>
-                </a:solidFill>
-              </a:rPr>
-              <a:t>some </a:t>
-            </a:r>
-            <a:r>
-              <a:rPr lang="en-US" sz="1700" dirty="0" smtClean="0"/>
-              <a:t>(‘synapse’ </a:t>
-            </a:r>
-            <a:r>
-              <a:rPr lang="en-US" sz="1700" dirty="0" smtClean="0">
-                <a:solidFill>
-                  <a:srgbClr val="0000FF"/>
-                </a:solidFill>
-              </a:rPr>
-              <a:t>that </a:t>
-            </a:r>
-            <a:r>
-              <a:rPr lang="en-US" sz="1700" b="1" dirty="0" smtClean="0"/>
-              <a:t>has_part</a:t>
-            </a:r>
-            <a:r>
-              <a:rPr lang="en-US" sz="1700" dirty="0" smtClean="0"/>
-              <a:t> </a:t>
-            </a:r>
-            <a:r>
-              <a:rPr lang="en-US" sz="1700" dirty="0" smtClean="0">
-                <a:solidFill>
-                  <a:srgbClr val="0000FF"/>
-                </a:solidFill>
-              </a:rPr>
-              <a:t>some </a:t>
-            </a:r>
-            <a:r>
-              <a:rPr lang="en-US" sz="1700" dirty="0">
-                <a:solidFill>
-                  <a:srgbClr val="0000FF"/>
-                </a:solidFill>
-              </a:rPr>
-              <a:t>(</a:t>
-            </a:r>
-            <a:r>
-              <a:rPr lang="en-US" sz="1700" dirty="0" smtClean="0"/>
-              <a:t>‘post-synaptic membrane’ </a:t>
-            </a:r>
-            <a:r>
-              <a:rPr lang="en-US" sz="1700" dirty="0" smtClean="0">
-                <a:solidFill>
-                  <a:srgbClr val="0000FF"/>
-                </a:solidFill>
-              </a:rPr>
-              <a:t>that </a:t>
-            </a:r>
-            <a:r>
-              <a:rPr lang="en-US" sz="1700" b="1" dirty="0" smtClean="0"/>
-              <a:t>part_of</a:t>
-            </a:r>
-            <a:r>
-              <a:rPr lang="en-US" sz="1700" dirty="0" smtClean="0"/>
-              <a:t> some</a:t>
-            </a:r>
-            <a:r>
-              <a:rPr lang="en-US" sz="1600" dirty="0" smtClean="0">
-                <a:latin typeface="Calibri" charset="0"/>
-              </a:rPr>
-              <a:t> </a:t>
-            </a:r>
-            <a:r>
-              <a:rPr lang="en-US" sz="1600" b="1" dirty="0" smtClean="0">
-                <a:latin typeface="Calibri" charset="0"/>
-              </a:rPr>
-              <a:t>N_DEF</a:t>
-            </a:r>
-            <a:r>
-              <a:rPr lang="en-US" sz="2100" dirty="0" smtClean="0"/>
-              <a:t>))</a:t>
-            </a:r>
-            <a:endParaRPr lang="en-US" b="1" dirty="0" smtClean="0">
-              <a:latin typeface="Calibri" charset="0"/>
-            </a:endParaRPr>
-          </a:p>
-        </p:txBody>
-      </p:sp>
-      <p:sp>
-        <p:nvSpPr>
-          <p:cNvPr id="8" name="Down Arrow 7"/>
-          <p:cNvSpPr/>
-          <p:nvPr/>
-        </p:nvSpPr>
-        <p:spPr>
-          <a:xfrm>
-            <a:off x="6324600" y="2895600"/>
-            <a:ext cx="304800" cy="762000"/>
-          </a:xfrm>
-          <a:prstGeom prst="downArrow">
-            <a:avLst/>
-          </a:prstGeom>
-        </p:spPr>
-        <p:style>
-          <a:lnRef idx="1">
-            <a:schemeClr val="accent1"/>
-          </a:lnRef>
-          <a:fillRef idx="3">
-            <a:schemeClr val="accent1"/>
-          </a:fillRef>
-          <a:effectRef idx="2">
-            <a:schemeClr val="accent1"/>
-          </a:effectRef>
-          <a:fontRef idx="minor">
-            <a:schemeClr val="lt1"/>
-          </a:fontRef>
-        </p:style>
-        <p:txBody>
-          <a:bodyPr rtlCol="0" anchor="ctr"/>
-          <a:lstStyle/>
-          <a:p>
-            <a:pPr algn="ctr"/>
-            <a:endParaRPr lang="en-US"/>
-          </a:p>
-        </p:txBody>
-      </p:sp>
-      <p:sp>
-        <p:nvSpPr>
-          <p:cNvPr id="9" name="Rectangle 8"/>
-          <p:cNvSpPr/>
-          <p:nvPr/>
-        </p:nvSpPr>
-        <p:spPr>
-          <a:xfrm>
-            <a:off x="7010400" y="1230868"/>
-            <a:ext cx="609487" cy="523220"/>
-          </a:xfrm>
-          <a:prstGeom prst="rect">
-            <a:avLst/>
-          </a:prstGeom>
-        </p:spPr>
-        <p:txBody>
-          <a:bodyPr wrap="none">
-            <a:spAutoFit/>
-          </a:bodyPr>
-          <a:lstStyle/>
-          <a:p>
-            <a:r>
-              <a:rPr lang="en-US" sz="2800" b="1" dirty="0" smtClean="0"/>
-              <a:t>O1</a:t>
-            </a:r>
-            <a:endParaRPr lang="en-US" sz="2800" b="1" dirty="0"/>
-          </a:p>
-        </p:txBody>
-      </p:sp>
-      <p:sp>
-        <p:nvSpPr>
-          <p:cNvPr id="10" name="Rectangle 9"/>
-          <p:cNvSpPr/>
-          <p:nvPr/>
-        </p:nvSpPr>
-        <p:spPr>
-          <a:xfrm>
-            <a:off x="7010400" y="3439180"/>
-            <a:ext cx="609487" cy="523220"/>
-          </a:xfrm>
-          <a:prstGeom prst="rect">
-            <a:avLst/>
-          </a:prstGeom>
-        </p:spPr>
-        <p:txBody>
-          <a:bodyPr wrap="none">
-            <a:spAutoFit/>
-          </a:bodyPr>
-          <a:lstStyle/>
-          <a:p>
-            <a:r>
-              <a:rPr lang="en-US" sz="2800" b="1" dirty="0" smtClean="0"/>
-              <a:t>O2</a:t>
-            </a:r>
-            <a:endParaRPr lang="en-US" sz="2800" b="1" dirty="0"/>
+            <a:r>
+              <a:rPr lang="en-US" dirty="0" smtClean="0"/>
+              <a:t>domain experts author ontologies using shortcut relations</a:t>
+            </a:r>
+          </a:p>
+          <a:p>
+            <a:pPr lvl="1"/>
+            <a:r>
+              <a:rPr lang="en-US" dirty="0" smtClean="0"/>
+              <a:t>obo or owl</a:t>
+            </a:r>
+          </a:p>
+          <a:p>
+            <a:r>
+              <a:rPr lang="en-US" dirty="0" smtClean="0"/>
+              <a:t>macros are embedded as annotation properties</a:t>
+            </a:r>
+          </a:p>
+          <a:p>
+            <a:r>
+              <a:rPr lang="en-US" dirty="0" smtClean="0"/>
+              <a:t>expansion engine rewrites ontology</a:t>
+            </a:r>
+          </a:p>
+          <a:p>
+            <a:r>
+              <a:rPr lang="en-US" dirty="0" smtClean="0"/>
+              <a:t>can reason over pre or post expanded ontology</a:t>
+            </a:r>
+          </a:p>
+          <a:p>
+            <a:r>
+              <a:rPr lang="en-US" dirty="0" smtClean="0"/>
+              <a:t>we would like to do this in a standard way</a:t>
+            </a:r>
+          </a:p>
+          <a:p>
+            <a:pPr lvl="1"/>
+            <a:r>
+              <a:rPr lang="en-US" dirty="0" smtClean="0"/>
+              <a:t>which is why we’re here</a:t>
+            </a:r>
+          </a:p>
+          <a:p>
+            <a:endParaRPr lang="en-US" dirty="0" smtClean="0"/>
+          </a:p>
+          <a:p>
+            <a:endParaRPr lang="en-US" dirty="0"/>
           </a:p>
         </p:txBody>
       </p:sp>
@@ -4660,110 +4920,6 @@
       </p:grpSpPr>
       <p:sp>
         <p:nvSpPr>
-          <p:cNvPr id="11" name="Rectangle 10"/>
-          <p:cNvSpPr/>
-          <p:nvPr/>
-        </p:nvSpPr>
-        <p:spPr>
-          <a:xfrm>
-            <a:off x="5257800" y="1600200"/>
-            <a:ext cx="3810000" cy="1200329"/>
-          </a:xfrm>
-          <a:prstGeom prst="rect">
-            <a:avLst/>
-          </a:prstGeom>
-          <a:solidFill>
-            <a:schemeClr val="bg2"/>
-          </a:solidFill>
-        </p:spPr>
-        <p:txBody>
-          <a:bodyPr wrap="square">
-            <a:spAutoFit/>
-          </a:bodyPr>
-          <a:lstStyle/>
-          <a:p>
-            <a:r>
-              <a:rPr lang="en-US" dirty="0" smtClean="0">
-                <a:latin typeface="Calibri" charset="0"/>
-              </a:rPr>
-              <a:t>Class: </a:t>
-            </a:r>
-            <a:r>
-              <a:rPr lang="en-US" b="1" dirty="0" err="1" smtClean="0">
-                <a:latin typeface="Calibri" charset="0"/>
-              </a:rPr>
-              <a:t>Foo_synapsing_neuron</a:t>
-            </a:r>
-            <a:endParaRPr lang="en-US" b="1" dirty="0" smtClean="0">
-              <a:latin typeface="Calibri" charset="0"/>
-            </a:endParaRPr>
-          </a:p>
-          <a:p>
-            <a:r>
-              <a:rPr lang="en-US" dirty="0" err="1" smtClean="0">
-                <a:latin typeface="Calibri" charset="0"/>
-              </a:rPr>
-              <a:t>EquivalentTo</a:t>
-            </a:r>
-            <a:r>
-              <a:rPr lang="en-US" dirty="0" smtClean="0">
-                <a:latin typeface="Calibri" charset="0"/>
-              </a:rPr>
-              <a:t>:</a:t>
-            </a:r>
-          </a:p>
-          <a:p>
-            <a:r>
-              <a:rPr lang="en-US" dirty="0" smtClean="0">
-                <a:latin typeface="Calibri" charset="0"/>
-              </a:rPr>
-              <a:t> neuron </a:t>
-            </a:r>
-            <a:r>
-              <a:rPr lang="en-US" dirty="0" smtClean="0">
-                <a:solidFill>
-                  <a:srgbClr val="0000FF"/>
-                </a:solidFill>
-              </a:rPr>
-              <a:t>that </a:t>
-            </a:r>
-            <a:endParaRPr lang="en-US" dirty="0" smtClean="0">
-              <a:latin typeface="Calibri" charset="0"/>
-            </a:endParaRPr>
-          </a:p>
-          <a:p>
-            <a:r>
-              <a:rPr lang="en-US" dirty="0">
-                <a:latin typeface="Calibri" charset="0"/>
-              </a:rPr>
-              <a:t> </a:t>
-            </a:r>
-            <a:r>
-              <a:rPr lang="en-US" i="1" dirty="0" err="1" smtClean="0">
-                <a:latin typeface="Calibri" charset="0"/>
-              </a:rPr>
-              <a:t>synapsed_to</a:t>
-            </a:r>
-            <a:r>
-              <a:rPr lang="en-US" dirty="0" smtClean="0">
-                <a:latin typeface="Calibri" charset="0"/>
-              </a:rPr>
-              <a:t> some </a:t>
-            </a:r>
-            <a:r>
-              <a:rPr lang="en-US" b="1" dirty="0" err="1" smtClean="0">
-                <a:latin typeface="Calibri" charset="0"/>
-              </a:rPr>
-              <a:t>N_Foo</a:t>
-            </a:r>
-            <a:endParaRPr lang="en-US" b="1" dirty="0" smtClean="0">
-              <a:latin typeface="Calibri" charset="0"/>
-            </a:endParaRPr>
-          </a:p>
-        </p:txBody>
-      </p:sp>
-      <p:sp>
-        <p:nvSpPr>
           <p:cNvPr id="2" name="Title 1"/>
           <p:cNvSpPr>
             <a:spLocks noGrp="1"/>
@@ -4779,7 +4935,7 @@
           <a:p>
             <a:r>
               <a:rPr lang="en-US" dirty="0" smtClean="0"/>
-              <a:t>Also works for equivalence axioms</a:t>
+              <a:t>Example: synapses</a:t>
             </a:r>
             <a:endParaRPr lang="en-US" dirty="0"/>
           </a:p>
@@ -4998,6 +5154,88 @@
       </p:sp>
       <p:sp>
         <p:nvSpPr>
+          <p:cNvPr id="5" name="Rectangle 4"/>
+          <p:cNvSpPr/>
+          <p:nvPr/>
+        </p:nvSpPr>
+        <p:spPr>
+          <a:xfrm>
+            <a:off x="5257800" y="1600200"/>
+            <a:ext cx="3810000" cy="923330"/>
+          </a:xfrm>
+          <a:prstGeom prst="rect">
+            <a:avLst/>
+          </a:prstGeom>
+          <a:solidFill>
+            <a:schemeClr val="bg2"/>
+          </a:solidFill>
+        </p:spPr>
+        <p:txBody>
+          <a:bodyPr wrap="square">
+            <a:spAutoFit/>
+          </a:bodyPr>
+          <a:lstStyle/>
+          <a:p>
+            <a:r>
+              <a:rPr lang="en-US" dirty="0" smtClean="0">
+                <a:latin typeface="Calibri" charset="0"/>
+              </a:rPr>
+              <a:t>Class: </a:t>
+            </a:r>
+            <a:r>
+              <a:rPr lang="en-US" b="1" dirty="0" smtClean="0">
+                <a:latin typeface="Calibri" charset="0"/>
+              </a:rPr>
+              <a:t>N_ABC</a:t>
+            </a:r>
+          </a:p>
+          <a:p>
+            <a:r>
+              <a:rPr lang="en-US" dirty="0" err="1" smtClean="0">
+                <a:latin typeface="Calibri" charset="0"/>
+              </a:rPr>
+              <a:t>SubClassOf</a:t>
+            </a:r>
+            <a:r>
+              <a:rPr lang="en-US" dirty="0" smtClean="0">
+                <a:latin typeface="Calibri" charset="0"/>
+              </a:rPr>
+              <a:t>: </a:t>
+            </a:r>
+          </a:p>
+          <a:p>
+            <a:r>
+              <a:rPr lang="en-US" dirty="0">
+                <a:latin typeface="Calibri" charset="0"/>
+              </a:rPr>
+              <a:t> </a:t>
+            </a:r>
+            <a:r>
+              <a:rPr lang="en-US" i="1" dirty="0" err="1" smtClean="0">
+                <a:latin typeface="Calibri" charset="0"/>
+              </a:rPr>
+              <a:t>synapsed_to</a:t>
+            </a:r>
+            <a:r>
+              <a:rPr lang="en-US" dirty="0" smtClean="0">
+                <a:latin typeface="Calibri" charset="0"/>
+              </a:rPr>
+              <a:t> some </a:t>
+            </a:r>
+            <a:r>
+              <a:rPr lang="en-US" b="1" dirty="0" smtClean="0">
+                <a:latin typeface="Calibri" charset="0"/>
+              </a:rPr>
+              <a:t>N_DEF</a:t>
+            </a:r>
+            <a:endParaRPr lang="en-US" b="1" dirty="0" smtClean="0">
+              <a:latin typeface="Calibri" charset="0"/>
+            </a:endParaRPr>
+          </a:p>
+        </p:txBody>
+      </p:sp>
+      <p:sp>
+        <p:nvSpPr>
           <p:cNvPr id="7" name="Rectangle 6"/>
           <p:cNvSpPr/>
           <p:nvPr/>
@@ -5005,7 +5243,7 @@
         <p:spPr>
           <a:xfrm>
             <a:off x="5257800" y="3962400"/>
-            <a:ext cx="3810000" cy="2031325"/>
+            <a:ext cx="3810000" cy="1754327"/>
           </a:xfrm>
           <a:prstGeom prst="rect">
             <a:avLst/>
@@ -5041,7 +5279,7 @@
               <a:rPr lang="en-US" dirty="0" err="1" smtClean="0">
                 <a:latin typeface="Calibri" charset="0"/>
               </a:rPr>
-              <a:t>EquivalentTo</a:t>
+              <a:t>SubClassOf</a:t>
             </a:r>
             <a:r>
               <a:rPr lang="en-US" dirty="0" smtClean="0">
@@ -5049,31 +5287,6 @@
               </a:rPr>
               <a:t>:</a:t>
             </a:r>
-          </a:p>
-          <a:p>
-            <a:r>
-              <a:rPr lang="en-US" dirty="0" smtClean="0">
-                <a:latin typeface="Calibri" charset="0"/>
-              </a:rPr>
-              <a:t>  </a:t>
-            </a:r>
-            <a:r>
-              <a:rPr lang="en-US" dirty="0" smtClean="0">
-                <a:latin typeface="Calibri" charset="0"/>
-              </a:rPr>
-              <a:t>neuron </a:t>
-            </a:r>
-            <a:r>
-              <a:rPr lang="en-US" dirty="0" smtClean="0">
-                <a:solidFill>
-                  <a:srgbClr val="0000FF"/>
-                </a:solidFill>
-              </a:rPr>
-              <a:t>that </a:t>
-            </a:r>
-            <a:endParaRPr lang="en-US" dirty="0" smtClean="0">
-              <a:latin typeface="Calibri" charset="0"/>
-            </a:endParaRPr>
           </a:p>
           <a:p>
             <a:r>
@@ -5334,7 +5547,7 @@
         <p:spPr>
           <a:xfrm>
             <a:off x="5257800" y="1600200"/>
-            <a:ext cx="3810000" cy="1477328"/>
+            <a:ext cx="3810000" cy="1200329"/>
           </a:xfrm>
           <a:prstGeom prst="rect">
             <a:avLst/>
@@ -5353,11 +5566,13 @@
               <a:rPr lang="en-US" dirty="0" smtClean="0">
                 <a:latin typeface="Calibri" charset="0"/>
               </a:rPr>
-              <a:t>Class: ‘</a:t>
-            </a:r>
-            <a:r>
-              <a:rPr lang="en-US" dirty="0" smtClean="0"/>
-              <a:t>B1b-B cell’</a:t>
+              <a:t>Class: </a:t>
+            </a:r>
+            <a:r>
+              <a:rPr lang="en-US" b="1" dirty="0" err="1" smtClean="0">
+                <a:latin typeface="Calibri" charset="0"/>
+              </a:rPr>
+              <a:t>Foo_synapsing_neuron</a:t>
             </a:r>
             <a:endParaRPr lang="en-US" b="1" dirty="0" smtClean="0">
               <a:latin typeface="Calibri" charset="0"/>
@@ -5379,16 +5594,47 @@
           </a:p>
           <a:p>
             <a:r>
-              <a:rPr lang="en-US" dirty="0" smtClean="0"/>
-              <a:t>‘B1-B cell’ and </a:t>
-            </a:r>
-            <a:r>
-              <a:rPr lang="en-US" dirty="0" err="1" smtClean="0"/>
-              <a:t>lacks_plasma_membrane_part</a:t>
-            </a:r>
-            <a:r>
-              <a:rPr lang="en-US" dirty="0" smtClean="0"/>
-              <a:t> value CD5</a:t>
+              <a:rPr lang="en-US" dirty="0" smtClean="0">
+                <a:latin typeface="Calibri" charset="0"/>
+              </a:rPr>
+              <a:t> neuron </a:t>
+            </a:r>
+            <a:r>
+              <a:rPr lang="en-US" dirty="0" smtClean="0">
+                <a:solidFill>
+                  <a:srgbClr val="0000FF"/>
+                </a:solidFill>
+              </a:rPr>
+              <a:t>that </a:t>
+            </a:r>
+            <a:endParaRPr lang="en-US" dirty="0" smtClean="0">
+              <a:latin typeface="Calibri" charset="0"/>
+            </a:endParaRPr>
+          </a:p>
+          <a:p>
+            <a:r>
+              <a:rPr lang="en-US" dirty="0">
+                <a:latin typeface="Calibri" charset="0"/>
+              </a:rPr>
+              <a:t> </a:t>
+            </a:r>
+            <a:r>
+              <a:rPr lang="en-US" i="1" dirty="0" err="1" smtClean="0">
+                <a:latin typeface="Calibri" charset="0"/>
+              </a:rPr>
+              <a:t>synapsed_to</a:t>
+            </a:r>
+            <a:r>
+              <a:rPr lang="en-US" dirty="0" smtClean="0">
+                <a:latin typeface="Calibri" charset="0"/>
+              </a:rPr>
+              <a:t> some </a:t>
+            </a:r>
+            <a:r>
+              <a:rPr lang="en-US" b="1" dirty="0" err="1" smtClean="0">
+                <a:latin typeface="Calibri" charset="0"/>
+              </a:rPr>
+              <a:t>N_Foo</a:t>
             </a:r>
             <a:endParaRPr lang="en-US" b="1" dirty="0" smtClean="0">
               <a:latin typeface="Calibri" charset="0"/>
@@ -5413,7 +5659,7 @@
           <a:p>
             <a:r>
               <a:rPr lang="en-US" dirty="0" smtClean="0"/>
-              <a:t>Chaining different constructs</a:t>
+              <a:t>Also works for equivalence axioms</a:t>
             </a:r>
             <a:endParaRPr lang="en-US" dirty="0"/>
           </a:p>
@@ -5428,7 +5674,7 @@
         <p:spPr>
           <a:xfrm>
             <a:off x="457200" y="1600200"/>
-            <a:ext cx="4572000" cy="2262158"/>
+            <a:ext cx="4572000" cy="2677656"/>
           </a:xfrm>
           <a:prstGeom prst="rect">
             <a:avLst/>
@@ -5454,7 +5700,7 @@
             </a:r>
             <a:r>
               <a:rPr lang="en-US" sz="2400" dirty="0" err="1" smtClean="0"/>
-              <a:t>lacks_plasma_membrane_part</a:t>
+              <a:t>synapsed_to</a:t>
             </a:r>
             <a:endParaRPr lang="en-US" sz="2400" dirty="0" smtClean="0"/>
           </a:p>
@@ -5480,8 +5726,129 @@
               <a:t> “</a:t>
             </a:r>
             <a:r>
-              <a:rPr lang="en-US" sz="1600" dirty="0" smtClean="0"/>
-              <a:t>has part exactly 0 (‘plasma membrane’ and has_part some  </a:t>
+              <a:rPr lang="en-US" sz="2400" dirty="0" smtClean="0"/>
+              <a:t/>
+            </a:r>
+            <a:br>
+              <a:rPr lang="en-US" sz="2400" dirty="0" smtClean="0"/>
+            </a:br>
+            <a:r>
+              <a:rPr lang="en-US" sz="1700" dirty="0" smtClean="0"/>
+              <a:t>  </a:t>
+            </a:r>
+            <a:r>
+              <a:rPr lang="en-US" sz="1700" b="1" dirty="0" smtClean="0"/>
+              <a:t>has_part</a:t>
+            </a:r>
+            <a:r>
+              <a:rPr lang="en-US" sz="1700" dirty="0" smtClean="0"/>
+              <a:t> </a:t>
+            </a:r>
+            <a:r>
+              <a:rPr lang="en-US" sz="1700" dirty="0" smtClean="0">
+                <a:solidFill>
+                  <a:srgbClr val="0000FF"/>
+                </a:solidFill>
+              </a:rPr>
+              <a:t>some </a:t>
+            </a:r>
+            <a:r>
+              <a:rPr lang="en-US" sz="1700" dirty="0" smtClean="0"/>
+              <a:t>(</a:t>
+            </a:r>
+          </a:p>
+          <a:p>
+            <a:pPr>
+              <a:buFont typeface="Arial" charset="0"/>
+              <a:buNone/>
+            </a:pPr>
+            <a:r>
+              <a:rPr lang="en-US" sz="1700" dirty="0"/>
+              <a:t> </a:t>
+            </a:r>
+            <a:r>
+              <a:rPr lang="en-US" sz="1700" dirty="0" smtClean="0"/>
+              <a:t>‘pre-synaptic membrane’ </a:t>
+            </a:r>
+            <a:r>
+              <a:rPr lang="en-US" sz="1700" dirty="0" smtClean="0">
+                <a:solidFill>
+                  <a:srgbClr val="0000FF"/>
+                </a:solidFill>
+              </a:rPr>
+              <a:t>that </a:t>
+            </a:r>
+            <a:r>
+              <a:rPr lang="en-US" sz="1700" b="1" dirty="0" smtClean="0"/>
+              <a:t>part_of</a:t>
+            </a:r>
+            <a:r>
+              <a:rPr lang="en-US" sz="1700" dirty="0" smtClean="0"/>
+              <a:t> </a:t>
+            </a:r>
+            <a:r>
+              <a:rPr lang="en-US" sz="1700" dirty="0" smtClean="0">
+                <a:solidFill>
+                  <a:srgbClr val="0000FF"/>
+                </a:solidFill>
+              </a:rPr>
+              <a:t>some </a:t>
+            </a:r>
+            <a:r>
+              <a:rPr lang="en-US" sz="1700" dirty="0" smtClean="0"/>
+              <a:t>( ‘synapse’ </a:t>
+            </a:r>
+            <a:r>
+              <a:rPr lang="en-US" sz="1700" dirty="0" smtClean="0">
+                <a:solidFill>
+                  <a:srgbClr val="0000FF"/>
+                </a:solidFill>
+              </a:rPr>
+              <a:t>that </a:t>
+            </a:r>
+            <a:r>
+              <a:rPr lang="en-US" sz="1700" b="1" dirty="0" smtClean="0"/>
+              <a:t>has_part</a:t>
+            </a:r>
+            <a:r>
+              <a:rPr lang="en-US" sz="1700" dirty="0" smtClean="0"/>
+              <a:t> </a:t>
+            </a:r>
+            <a:r>
+              <a:rPr lang="en-US" sz="1700" dirty="0" smtClean="0">
+                <a:solidFill>
+                  <a:srgbClr val="0000FF"/>
+                </a:solidFill>
+              </a:rPr>
+              <a:t>some </a:t>
+            </a:r>
+            <a:r>
+              <a:rPr lang="en-US" sz="1700" dirty="0" smtClean="0">
+                <a:solidFill>
+                  <a:srgbClr val="0000FF"/>
+                </a:solidFill>
+              </a:rPr>
+              <a:t>(</a:t>
+            </a:r>
+            <a:r>
+              <a:rPr lang="en-US" sz="1700" dirty="0" smtClean="0"/>
+              <a:t>‘post-synaptic membrane’ </a:t>
+            </a:r>
+            <a:r>
+              <a:rPr lang="en-US" sz="1700" dirty="0" smtClean="0">
+                <a:solidFill>
+                  <a:srgbClr val="0000FF"/>
+                </a:solidFill>
+              </a:rPr>
+              <a:t>that </a:t>
+            </a:r>
+            <a:r>
+              <a:rPr lang="en-US" sz="1700" b="1" dirty="0" smtClean="0"/>
+              <a:t>part_of</a:t>
+            </a:r>
+            <a:r>
+              <a:rPr lang="en-US" sz="1700" dirty="0" smtClean="0"/>
+              <a:t> some </a:t>
             </a:r>
             <a:r>
               <a:rPr lang="en-US" sz="2400" i="1" dirty="0" smtClean="0">
@@ -5493,7 +5860,7 @@
             </a:r>
             <a:r>
               <a:rPr lang="en-US" sz="2100" dirty="0" smtClean="0"/>
-              <a:t>)</a:t>
+              <a:t>))</a:t>
             </a:r>
           </a:p>
           <a:p>
@@ -5517,8 +5884,8 @@
         </p:nvSpPr>
         <p:spPr>
           <a:xfrm>
-            <a:off x="5105400" y="4572000"/>
-            <a:ext cx="3810000" cy="1477328"/>
+            <a:off x="5257800" y="3962400"/>
+            <a:ext cx="3810000" cy="2031325"/>
           </a:xfrm>
           <a:prstGeom prst="rect">
             <a:avLst/>
@@ -5540,39 +5907,181 @@
               <a:rPr lang="en-US" dirty="0" smtClean="0">
                 <a:latin typeface="Calibri" charset="0"/>
               </a:rPr>
-              <a:t>Class: ‘</a:t>
-            </a:r>
-            <a:r>
-              <a:rPr lang="en-US" dirty="0" smtClean="0"/>
-              <a:t>B1b-B cell’</a:t>
+              <a:t>Class: </a:t>
+            </a:r>
+            <a:r>
+              <a:rPr lang="en-US" b="1" dirty="0" smtClean="0">
+                <a:latin typeface="Calibri" charset="0"/>
+              </a:rPr>
+              <a:t>N_ABC</a:t>
+            </a:r>
+          </a:p>
+          <a:p>
+            <a:r>
+              <a:rPr lang="en-US" dirty="0" err="1" smtClean="0">
+                <a:latin typeface="Calibri" charset="0"/>
+              </a:rPr>
+              <a:t>EquivalentTo</a:t>
+            </a:r>
+            <a:r>
+              <a:rPr lang="en-US" dirty="0" smtClean="0">
+                <a:latin typeface="Calibri" charset="0"/>
+              </a:rPr>
+              <a:t>:</a:t>
+            </a:r>
+          </a:p>
+          <a:p>
+            <a:r>
+              <a:rPr lang="en-US" dirty="0" smtClean="0">
+                <a:latin typeface="Calibri" charset="0"/>
+              </a:rPr>
+              <a:t>  </a:t>
+            </a:r>
+            <a:r>
+              <a:rPr lang="en-US" dirty="0" smtClean="0">
+                <a:latin typeface="Calibri" charset="0"/>
+              </a:rPr>
+              <a:t>neuron </a:t>
+            </a:r>
+            <a:r>
+              <a:rPr lang="en-US" dirty="0" smtClean="0">
+                <a:solidFill>
+                  <a:srgbClr val="0000FF"/>
+                </a:solidFill>
+              </a:rPr>
+              <a:t>that </a:t>
+            </a:r>
+            <a:endParaRPr lang="en-US" dirty="0" smtClean="0">
+              <a:latin typeface="Calibri" charset="0"/>
+            </a:endParaRPr>
+          </a:p>
+          <a:p>
+            <a:r>
+              <a:rPr lang="en-US" sz="1700" b="1" dirty="0" smtClean="0">
+                <a:latin typeface="Calibri" charset="0"/>
+              </a:rPr>
+              <a:t>   </a:t>
+            </a:r>
+            <a:r>
+              <a:rPr lang="en-US" sz="1700" b="1" dirty="0" smtClean="0"/>
+              <a:t>has_part</a:t>
+            </a:r>
+            <a:r>
+              <a:rPr lang="en-US" sz="1700" dirty="0" smtClean="0"/>
+              <a:t> </a:t>
+            </a:r>
+            <a:r>
+              <a:rPr lang="en-US" sz="1700" dirty="0" smtClean="0">
+                <a:solidFill>
+                  <a:srgbClr val="0000FF"/>
+                </a:solidFill>
+              </a:rPr>
+              <a:t>some </a:t>
+            </a:r>
+            <a:r>
+              <a:rPr lang="en-US" sz="1700" dirty="0" smtClean="0"/>
+              <a:t>(‘pre-synaptic membrane’ </a:t>
+            </a:r>
+            <a:r>
+              <a:rPr lang="en-US" sz="1700" dirty="0" smtClean="0">
+                <a:solidFill>
+                  <a:srgbClr val="0000FF"/>
+                </a:solidFill>
+              </a:rPr>
+              <a:t>that </a:t>
+            </a:r>
+            <a:r>
+              <a:rPr lang="en-US" sz="1700" b="1" dirty="0" smtClean="0"/>
+              <a:t>part_of</a:t>
+            </a:r>
+            <a:r>
+              <a:rPr lang="en-US" sz="1700" dirty="0" smtClean="0"/>
+              <a:t> </a:t>
+            </a:r>
+            <a:r>
+              <a:rPr lang="en-US" sz="1700" dirty="0" smtClean="0">
+                <a:solidFill>
+                  <a:srgbClr val="0000FF"/>
+                </a:solidFill>
+              </a:rPr>
+              <a:t>some </a:t>
+            </a:r>
+            <a:r>
+              <a:rPr lang="en-US" sz="1700" dirty="0" smtClean="0"/>
+              <a:t>(‘synapse’ </a:t>
+            </a:r>
+            <a:r>
+              <a:rPr lang="en-US" sz="1700" dirty="0" smtClean="0">
+                <a:solidFill>
+                  <a:srgbClr val="0000FF"/>
+                </a:solidFill>
+              </a:rPr>
+              <a:t>that </a:t>
+            </a:r>
+            <a:r>
+              <a:rPr lang="en-US" sz="1700" b="1" dirty="0" smtClean="0"/>
+              <a:t>has_part</a:t>
+            </a:r>
+            <a:r>
+              <a:rPr lang="en-US" sz="1700" dirty="0" smtClean="0"/>
+              <a:t> </a:t>
+            </a:r>
+            <a:r>
+              <a:rPr lang="en-US" sz="1700" dirty="0" smtClean="0">
+                <a:solidFill>
+                  <a:srgbClr val="0000FF"/>
+                </a:solidFill>
+              </a:rPr>
+              <a:t>some </a:t>
+            </a:r>
+            <a:r>
+              <a:rPr lang="en-US" sz="1700" dirty="0">
+                <a:solidFill>
+                  <a:srgbClr val="0000FF"/>
+                </a:solidFill>
+              </a:rPr>
+              <a:t>(</a:t>
+            </a:r>
+            <a:r>
+              <a:rPr lang="en-US" sz="1700" dirty="0" smtClean="0"/>
+              <a:t>‘post-synaptic membrane’ </a:t>
+            </a:r>
+            <a:r>
+              <a:rPr lang="en-US" sz="1700" dirty="0" smtClean="0">
+                <a:solidFill>
+                  <a:srgbClr val="0000FF"/>
+                </a:solidFill>
+              </a:rPr>
+              <a:t>that </a:t>
+            </a:r>
+            <a:r>
+              <a:rPr lang="en-US" sz="1700" b="1" dirty="0" smtClean="0"/>
+              <a:t>part_of</a:t>
+            </a:r>
+            <a:r>
+              <a:rPr lang="en-US" sz="1700" dirty="0" smtClean="0"/>
+              <a:t> some</a:t>
+            </a:r>
+            <a:r>
+              <a:rPr lang="en-US" sz="1600" dirty="0" smtClean="0">
+                <a:latin typeface="Calibri" charset="0"/>
+              </a:rPr>
+              <a:t> </a:t>
+            </a:r>
+            <a:r>
+              <a:rPr lang="en-US" sz="1600" b="1" dirty="0" smtClean="0">
+                <a:latin typeface="Calibri" charset="0"/>
+              </a:rPr>
+              <a:t>N_DEF</a:t>
+            </a:r>
+            <a:r>
+              <a:rPr lang="en-US" sz="2100" dirty="0" smtClean="0"/>
+              <a:t>))</a:t>
             </a:r>
             <a:endParaRPr lang="en-US" b="1" dirty="0" smtClean="0">
               <a:latin typeface="Calibri" charset="0"/>
             </a:endParaRPr>
           </a:p>
-          <a:p>
-            <a:r>
-              <a:rPr lang="en-US" dirty="0" err="1" smtClean="0">
-                <a:latin typeface="Calibri" charset="0"/>
-              </a:rPr>
-              <a:t>EquivalentTo</a:t>
-            </a:r>
-            <a:r>
-              <a:rPr lang="en-US" dirty="0" smtClean="0">
-                <a:latin typeface="Calibri" charset="0"/>
-              </a:rPr>
-              <a:t>:</a:t>
-            </a:r>
-          </a:p>
-          <a:p>
-            <a:r>
-              <a:rPr lang="en-US" dirty="0" smtClean="0"/>
-              <a:t>‘B1-B cell’ and has part exactly 0 (‘plasma membrane’ and has_part some  CD5)</a:t>
-            </a:r>
-            <a:endParaRPr lang="en-US" b="1" dirty="0" smtClean="0">
-              <a:latin typeface="Calibri" charset="0"/>
-            </a:endParaRPr>
-          </a:p>
         </p:txBody>
       </p:sp>
       <p:sp>
@@ -5583,7 +6092,7 @@
         </p:nvSpPr>
         <p:spPr>
           <a:xfrm>
-            <a:off x="6705600" y="3581400"/>
+            <a:off x="6324600" y="2895600"/>
             <a:ext cx="304800" cy="762000"/>
           </a:xfrm>
           <a:prstGeom prst="downArrow">
@@ -5650,7 +6159,7 @@
         </p:nvSpPr>
         <p:spPr>
           <a:xfrm>
-            <a:off x="7010400" y="3820180"/>
+            <a:off x="7010400" y="3439180"/>
             <a:ext cx="609487" cy="523220"/>
           </a:xfrm>
           <a:prstGeom prst="rect">
@@ -5705,7 +6214,7 @@
         <p:spPr>
           <a:xfrm>
             <a:off x="5257800" y="1600200"/>
-            <a:ext cx="3810000" cy="923330"/>
+            <a:ext cx="3810000" cy="1477328"/>
           </a:xfrm>
           <a:prstGeom prst="rect">
             <a:avLst/>
@@ -5724,38 +6233,47 @@
               <a:rPr lang="en-US" dirty="0" smtClean="0">
                 <a:latin typeface="Calibri" charset="0"/>
               </a:rPr>
-              <a:t>Class: </a:t>
-            </a:r>
-            <a:r>
-              <a:rPr lang="en-US" b="1" dirty="0" smtClean="0">
-                <a:latin typeface="Calibri" charset="0"/>
-              </a:rPr>
-              <a:t>cell nucleus</a:t>
-            </a:r>
-          </a:p>
-          <a:p>
-            <a:r>
-              <a:rPr lang="en-US" dirty="0" smtClean="0">
-                <a:latin typeface="Calibri" charset="0"/>
-              </a:rPr>
-              <a:t>Annotations: </a:t>
-            </a:r>
-            <a:r>
-              <a:rPr lang="en-US" dirty="0" err="1" smtClean="0">
-                <a:latin typeface="Calibri" charset="0"/>
-              </a:rPr>
-              <a:t>disconnected_from</a:t>
-            </a:r>
-            <a:r>
-              <a:rPr lang="en-US" dirty="0" smtClean="0">
-                <a:latin typeface="Calibri" charset="0"/>
-              </a:rPr>
-              <a:t> cytoplasm</a:t>
+              <a:t>Class: ‘</a:t>
+            </a:r>
+            <a:r>
+              <a:rPr lang="en-US" dirty="0" smtClean="0"/>
+              <a:t>B1b-B cell’</a:t>
             </a:r>
             <a:endParaRPr lang="en-US" b="1" dirty="0" smtClean="0">
               <a:latin typeface="Calibri" charset="0"/>
             </a:endParaRPr>
           </a:p>
+          <a:p>
+            <a:r>
+              <a:rPr lang="en-US" dirty="0" err="1" smtClean="0">
+                <a:latin typeface="Calibri" charset="0"/>
+              </a:rPr>
+              <a:t>EquivalentTo</a:t>
+            </a:r>
+            <a:r>
+              <a:rPr lang="en-US" dirty="0" smtClean="0">
+                <a:latin typeface="Calibri" charset="0"/>
+              </a:rPr>
+              <a:t>:</a:t>
+            </a:r>
+          </a:p>
+          <a:p>
+            <a:r>
+              <a:rPr lang="en-US" dirty="0" smtClean="0"/>
+              <a:t>‘B1-B cell’ and </a:t>
+            </a:r>
+            <a:r>
+              <a:rPr lang="en-US" dirty="0" err="1" smtClean="0"/>
+              <a:t>lacks_plasma_membrane_part</a:t>
+            </a:r>
+            <a:r>
+              <a:rPr lang="en-US" dirty="0" smtClean="0"/>
+              <a:t> value CD5</a:t>
+            </a:r>
+            <a:endParaRPr lang="en-US" b="1" dirty="0" smtClean="0">
+              <a:latin typeface="Calibri" charset="0"/>
+            </a:endParaRPr>
+          </a:p>
         </p:txBody>
       </p:sp>
       <p:sp>
@@ -5775,7 +6293,7 @@
           <a:p>
             <a:r>
               <a:rPr lang="en-US" dirty="0" smtClean="0"/>
-              <a:t>Expansion of axioms</a:t>
+              <a:t>Chaining mixed constructs</a:t>
             </a:r>
             <a:endParaRPr lang="en-US" dirty="0"/>
           </a:p>
@@ -5790,7 +6308,7 @@
         <p:spPr>
           <a:xfrm>
             <a:off x="457200" y="1600200"/>
-            <a:ext cx="4572000" cy="1523494"/>
+            <a:ext cx="4572000" cy="2262158"/>
           </a:xfrm>
           <a:prstGeom prst="rect">
             <a:avLst/>
@@ -5816,7 +6334,7 @@
             </a:r>
             <a:r>
               <a:rPr lang="en-US" sz="2400" dirty="0" err="1" smtClean="0"/>
-              <a:t>disconnected_from</a:t>
+              <a:t>lacks_plasma_membrane_part</a:t>
             </a:r>
             <a:endParaRPr lang="en-US" sz="2400" dirty="0" smtClean="0"/>
           </a:p>
@@ -5835,75 +6353,34 @@
             </a:r>
             <a:r>
               <a:rPr lang="en-US" sz="2400" dirty="0" err="1" smtClean="0"/>
-              <a:t>expandAssertionTo</a:t>
+              <a:t>expandExpressionTo</a:t>
             </a:r>
             <a:r>
               <a:rPr lang="en-US" sz="2400" dirty="0" smtClean="0"/>
               <a:t> “</a:t>
             </a:r>
             <a:r>
-              <a:rPr lang="en-US" sz="2400" dirty="0" smtClean="0"/>
-              <a:t/>
-            </a:r>
-            <a:br>
-              <a:rPr lang="en-US" sz="2400" dirty="0" smtClean="0"/>
-            </a:br>
-            <a:r>
-              <a:rPr lang="en-US" sz="1700" dirty="0" smtClean="0"/>
-              <a:t> (</a:t>
-            </a:r>
-            <a:r>
-              <a:rPr lang="en-US" sz="1700" b="1" dirty="0" smtClean="0"/>
-              <a:t>part_of</a:t>
-            </a:r>
-            <a:r>
-              <a:rPr lang="en-US" sz="1700" dirty="0" smtClean="0"/>
-              <a:t> </a:t>
-            </a:r>
-            <a:r>
-              <a:rPr lang="en-US" sz="1700" dirty="0" smtClean="0"/>
-              <a:t> </a:t>
-            </a:r>
-            <a:r>
-              <a:rPr lang="en-US" sz="1600" i="1" dirty="0" smtClean="0">
+              <a:rPr lang="en-US" sz="1600" dirty="0" smtClean="0"/>
+              <a:t>has part exactly 0 (‘plasma membrane’ and has_part some  </a:t>
+            </a:r>
+            <a:r>
+              <a:rPr lang="en-US" sz="2400" i="1" dirty="0" smtClean="0">
                 <a:solidFill>
                   <a:srgbClr val="FF0000"/>
                 </a:solidFill>
               </a:rPr>
-              <a:t>?X) </a:t>
-            </a:r>
-            <a:r>
-              <a:rPr lang="en-US" sz="1700" b="1" i="1" dirty="0" err="1" smtClean="0"/>
-              <a:t>DisjointWith</a:t>
-            </a:r>
-            <a:r>
-              <a:rPr lang="en-US" sz="1700" b="1" i="1" dirty="0" smtClean="0"/>
-              <a:t> </a:t>
-            </a:r>
-            <a:r>
-              <a:rPr lang="en-US" sz="1700" dirty="0" smtClean="0"/>
-              <a:t> (</a:t>
-            </a:r>
-            <a:r>
-              <a:rPr lang="en-US" sz="1700" b="1" dirty="0" smtClean="0"/>
-              <a:t>part_of</a:t>
-            </a:r>
-            <a:r>
-              <a:rPr lang="en-US" sz="1700" dirty="0" smtClean="0"/>
-              <a:t>  </a:t>
-            </a:r>
-            <a:r>
-              <a:rPr lang="en-US" sz="1600" i="1" dirty="0" smtClean="0">
-                <a:solidFill>
-                  <a:srgbClr val="FF0000"/>
-                </a:solidFill>
-              </a:rPr>
-              <a:t>?Y )</a:t>
-            </a:r>
-            <a:r>
-              <a:rPr lang="en-US" sz="1700" b="1" i="1" dirty="0" smtClean="0"/>
-              <a:t> </a:t>
-            </a:r>
+              <a:t>?Y</a:t>
+            </a:r>
+            <a:r>
+              <a:rPr lang="en-US" sz="2100" dirty="0" smtClean="0"/>
+              <a:t>)</a:t>
+            </a:r>
+          </a:p>
+          <a:p>
+            <a:pPr>
+              <a:buFont typeface="Arial" charset="0"/>
+              <a:buNone/>
+            </a:pPr>
             <a:r>
               <a:rPr lang="en-US" sz="2100" dirty="0" smtClean="0"/>
               <a:t>”</a:t>
@@ -5920,8 +6397,8 @@
         </p:nvSpPr>
         <p:spPr>
           <a:xfrm>
-            <a:off x="5257800" y="3962400"/>
-            <a:ext cx="3810000" cy="646331"/>
+            <a:off x="5105400" y="4572000"/>
+            <a:ext cx="3810000" cy="1477328"/>
           </a:xfrm>
           <a:prstGeom prst="rect">
             <a:avLst/>
@@ -5940,61 +6417,42 @@
           <a:lstStyle/>
           <a:p>
             <a:r>
-              <a:rPr lang="en-US" dirty="0" smtClean="0"/>
-              <a:t>(</a:t>
-            </a:r>
-            <a:r>
-              <a:rPr lang="en-US" b="1" dirty="0" smtClean="0"/>
-              <a:t>part_of ‘</a:t>
-            </a:r>
-            <a:r>
-              <a:rPr lang="en-US" dirty="0" smtClean="0"/>
-              <a:t>cell nucleus</a:t>
-            </a:r>
-            <a:r>
-              <a:rPr lang="en-US" b="1" dirty="0" smtClean="0"/>
-              <a:t>’</a:t>
-            </a:r>
-            <a:r>
-              <a:rPr lang="en-US" b="1" dirty="0" smtClean="0"/>
-              <a:t>) </a:t>
-            </a:r>
-            <a:r>
-              <a:rPr lang="en-US" i="1" dirty="0" smtClean="0">
-                <a:solidFill>
-                  <a:srgbClr val="FF0000"/>
-                </a:solidFill>
-              </a:rPr>
-              <a:t> </a:t>
-            </a:r>
-            <a:r>
-              <a:rPr lang="en-US" b="1" i="1" dirty="0" err="1" smtClean="0"/>
-              <a:t>DisjointWith</a:t>
-            </a:r>
-            <a:r>
-              <a:rPr lang="en-US" b="1" i="1" dirty="0" smtClean="0"/>
-              <a:t> </a:t>
-            </a:r>
-            <a:r>
-              <a:rPr lang="en-US" dirty="0" smtClean="0"/>
-              <a:t> (</a:t>
-            </a:r>
-            <a:r>
-              <a:rPr lang="en-US" b="1" dirty="0" smtClean="0"/>
-              <a:t>part_of</a:t>
-            </a:r>
-            <a:r>
-              <a:rPr lang="en-US" dirty="0" smtClean="0"/>
-              <a:t> ‘cytoplasm’)</a:t>
-            </a:r>
-            <a:r>
-              <a:rPr lang="en-US" b="1" i="1" dirty="0" smtClean="0"/>
-              <a:t> </a:t>
+              <a:rPr lang="en-US" dirty="0" smtClean="0">
+                <a:latin typeface="Calibri" charset="0"/>
+              </a:rPr>
+              <a:t>Class: ‘</a:t>
+            </a:r>
+            <a:r>
+              <a:rPr lang="en-US" dirty="0" smtClean="0"/>
+              <a:t>B1b-B cell’</a:t>
             </a:r>
             <a:endParaRPr lang="en-US" b="1" dirty="0" smtClean="0">
               <a:latin typeface="Calibri" charset="0"/>
             </a:endParaRPr>
           </a:p>
+          <a:p>
+            <a:r>
+              <a:rPr lang="en-US" dirty="0" err="1" smtClean="0">
+                <a:latin typeface="Calibri" charset="0"/>
+              </a:rPr>
+              <a:t>EquivalentTo</a:t>
+            </a:r>
+            <a:r>
+              <a:rPr lang="en-US" dirty="0" smtClean="0">
+                <a:latin typeface="Calibri" charset="0"/>
+              </a:rPr>
+              <a:t>:</a:t>
+            </a:r>
+          </a:p>
+          <a:p>
+            <a:r>
+              <a:rPr lang="en-US" dirty="0" smtClean="0"/>
+              <a:t>‘B1-B cell’ and has part exactly 0 (‘plasma membrane’ and has_part some  CD5)</a:t>
+            </a:r>
+            <a:endParaRPr lang="en-US" b="1" dirty="0" smtClean="0">
+              <a:latin typeface="Calibri" charset="0"/>
+            </a:endParaRPr>
+          </a:p>
         </p:txBody>
       </p:sp>
       <p:sp>
@@ -6005,7 +6463,7 @@
         </p:nvSpPr>
         <p:spPr>
           <a:xfrm>
-            <a:off x="6324600" y="2895600"/>
+            <a:off x="6705600" y="3581400"/>
             <a:ext cx="304800" cy="762000"/>
           </a:xfrm>
           <a:prstGeom prst="downArrow">
@@ -6072,7 +6530,7 @@
         </p:nvSpPr>
         <p:spPr>
           <a:xfrm>
-            <a:off x="7010400" y="3439180"/>
+            <a:off x="7010400" y="3820180"/>
             <a:ext cx="609487" cy="523220"/>
           </a:xfrm>
           <a:prstGeom prst="rect">
@@ -6222,6 +6680,68 @@
       </p:grpSpPr>
       <p:sp>
         <p:nvSpPr>
+          <p:cNvPr id="11" name="Rectangle 10"/>
+          <p:cNvSpPr/>
+          <p:nvPr/>
+        </p:nvSpPr>
+        <p:spPr>
+          <a:xfrm>
+            <a:off x="5257800" y="1600200"/>
+            <a:ext cx="3810000" cy="923330"/>
+          </a:xfrm>
+          <a:prstGeom prst="rect">
+            <a:avLst/>
+          </a:prstGeom>
+          <a:solidFill>
+            <a:schemeClr val="bg2"/>
+          </a:solidFill>
+        </p:spPr>
+        <p:txBody>
+          <a:bodyPr wrap="square">
+            <a:spAutoFit/>
+          </a:bodyPr>
+          <a:lstStyle/>
+          <a:p>
+            <a:r>
+              <a:rPr lang="en-US" dirty="0" smtClean="0">
+                <a:latin typeface="Calibri" charset="0"/>
+              </a:rPr>
+              <a:t>Class: </a:t>
+            </a:r>
+            <a:r>
+              <a:rPr lang="en-US" b="1" dirty="0" smtClean="0">
+                <a:latin typeface="Calibri" charset="0"/>
+              </a:rPr>
+              <a:t>cell nucleus</a:t>
+            </a:r>
+          </a:p>
+          <a:p>
+            <a:r>
+              <a:rPr lang="en-US" dirty="0" smtClean="0">
+                <a:latin typeface="Calibri" charset="0"/>
+              </a:rPr>
+              <a:t>Annotations: </a:t>
+            </a:r>
+            <a:r>
+              <a:rPr lang="en-US" dirty="0" err="1" smtClean="0">
+                <a:latin typeface="Calibri" charset="0"/>
+              </a:rPr>
+              <a:t>disconnected_from</a:t>
+            </a:r>
+            <a:r>
+              <a:rPr lang="en-US" dirty="0" smtClean="0">
+                <a:latin typeface="Calibri" charset="0"/>
+              </a:rPr>
+              <a:t> cytoplasm</a:t>
+            </a:r>
+            <a:endParaRPr lang="en-US" b="1" dirty="0" smtClean="0">
+              <a:latin typeface="Calibri" charset="0"/>
+            </a:endParaRPr>
+          </a:p>
+        </p:txBody>
+      </p:sp>
+      <p:sp>
+        <p:nvSpPr>
           <p:cNvPr id="2" name="Title 1"/>
           <p:cNvSpPr>
             <a:spLocks noGrp="1"/>
@@ -6237,7 +6757,7 @@
           <a:p>
             <a:r>
               <a:rPr lang="en-US" dirty="0" smtClean="0"/>
-              <a:t>OBO Relation Ontology</a:t>
+              <a:t>Expansion of axioms</a:t>
             </a:r>
             <a:endParaRPr lang="en-US" dirty="0"/>
           </a:p>
@@ -6245,20 +6765,313 @@
       </p:sp>
       <p:sp>
         <p:nvSpPr>
-          <p:cNvPr id="3" name="Content Placeholder 2"/>
-          <p:cNvSpPr>
-            <a:spLocks noGrp="1"/>
-          </p:cNvSpPr>
-          <p:nvPr>
-            <p:ph idx="1"/>
-          </p:nvPr>
-        </p:nvSpPr>
-        <p:spPr/>
-        <p:txBody>
-          <a:bodyPr/>
-          <a:lstStyle/>
-          <a:p>
+          <p:cNvPr id="4" name="Rectangle 3"/>
+          <p:cNvSpPr/>
+          <p:nvPr/>
+        </p:nvSpPr>
+        <p:spPr>
+          <a:xfrm>
+            <a:off x="457200" y="1600200"/>
+            <a:ext cx="4572000" cy="1523494"/>
+          </a:xfrm>
+          <a:prstGeom prst="rect">
+            <a:avLst/>
+          </a:prstGeom>
+        </p:spPr>
+        <p:txBody>
+          <a:bodyPr wrap="square">
+            <a:spAutoFit/>
+          </a:bodyPr>
+          <a:lstStyle/>
+          <a:p>
+            <a:pPr>
+              <a:buFont typeface="Arial" charset="0"/>
+              <a:buNone/>
+            </a:pPr>
+            <a:r>
+              <a:rPr lang="en-US" sz="2400" b="1" dirty="0" err="1" smtClean="0"/>
+              <a:t>ObjectProperty</a:t>
+            </a:r>
+            <a:r>
+              <a:rPr lang="en-US" sz="2400" dirty="0" smtClean="0"/>
+              <a:t>: </a:t>
+            </a:r>
+            <a:r>
+              <a:rPr lang="en-US" sz="2400" dirty="0" err="1" smtClean="0"/>
+              <a:t>disconnected_from</a:t>
+            </a:r>
+            <a:endParaRPr lang="en-US" sz="2400" dirty="0" smtClean="0"/>
+          </a:p>
+          <a:p>
+            <a:pPr>
+              <a:buFont typeface="Arial" charset="0"/>
+              <a:buNone/>
+            </a:pPr>
+            <a:r>
+              <a:rPr lang="en-US" sz="2400" b="1" dirty="0" smtClean="0"/>
+              <a:t>Annotations</a:t>
+            </a:r>
+            <a:r>
+              <a:rPr lang="en-US" sz="2400" dirty="0" smtClean="0"/>
+              <a:t>: </a:t>
+            </a:r>
+            <a:r>
+              <a:rPr lang="en-US" sz="2400" dirty="0" err="1" smtClean="0"/>
+              <a:t>expandAssertionTo</a:t>
+            </a:r>
+            <a:r>
+              <a:rPr lang="en-US" sz="2400" dirty="0" smtClean="0"/>
+              <a:t> “</a:t>
+            </a:r>
+            <a:r>
+              <a:rPr lang="en-US" sz="2400" dirty="0" smtClean="0"/>
+              <a:t/>
+            </a:r>
+            <a:br>
+              <a:rPr lang="en-US" sz="2400" dirty="0" smtClean="0"/>
+            </a:br>
+            <a:r>
+              <a:rPr lang="en-US" sz="1700" dirty="0" smtClean="0"/>
+              <a:t> (</a:t>
+            </a:r>
+            <a:r>
+              <a:rPr lang="en-US" sz="1700" b="1" dirty="0" smtClean="0"/>
+              <a:t>part_of</a:t>
+            </a:r>
+            <a:r>
+              <a:rPr lang="en-US" sz="1700" dirty="0" smtClean="0"/>
+              <a:t> </a:t>
+            </a:r>
+            <a:r>
+              <a:rPr lang="en-US" sz="1700" dirty="0" smtClean="0"/>
+              <a:t> </a:t>
+            </a:r>
+            <a:r>
+              <a:rPr lang="en-US" sz="1600" i="1" dirty="0" smtClean="0">
+                <a:solidFill>
+                  <a:srgbClr val="FF0000"/>
+                </a:solidFill>
+              </a:rPr>
+              <a:t>?X) </a:t>
+            </a:r>
+            <a:r>
+              <a:rPr lang="en-US" sz="1700" b="1" i="1" dirty="0" err="1" smtClean="0"/>
+              <a:t>DisjointWith</a:t>
+            </a:r>
+            <a:r>
+              <a:rPr lang="en-US" sz="1700" b="1" i="1" dirty="0" smtClean="0"/>
+              <a:t> </a:t>
+            </a:r>
+            <a:r>
+              <a:rPr lang="en-US" sz="1700" dirty="0" smtClean="0"/>
+              <a:t> (</a:t>
+            </a:r>
+            <a:r>
+              <a:rPr lang="en-US" sz="1700" b="1" dirty="0" smtClean="0"/>
+              <a:t>part_of</a:t>
+            </a:r>
+            <a:r>
+              <a:rPr lang="en-US" sz="1700" dirty="0" smtClean="0"/>
+              <a:t>  </a:t>
+            </a:r>
+            <a:r>
+              <a:rPr lang="en-US" sz="1600" i="1" dirty="0" smtClean="0">
+                <a:solidFill>
+                  <a:srgbClr val="FF0000"/>
+                </a:solidFill>
+              </a:rPr>
+              <a:t>?Y )</a:t>
+            </a:r>
+            <a:r>
+              <a:rPr lang="en-US" sz="1700" b="1" i="1" dirty="0" smtClean="0"/>
+              <a:t> </a:t>
+            </a:r>
+            <a:r>
+              <a:rPr lang="en-US" sz="2100" dirty="0" smtClean="0"/>
+              <a:t>”</a:t>
+            </a:r>
+            <a:endParaRPr lang="en-US" sz="2100" dirty="0" smtClean="0"/>
+          </a:p>
+        </p:txBody>
+      </p:sp>
+      <p:sp>
+        <p:nvSpPr>
+          <p:cNvPr id="7" name="Rectangle 6"/>
+          <p:cNvSpPr/>
+          <p:nvPr/>
+        </p:nvSpPr>
+        <p:spPr>
+          <a:xfrm>
+            <a:off x="5257800" y="3962400"/>
+            <a:ext cx="3810000" cy="646331"/>
+          </a:xfrm>
+          <a:prstGeom prst="rect">
+            <a:avLst/>
+          </a:prstGeom>
+          <a:solidFill>
+            <a:schemeClr val="accent1">
+              <a:lumMod val="40000"/>
+              <a:lumOff val="60000"/>
+            </a:schemeClr>
+          </a:solidFill>
+        </p:spPr>
+        <p:txBody>
+          <a:bodyPr wrap="square">
+            <a:spAutoFit/>
+          </a:bodyPr>
+          <a:lstStyle/>
+          <a:p>
+            <a:r>
+              <a:rPr lang="en-US" dirty="0" smtClean="0"/>
+              <a:t>(</a:t>
+            </a:r>
+            <a:r>
+              <a:rPr lang="en-US" b="1" dirty="0" smtClean="0"/>
+              <a:t>part_of ‘</a:t>
+            </a:r>
+            <a:r>
+              <a:rPr lang="en-US" dirty="0" smtClean="0"/>
+              <a:t>cell nucleus</a:t>
+            </a:r>
+            <a:r>
+              <a:rPr lang="en-US" b="1" dirty="0" smtClean="0"/>
+              <a:t>’</a:t>
+            </a:r>
+            <a:r>
+              <a:rPr lang="en-US" b="1" dirty="0" smtClean="0"/>
+              <a:t>) </a:t>
+            </a:r>
+            <a:r>
+              <a:rPr lang="en-US" i="1" dirty="0" smtClean="0">
+                <a:solidFill>
+                  <a:srgbClr val="FF0000"/>
+                </a:solidFill>
+              </a:rPr>
+              <a:t> </a:t>
+            </a:r>
+            <a:r>
+              <a:rPr lang="en-US" b="1" i="1" dirty="0" err="1" smtClean="0"/>
+              <a:t>DisjointWith</a:t>
+            </a:r>
+            <a:r>
+              <a:rPr lang="en-US" b="1" i="1" dirty="0" smtClean="0"/>
+              <a:t> </a:t>
+            </a:r>
+            <a:r>
+              <a:rPr lang="en-US" dirty="0" smtClean="0"/>
+              <a:t> (</a:t>
+            </a:r>
+            <a:r>
+              <a:rPr lang="en-US" b="1" dirty="0" smtClean="0"/>
+              <a:t>part_of</a:t>
+            </a:r>
+            <a:r>
+              <a:rPr lang="en-US" dirty="0" smtClean="0"/>
+              <a:t> ‘cytoplasm’)</a:t>
+            </a:r>
+            <a:r>
+              <a:rPr lang="en-US" b="1" i="1" dirty="0" smtClean="0"/>
+              <a:t> </a:t>
+            </a:r>
+            <a:endParaRPr lang="en-US" b="1" dirty="0" smtClean="0">
+              <a:latin typeface="Calibri" charset="0"/>
+            </a:endParaRPr>
+          </a:p>
+        </p:txBody>
+      </p:sp>
+      <p:sp>
+        <p:nvSpPr>
+          <p:cNvPr id="8" name="Down Arrow 7"/>
+          <p:cNvSpPr/>
+          <p:nvPr/>
+        </p:nvSpPr>
+        <p:spPr>
+          <a:xfrm>
+            <a:off x="6324600" y="2895600"/>
+            <a:ext cx="304800" cy="762000"/>
+          </a:xfrm>
+          <a:prstGeom prst="downArrow">
+            <a:avLst/>
+          </a:prstGeom>
+        </p:spPr>
+        <p:style>
+          <a:lnRef idx="1">
+            <a:schemeClr val="accent1"/>
+          </a:lnRef>
+          <a:fillRef idx="3">
+            <a:schemeClr val="accent1"/>
+          </a:fillRef>
+          <a:effectRef idx="2">
+            <a:schemeClr val="accent1"/>
+          </a:effectRef>
+          <a:fontRef idx="minor">
+            <a:schemeClr val="lt1"/>
+          </a:fontRef>
+        </p:style>
+        <p:txBody>
+          <a:bodyPr rtlCol="0" anchor="ctr"/>
+          <a:lstStyle/>
+          <a:p>
+            <a:pPr algn="ctr"/>
             <a:endParaRPr lang="en-US"/>
+          </a:p>
+        </p:txBody>
+      </p:sp>
+      <p:sp>
+        <p:nvSpPr>
+          <p:cNvPr id="9" name="Rectangle 8"/>
+          <p:cNvSpPr/>
+          <p:nvPr/>
+        </p:nvSpPr>
+        <p:spPr>
+          <a:xfrm>
+            <a:off x="7010400" y="1230868"/>
+            <a:ext cx="609487" cy="523220"/>
+          </a:xfrm>
+          <a:prstGeom prst="rect">
+            <a:avLst/>
+          </a:prstGeom>
+        </p:spPr>
+        <p:txBody>
+          <a:bodyPr wrap="none">
+            <a:spAutoFit/>
+          </a:bodyPr>
+          <a:lstStyle/>
+          <a:p>
+            <a:r>
+              <a:rPr lang="en-US" sz="2800" b="1" dirty="0" smtClean="0"/>
+              <a:t>O1</a:t>
+            </a:r>
+            <a:endParaRPr lang="en-US" sz="2800" b="1" dirty="0"/>
+          </a:p>
+        </p:txBody>
+      </p:sp>
+      <p:sp>
+        <p:nvSpPr>
+          <p:cNvPr id="10" name="Rectangle 9"/>
+          <p:cNvSpPr/>
+          <p:nvPr/>
+        </p:nvSpPr>
+        <p:spPr>
+          <a:xfrm>
+            <a:off x="7010400" y="3439180"/>
+            <a:ext cx="609487" cy="523220"/>
+          </a:xfrm>
+          <a:prstGeom prst="rect">
+            <a:avLst/>
+          </a:prstGeom>
+        </p:spPr>
+        <p:txBody>
+          <a:bodyPr wrap="none">
+            <a:spAutoFit/>
+          </a:bodyPr>
+          <a:lstStyle/>
+          <a:p>
+            <a:r>
+              <a:rPr lang="en-US" sz="2800" b="1" dirty="0" smtClean="0"/>
+              <a:t>O2</a:t>
+            </a:r>
+            <a:endParaRPr lang="en-US" sz="2800" b="1" dirty="0"/>
           </a:p>
         </p:txBody>
       </p:sp>
@@ -6271,6 +7084,73 @@
 </file>
 
 <file path=ppt/slides/slide21.xml><?xml version="1.0" encoding="utf-8"?>
+<p:sld xmlns:a="http://schemas.openxmlformats.org/drawingml/2006/main" xmlns:r="http://schemas.openxmlformats.org/officeDocument/2006/relationships" xmlns:mc="http://schemas.openxmlformats.org/markup-compatibility/2006" xmlns:mv="urn:schemas-microsoft-com:mac:vml" xmlns:p="http://schemas.openxmlformats.org/presentationml/2006/main" mc:Ignorable="mv" mc:PreserveAttributes="mv:*">
+  <p:cSld>
+    <p:spTree>
+      <p:nvGrpSpPr>
+        <p:cNvPr id="1" name=""/>
+        <p:cNvGrpSpPr/>
+        <p:nvPr/>
+      </p:nvGrpSpPr>
+      <p:grpSpPr>
+        <a:xfrm>
+          <a:off x="0" y="0"/>
+          <a:ext cx="0" cy="0"/>
+          <a:chOff x="0" y="0"/>
+          <a:chExt cx="0" cy="0"/>
+        </a:xfrm>
+      </p:grpSpPr>
+      <p:sp>
+        <p:nvSpPr>
+          <p:cNvPr id="2" name="Title 1"/>
+          <p:cNvSpPr>
+            <a:spLocks noGrp="1"/>
+          </p:cNvSpPr>
+          <p:nvPr>
+            <p:ph type="title"/>
+          </p:nvPr>
+        </p:nvSpPr>
+        <p:spPr/>
+        <p:txBody>
+          <a:bodyPr/>
+          <a:lstStyle/>
+          <a:p>
+            <a:r>
+              <a:rPr lang="en-US" dirty="0" smtClean="0"/>
+              <a:t>OBO Relation Ontology</a:t>
+            </a:r>
+            <a:endParaRPr lang="en-US" dirty="0"/>
+          </a:p>
+        </p:txBody>
+      </p:sp>
+      <p:sp>
+        <p:nvSpPr>
+          <p:cNvPr id="3" name="Content Placeholder 2"/>
+          <p:cNvSpPr>
+            <a:spLocks noGrp="1"/>
+          </p:cNvSpPr>
+          <p:nvPr>
+            <p:ph idx="1"/>
+          </p:nvPr>
+        </p:nvSpPr>
+        <p:spPr/>
+        <p:txBody>
+          <a:bodyPr/>
+          <a:lstStyle/>
+          <a:p>
+            <a:endParaRPr lang="en-US"/>
+          </a:p>
+        </p:txBody>
+      </p:sp>
+    </p:spTree>
+  </p:cSld>
+  <p:clrMapOvr>
+    <a:masterClrMapping/>
+  </p:clrMapOvr>
+</p:sld>
+</file>
+
+<file path=ppt/slides/slide22.xml><?xml version="1.0" encoding="utf-8"?>
 <p:sld xmlns:a="http://schemas.openxmlformats.org/drawingml/2006/main" xmlns:r="http://schemas.openxmlformats.org/officeDocument/2006/relationships" xmlns:mc="http://schemas.openxmlformats.org/markup-compatibility/2006" xmlns:mv="urn:schemas-microsoft-com:mac:vml" xmlns:p="http://schemas.openxmlformats.org/presentationml/2006/main" mc:Ignorable="mv" mc:PreserveAttributes="mv:*">
   <p:cSld>
     <p:spTree>
@@ -8193,7 +9073,7 @@
       </p:grpSpPr>
       <p:sp>
         <p:nvSpPr>
-          <p:cNvPr id="2" name="Title 1"/>
+          <p:cNvPr id="15362" name="Title 1"/>
           <p:cNvSpPr>
             <a:spLocks noGrp="1"/>
           </p:cNvSpPr>
@@ -8207,10 +9087,9 @@
           <a:lstStyle/>
           <a:p>
             <a:r>
-              <a:rPr lang="en-US" dirty="0" smtClean="0"/>
+              <a:rPr lang="en-US" smtClean="0"/>
               <a:t>Requirements</a:t>
             </a:r>
-            <a:endParaRPr lang="en-US" dirty="0"/>
           </a:p>
         </p:txBody>
       </p:sp>
@@ -8226,67 +9105,129 @@
         </p:nvSpPr>
         <p:spPr/>
         <p:txBody>
-          <a:bodyPr/>
-          <a:lstStyle/>
-          <a:p>
-            <a:r>
-              <a:rPr lang="en-US" dirty="0" smtClean="0"/>
+          <a:bodyPr>
+            <a:normAutofit/>
+          </a:bodyPr>
+          <a:lstStyle/>
+          <a:p>
+            <a:pPr>
+              <a:lnSpc>
+                <a:spcPct val="90000"/>
+              </a:lnSpc>
+            </a:pPr>
+            <a:r>
+              <a:rPr lang="en-US" sz="2700" smtClean="0"/>
               <a:t>Use shortcut object properties </a:t>
             </a:r>
             <a:r>
-              <a:rPr lang="en-US" b="1" dirty="0" smtClean="0"/>
+              <a:rPr lang="en-US" sz="2700" b="1" smtClean="0"/>
               <a:t>within </a:t>
             </a:r>
             <a:r>
-              <a:rPr lang="en-US" dirty="0" smtClean="0"/>
+              <a:rPr lang="en-US" sz="2700" smtClean="0"/>
               <a:t>OWL</a:t>
             </a:r>
           </a:p>
           <a:p>
-            <a:pPr lvl="1"/>
-            <a:r>
-              <a:rPr lang="en-US" dirty="0" smtClean="0"/>
+            <a:pPr lvl="1">
+              <a:lnSpc>
+                <a:spcPct val="90000"/>
+              </a:lnSpc>
+            </a:pPr>
+            <a:r>
+              <a:rPr lang="en-US" sz="2400" smtClean="0"/>
               <a:t>not translated from other syntax</a:t>
             </a:r>
           </a:p>
           <a:p>
-            <a:pPr lvl="1"/>
-            <a:r>
-              <a:rPr lang="en-US" dirty="0" smtClean="0"/>
+            <a:pPr lvl="1">
+              <a:lnSpc>
+                <a:spcPct val="90000"/>
+              </a:lnSpc>
+            </a:pPr>
+            <a:r>
+              <a:rPr lang="en-US" sz="2400" smtClean="0"/>
               <a:t>use existing OWL environment</a:t>
             </a:r>
           </a:p>
           <a:p>
-            <a:endParaRPr lang="en-US" dirty="0" smtClean="0"/>
-          </a:p>
-          <a:p>
-            <a:r>
-              <a:rPr lang="en-US" dirty="0" smtClean="0"/>
+            <a:pPr>
+              <a:lnSpc>
+                <a:spcPct val="90000"/>
+              </a:lnSpc>
+            </a:pPr>
+            <a:r>
+              <a:rPr lang="en-US" sz="2700" smtClean="0"/>
               <a:t>Expanding axioms should only produce </a:t>
             </a:r>
             <a:r>
-              <a:rPr lang="en-US" b="1" dirty="0" smtClean="0"/>
+              <a:rPr lang="en-US" sz="2700" b="1" smtClean="0"/>
               <a:t>new </a:t>
             </a:r>
             <a:r>
-              <a:rPr lang="en-US" dirty="0" smtClean="0"/>
+              <a:rPr lang="en-US" sz="2700" smtClean="0"/>
               <a:t>inferences</a:t>
             </a:r>
           </a:p>
           <a:p>
-            <a:pPr lvl="1"/>
-            <a:r>
-              <a:rPr lang="en-US" dirty="0" err="1" smtClean="0"/>
-              <a:t>monotonicity</a:t>
-            </a:r>
-            <a:endParaRPr lang="en-US" dirty="0" smtClean="0"/>
-          </a:p>
-          <a:p>
-            <a:pPr lvl="1"/>
-            <a:endParaRPr lang="en-US" dirty="0" smtClean="0"/>
-          </a:p>
-          <a:p>
-            <a:endParaRPr lang="en-US" dirty="0"/>
+            <a:pPr>
+              <a:lnSpc>
+                <a:spcPct val="90000"/>
+              </a:lnSpc>
+            </a:pPr>
+            <a:r>
+              <a:rPr lang="en-US" sz="2700" smtClean="0"/>
+              <a:t>Shortcuts should be able to annotation properties</a:t>
+            </a:r>
+          </a:p>
+          <a:p>
+            <a:pPr>
+              <a:lnSpc>
+                <a:spcPct val="90000"/>
+              </a:lnSpc>
+            </a:pPr>
+            <a:r>
+              <a:rPr lang="en-US" sz="2700" smtClean="0"/>
+              <a:t>Should be able to assert multiple statements, annotations (e.g. for provenance)</a:t>
+            </a:r>
+          </a:p>
+          <a:p>
+            <a:pPr>
+              <a:lnSpc>
+                <a:spcPct val="90000"/>
+              </a:lnSpc>
+            </a:pPr>
+            <a:r>
+              <a:rPr lang="en-US" sz="2700" smtClean="0"/>
+              <a:t>Expansions should be able to be re-definable, re-runnable (so debuggable)</a:t>
+            </a:r>
+          </a:p>
+          <a:p>
+            <a:pPr>
+              <a:lnSpc>
+                <a:spcPct val="90000"/>
+              </a:lnSpc>
+            </a:pPr>
+            <a:r>
+              <a:rPr lang="en-US" sz="2700" smtClean="0"/>
+              <a:t>(nice to have): Real abstraction/programming language</a:t>
+            </a:r>
+          </a:p>
+          <a:p>
+            <a:pPr lvl="1">
+              <a:lnSpc>
+                <a:spcPct val="90000"/>
+              </a:lnSpc>
+            </a:pPr>
+            <a:endParaRPr lang="en-US" sz="2400" smtClean="0"/>
+          </a:p>
+          <a:p>
+            <a:pPr>
+              <a:lnSpc>
+                <a:spcPct val="90000"/>
+              </a:lnSpc>
+            </a:pPr>
+            <a:endParaRPr lang="en-US" sz="2700" smtClean="0"/>
           </a:p>
         </p:txBody>
       </p:sp>
@@ -8614,4 +9555,322 @@
   </a:objectDefaults>
   <a:extraClrSchemeLst/>
 </a:theme>
+</file>
+
+<file path=ppt/theme/theme2.xml><?xml version="1.0" encoding="utf-8"?>
+<a:theme xmlns:a="http://schemas.openxmlformats.org/drawingml/2006/main" name="Office Theme">
+  <a:themeElements>
+    <a:clrScheme name="Office">
+      <a:dk1>
+        <a:sysClr val="windowText" lastClr="000000"/>
+      </a:dk1>
+      <a:lt1>
+        <a:sysClr val="window" lastClr="FFFFFF"/>
+      </a:lt1>
+      <a:dk2>
+        <a:srgbClr val="1F497D"/>
+      </a:dk2>
+      <a:lt2>
+        <a:srgbClr val="EEECE1"/>
+      </a:lt2>
+      <a:accent1>
+        <a:srgbClr val="4F81BD"/>
+      </a:accent1>
+      <a:accent2>
+        <a:srgbClr val="C0504D"/>
+      </a:accent2>
+      <a:accent3>
+        <a:srgbClr val="9BBB59"/>
+      </a:accent3>
+      <a:accent4>
+        <a:srgbClr val="8064A2"/>
+      </a:accent4>
+      <a:accent5>
+        <a:srgbClr val="4BACC6"/>
+      </a:accent5>
+      <a:accent6>
+        <a:srgbClr val="F79646"/>
+      </a:accent6>
+      <a:hlink>
+        <a:srgbClr val="0000FF"/>
+      </a:hlink>
+      <a:folHlink>
+        <a:srgbClr val="800080"/>
+      </a:folHlink>
+    </a:clrScheme>
+    <a:fontScheme name="Office">
+      <a:majorFont>
+        <a:latin typeface="Calibri"/>
+        <a:ea typeface=""/>
+        <a:cs typeface=""/>
+        <a:font script="Jpan" typeface="ＭＳ Ｐゴシック"/>
+        <a:font script="Hang" typeface="맑은 고딕"/>
+        <a:font script="Hans" typeface="宋体"/>
+        <a:font script="Hant" typeface="新細明體"/>
+        <a:font script="Arab" typeface="Times New Roman"/>
+        <a:font script="Hebr" typeface="Times New Roman"/>
+        <a:font script="Thai" typeface="Angsana New"/>
+        <a:font script="Ethi" typeface="Nyala"/>
+        <a:font script="Beng" typeface="Vrinda"/>
+        <a:font script="Gujr" typeface="Shruti"/>
+        <a:font script="Khmr" typeface="MoolBoran"/>
+        <a:font script="Knda" typeface="Tunga"/>
+        <a:font script="Guru" typeface="Raavi"/>
+        <a:font script="Cans" typeface="Euphemia"/>
+        <a:font script="Cher" typeface="Plantagenet Cherokee"/>
+        <a:font script="Yiii" typeface="Microsoft Yi Baiti"/>
+        <a:font script="Tibt" typeface="Microsoft Himalaya"/>
+        <a:font script="Thaa" typeface="MV Boli"/>
+        <a:font script="Deva" typeface="Mangal"/>
+        <a:font script="Telu" typeface="Gautami"/>
+        <a:font script="Taml" typeface="Latha"/>
+        <a:font script="Syrc" typeface="Estrangelo Edessa"/>
+        <a:font script="Orya" typeface="Kalinga"/>
+        <a:font script="Mlym" typeface="Kartika"/>
+        <a:font script="Laoo" typeface="DokChampa"/>
+        <a:font script="Sinh" typeface="Iskoola Pota"/>
+        <a:font script="Mong" typeface="Mongolian Baiti"/>
+        <a:font script="Viet" typeface="Times New Roman"/>
+        <a:font script="Uigh" typeface="Microsoft Uighur"/>
+      </a:majorFont>
+      <a:minorFont>
+        <a:latin typeface="Calibri"/>
+        <a:ea typeface=""/>
+        <a:cs typeface=""/>
+        <a:font script="Jpan" typeface="ＭＳ Ｐゴシック"/>
+        <a:font script="Hang" typeface="맑은 고딕"/>
+        <a:font script="Hans" typeface="宋体"/>
+        <a:font script="Hant" typeface="新細明體"/>
+        <a:font script="Arab" typeface="Arial"/>
+        <a:font script="Hebr" typeface="Arial"/>
+        <a:font script="Thai" typeface="Cordia New"/>
+        <a:font script="Ethi" typeface="Nyala"/>
+        <a:font script="Beng" typeface="Vrinda"/>
+        <a:font script="Gujr" typeface="Shruti"/>
+        <a:font script="Khmr" typeface="DaunPenh"/>
+        <a:font script="Knda" typeface="Tunga"/>
+        <a:font script="Guru" typeface="Raavi"/>
+        <a:font script="Cans" typeface="Euphemia"/>
+        <a:font script="Cher" typeface="Plantagenet Cherokee"/>
+        <a:font script="Yiii" typeface="Microsoft Yi Baiti"/>
+        <a:font script="Tibt" typeface="Microsoft Himalaya"/>
+        <a:font script="Thaa" typeface="MV Boli"/>
+        <a:font script="Deva" typeface="Mangal"/>
+        <a:font script="Telu" typeface="Gautami"/>
+        <a:font script="Taml" typeface="Latha"/>
+        <a:font script="Syrc" typeface="Estrangelo Edessa"/>
+        <a:font script="Orya" typeface="Kalinga"/>
+        <a:font script="Mlym" typeface="Kartika"/>
+        <a:font script="Laoo" typeface="DokChampa"/>
+        <a:font script="Sinh" typeface="Iskoola Pota"/>
+        <a:font script="Mong" typeface="Mongolian Baiti"/>
+        <a:font script="Viet" typeface="Arial"/>
+        <a:font script="Uigh" typeface="Microsoft Uighur"/>
+      </a:minorFont>
+    </a:fontScheme>
+    <a:fmtScheme name="Office">
+      <a:fillStyleLst>
+        <a:solidFill>
+          <a:schemeClr val="phClr"/>
+        </a:solidFill>
+        <a:gradFill rotWithShape="1">
+          <a:gsLst>
+            <a:gs pos="0">
+              <a:schemeClr val="phClr">
+                <a:tint val="50000"/>
+                <a:satMod val="300000"/>
+              </a:schemeClr>
+            </a:gs>
+            <a:gs pos="35000">
+              <a:schemeClr val="phClr">
+                <a:tint val="37000"/>
+                <a:satMod val="300000"/>
+              </a:schemeClr>
+            </a:gs>
+            <a:gs pos="100000">
+              <a:schemeClr val="phClr">
+                <a:tint val="15000"/>
+                <a:satMod val="350000"/>
+              </a:schemeClr>
+            </a:gs>
+          </a:gsLst>
+          <a:lin ang="16200000" scaled="1"/>
+        </a:gradFill>
+        <a:gradFill rotWithShape="1">
+          <a:gsLst>
+            <a:gs pos="0">
+              <a:schemeClr val="phClr">
+                <a:tint val="100000"/>
+                <a:shade val="100000"/>
+                <a:satMod val="130000"/>
+              </a:schemeClr>
+            </a:gs>
+            <a:gs pos="100000">
+              <a:schemeClr val="phClr">
+                <a:tint val="50000"/>
+                <a:shade val="100000"/>
+                <a:satMod val="350000"/>
+              </a:schemeClr>
+            </a:gs>
+          </a:gsLst>
+          <a:lin ang="16200000" scaled="0"/>
+        </a:gradFill>
+      </a:fillStyleLst>
+      <a:lnStyleLst>
+        <a:ln w="9525" cap="flat" cmpd="sng" algn="ctr">
+          <a:solidFill>
+            <a:schemeClr val="phClr">
+              <a:shade val="95000"/>
+              <a:satMod val="105000"/>
+            </a:schemeClr>
+          </a:solidFill>
+          <a:prstDash val="solid"/>
+        </a:ln>
+        <a:ln w="25400" cap="flat" cmpd="sng" algn="ctr">
+          <a:solidFill>
+            <a:schemeClr val="phClr"/>
+          </a:solidFill>
+          <a:prstDash val="solid"/>
+        </a:ln>
+        <a:ln w="38100" cap="flat" cmpd="sng" algn="ctr">
+          <a:solidFill>
+            <a:schemeClr val="phClr"/>
+          </a:solidFill>
+          <a:prstDash val="solid"/>
+        </a:ln>
+      </a:lnStyleLst>
+      <a:effectStyleLst>
+        <a:effectStyle>
+          <a:effectLst>
+            <a:outerShdw blurRad="40000" dist="20000" dir="5400000" rotWithShape="0">
+              <a:srgbClr val="000000">
+                <a:alpha val="38000"/>
+              </a:srgbClr>
+            </a:outerShdw>
+          </a:effectLst>
+        </a:effectStyle>
+        <a:effectStyle>
+          <a:effectLst>
+            <a:outerShdw blurRad="40000" dist="23000" dir="5400000" rotWithShape="0">
+              <a:srgbClr val="000000">
+                <a:alpha val="35000"/>
+              </a:srgbClr>
+            </a:outerShdw>
+          </a:effectLst>
+        </a:effectStyle>
+        <a:effectStyle>
+          <a:effectLst>
+            <a:outerShdw blurRad="40000" dist="23000" dir="5400000" rotWithShape="0">
+              <a:srgbClr val="000000">
+                <a:alpha val="35000"/>
+              </a:srgbClr>
+            </a:outerShdw>
+          </a:effectLst>
+          <a:scene3d>
+            <a:camera prst="orthographicFront">
+              <a:rot lat="0" lon="0" rev="0"/>
+            </a:camera>
+            <a:lightRig rig="threePt" dir="t">
+              <a:rot lat="0" lon="0" rev="1200000"/>
+            </a:lightRig>
+          </a:scene3d>
+          <a:sp3d>
+            <a:bevelT w="63500" h="25400"/>
+          </a:sp3d>
+        </a:effectStyle>
+      </a:effectStyleLst>
+      <a:bgFillStyleLst>
+        <a:solidFill>
+          <a:schemeClr val="phClr"/>
+        </a:solidFill>
+        <a:gradFill rotWithShape="1">
+          <a:gsLst>
+            <a:gs pos="0">
+              <a:schemeClr val="phClr">
+                <a:tint val="40000"/>
+                <a:satMod val="350000"/>
+              </a:schemeClr>
+            </a:gs>
+            <a:gs pos="40000">
+              <a:schemeClr val="phClr">
+                <a:tint val="45000"/>
+                <a:shade val="99000"/>
+                <a:satMod val="350000"/>
+              </a:schemeClr>
+            </a:gs>
+            <a:gs pos="100000">
+              <a:schemeClr val="phClr">
+                <a:shade val="20000"/>
+                <a:satMod val="255000"/>
+              </a:schemeClr>
+            </a:gs>
+          </a:gsLst>
+          <a:path path="circle">
+            <a:fillToRect l="50000" t="-80000" r="50000" b="180000"/>
+          </a:path>
+        </a:gradFill>
+        <a:gradFill rotWithShape="1">
+          <a:gsLst>
+            <a:gs pos="0">
+              <a:schemeClr val="phClr">
+                <a:tint val="80000"/>
+                <a:satMod val="300000"/>
+              </a:schemeClr>
+            </a:gs>
+            <a:gs pos="100000">
+              <a:schemeClr val="phClr">
+                <a:shade val="30000"/>
+                <a:satMod val="200000"/>
+              </a:schemeClr>
+            </a:gs>
+          </a:gsLst>
+          <a:path path="circle">
+            <a:fillToRect l="50000" t="50000" r="50000" b="50000"/>
+          </a:path>
+        </a:gradFill>
+      </a:bgFillStyleLst>
+    </a:fmtScheme>
+  </a:themeElements>
+  <a:objectDefaults>
+    <a:spDef>
+      <a:spPr/>
+      <a:bodyPr/>
+      <a:lstStyle/>
+      <a:style>
+        <a:lnRef idx="1">
+          <a:schemeClr val="accent1"/>
+        </a:lnRef>
+        <a:fillRef idx="3">
+          <a:schemeClr val="accent1"/>
+        </a:fillRef>
+        <a:effectRef idx="2">
+          <a:schemeClr val="accent1"/>
+        </a:effectRef>
+        <a:fontRef idx="minor">
+          <a:schemeClr val="lt1"/>
+        </a:fontRef>
+      </a:style>
+    </a:spDef>
+    <a:lnDef>
+      <a:spPr/>
+      <a:bodyPr/>
+      <a:lstStyle/>
+      <a:style>
+        <a:lnRef idx="2">
+          <a:schemeClr val="accent1"/>
+        </a:lnRef>
+        <a:fillRef idx="0">
+          <a:schemeClr val="accent1"/>
+        </a:fillRef>
+        <a:effectRef idx="1">
+          <a:schemeClr val="accent1"/>
+        </a:effectRef>
+        <a:fontRef idx="minor">
+          <a:schemeClr val="tx1"/>
+        </a:fontRef>
+      </a:style>
+    </a:lnDef>
+  </a:objectDefaults>
+  <a:extraClrSchemeLst/>
+</a:theme>
 </file>
--- a/papers/owled-macros-panel.pptx
+++ b/papers/owled-macros-panel.pptx
@@ -4493,10 +4493,10 @@
               <a:t>EquivalentTo</a:t>
             </a:r>
             <a:r>
-              <a:rPr lang="en-US" smtClean="0"/>
+              <a:rPr lang="en-US" dirty="0" smtClean="0"/>
               <a:t>, …</a:t>
             </a:r>
-            <a:endParaRPr lang="en-US" smtClean="0"/>
+            <a:endParaRPr lang="en-US" dirty="0" smtClean="0"/>
           </a:p>
           <a:p>
             <a:endParaRPr lang="en-US" dirty="0"/>
@@ -7112,12 +7112,14 @@
         </p:nvSpPr>
         <p:spPr/>
         <p:txBody>
-          <a:bodyPr/>
-          <a:lstStyle/>
-          <a:p>
-            <a:r>
-              <a:rPr lang="en-US" dirty="0" smtClean="0"/>
-              <a:t>OBO Relation Ontology</a:t>
+          <a:bodyPr>
+            <a:normAutofit fontScale="90000"/>
+          </a:bodyPr>
+          <a:lstStyle/>
+          <a:p>
+            <a:r>
+              <a:rPr lang="en-US" dirty="0" smtClean="0"/>
+              <a:t>Open Bio Ontologies Relation Ontology</a:t>
             </a:r>
             <a:endParaRPr lang="en-US" dirty="0"/>
           </a:p>
@@ -7135,10 +7137,46 @@
         </p:nvSpPr>
         <p:spPr/>
         <p:txBody>
-          <a:bodyPr/>
-          <a:lstStyle/>
-          <a:p>
-            <a:endParaRPr lang="en-US"/>
+          <a:bodyPr>
+            <a:normAutofit lnSpcReduction="10000"/>
+          </a:bodyPr>
+          <a:lstStyle/>
+          <a:p>
+            <a:r>
+              <a:rPr lang="en-US" dirty="0" smtClean="0"/>
+              <a:t>Collection of relations for use in the biological and biomedical sciences</a:t>
+            </a:r>
+          </a:p>
+          <a:p>
+            <a:r>
+              <a:rPr lang="en-US" dirty="0" smtClean="0"/>
+              <a:t>Principles:</a:t>
+            </a:r>
+          </a:p>
+          <a:p>
+            <a:pPr lvl="1"/>
+            <a:r>
+              <a:rPr lang="en-US" dirty="0" smtClean="0"/>
+              <a:t>relations must be defined in terms of more basic primitive relations</a:t>
+            </a:r>
+          </a:p>
+          <a:p>
+            <a:pPr lvl="1"/>
+            <a:r>
+              <a:rPr lang="en-US" dirty="0" smtClean="0"/>
+              <a:t>these basic relations live in BFO (Basic Formal Ontology)</a:t>
+            </a:r>
+          </a:p>
+          <a:p>
+            <a:r>
+              <a:rPr lang="en-US" dirty="0" smtClean="0"/>
+              <a:t>We are using the macro expansions </a:t>
+            </a:r>
+            <a:r>
+              <a:rPr lang="en-US" smtClean="0"/>
+              <a:t>as definitions </a:t>
+            </a:r>
+            <a:endParaRPr lang="en-US" dirty="0"/>
           </a:p>
         </p:txBody>
       </p:sp>
@@ -7184,7 +7222,7 @@
           <a:p>
             <a:r>
               <a:rPr lang="en-US" dirty="0" smtClean="0"/>
-              <a:t>Conclusions</a:t>
+              <a:t>Open Discussion</a:t>
             </a:r>
             <a:endParaRPr lang="en-US" dirty="0"/>
           </a:p>
@@ -7207,19 +7245,19 @@
           <a:p>
             <a:r>
               <a:rPr lang="en-US" dirty="0" smtClean="0"/>
-              <a:t>Hand authoring complex OWL is difficult</a:t>
-            </a:r>
-          </a:p>
-          <a:p>
-            <a:r>
-              <a:rPr lang="en-US" dirty="0" smtClean="0"/>
-              <a:t>Different people approach this differently</a:t>
-            </a:r>
-          </a:p>
-          <a:p>
-            <a:r>
-              <a:rPr lang="en-US" dirty="0" smtClean="0"/>
-              <a:t>We want a single standard solution</a:t>
+              <a:t>Do others find authoring complex OWL axioms difficult/repetitive?</a:t>
+            </a:r>
+          </a:p>
+          <a:p>
+            <a:r>
+              <a:rPr lang="en-US" dirty="0" smtClean="0"/>
+              <a:t>What approach do you use?</a:t>
+            </a:r>
+          </a:p>
+          <a:p>
+            <a:r>
+              <a:rPr lang="en-US" dirty="0" smtClean="0"/>
+              <a:t>Should we have a standard solution?</a:t>
             </a:r>
             <a:endParaRPr lang="en-US" dirty="0"/>
           </a:p>

--- a/papers/owled-macros-panel.pptx
+++ b/papers/owled-macros-panel.pptx
@@ -3829,7 +3829,17 @@
             <a:pPr lvl="1"/>
             <a:r>
               <a:rPr lang="en-US" dirty="0" smtClean="0"/>
-              <a:t>Example: overlaps &lt;- has_part </a:t>
+              <a:t>Example: overlaps </a:t>
+            </a:r>
+            <a:r>
+              <a:rPr lang="en-US" dirty="0" err="1" smtClean="0">
+                <a:sym typeface="Wingdings"/>
+              </a:rPr>
+              <a:t></a:t>
+            </a:r>
+            <a:r>
+              <a:rPr lang="en-US" dirty="0" smtClean="0"/>
+              <a:t> has_part </a:t>
             </a:r>
             <a:r>
               <a:rPr lang="en-US" dirty="0" err="1" smtClean="0"/>
@@ -3868,7 +3878,17 @@
             <a:pPr lvl="2"/>
             <a:r>
               <a:rPr lang="en-US" dirty="0" smtClean="0"/>
-              <a:t>?X R ?Y -&gt; X </a:t>
+              <a:t>?X R ?Y </a:t>
+            </a:r>
+            <a:r>
+              <a:rPr lang="en-US" dirty="0" err="1" smtClean="0">
+                <a:sym typeface="Wingdings"/>
+              </a:rPr>
+              <a:t></a:t>
+            </a:r>
+            <a:r>
+              <a:rPr lang="en-US" dirty="0" smtClean="0"/>
+              <a:t> X </a:t>
             </a:r>
             <a:r>
               <a:rPr lang="en-US" dirty="0" err="1" smtClean="0"/>
@@ -6611,7 +6631,9 @@
         </p:nvSpPr>
         <p:spPr/>
         <p:txBody>
-          <a:bodyPr/>
+          <a:bodyPr>
+            <a:normAutofit fontScale="92500"/>
+          </a:bodyPr>
           <a:lstStyle/>
           <a:p>
             <a:r>
@@ -6623,19 +6645,34 @@
             <a:pPr lvl="1"/>
             <a:r>
               <a:rPr lang="en-US" dirty="0" smtClean="0"/>
-              <a:t>Biological example</a:t>
-            </a:r>
-          </a:p>
-          <a:p>
-            <a:r>
-              <a:rPr lang="en-US" dirty="0" smtClean="0"/>
-              <a:t>Implementation choices</a:t>
-            </a:r>
-          </a:p>
-          <a:p>
-            <a:r>
-              <a:rPr lang="en-US" dirty="0" smtClean="0"/>
-              <a:t>Existing approaches</a:t>
+              <a:t>Biological example: neural networks</a:t>
+            </a:r>
+          </a:p>
+          <a:p>
+            <a:r>
+              <a:rPr lang="en-US" dirty="0" smtClean="0"/>
+              <a:t>Implementation choices and existing approaches</a:t>
+            </a:r>
+          </a:p>
+          <a:p>
+            <a:pPr lvl="1"/>
+            <a:r>
+              <a:rPr lang="en-US" dirty="0" smtClean="0"/>
+              <a:t>property chains</a:t>
+            </a:r>
+          </a:p>
+          <a:p>
+            <a:pPr lvl="1"/>
+            <a:r>
+              <a:rPr lang="en-US" dirty="0" smtClean="0"/>
+              <a:t>spreadsheet translation</a:t>
+            </a:r>
+          </a:p>
+          <a:p>
+            <a:pPr lvl="1"/>
+            <a:r>
+              <a:rPr lang="en-US" dirty="0" smtClean="0"/>
+              <a:t>OPPL/OPPL2</a:t>
             </a:r>
           </a:p>
           <a:p>
@@ -7144,7 +7181,7 @@
           <a:p>
             <a:r>
               <a:rPr lang="en-US" dirty="0" smtClean="0"/>
-              <a:t>Collection of relations for use in the biological and biomedical sciences</a:t>
+              <a:t>Collection of object properties for use in the biological and biomedical sciences</a:t>
             </a:r>
           </a:p>
           <a:p>
@@ -7170,11 +7207,7 @@
           <a:p>
             <a:r>
               <a:rPr lang="en-US" dirty="0" smtClean="0"/>
-              <a:t>We are using the macro expansions </a:t>
-            </a:r>
-            <a:r>
-              <a:rPr lang="en-US" smtClean="0"/>
-              <a:t>as definitions </a:t>
+              <a:t>We are using the macro expansions as definitions </a:t>
             </a:r>
             <a:endParaRPr lang="en-US" dirty="0"/>
           </a:p>
@@ -7258,6 +7291,16 @@
             <a:r>
               <a:rPr lang="en-US" dirty="0" smtClean="0"/>
               <a:t>Should we have a standard solution?</a:t>
+            </a:r>
+          </a:p>
+          <a:p>
+            <a:r>
+              <a:rPr lang="en-US" dirty="0" smtClean="0"/>
+              <a:t>Expansion </a:t>
+            </a:r>
+            <a:r>
+              <a:rPr lang="en-US" smtClean="0"/>
+              <a:t>in queries?</a:t>
             </a:r>
             <a:endParaRPr lang="en-US" dirty="0"/>
           </a:p>
@@ -8905,15 +8948,13 @@
               </a:rPr>
               <a:t>?Y</a:t>
             </a:r>
-          </a:p>
-          <a:p>
-            <a:pPr lvl="2">
-              <a:buFont typeface="Arial" charset="0"/>
-              <a:buNone/>
-            </a:pPr>
             <a:r>
               <a:rPr lang="en-US" sz="2100" dirty="0" smtClean="0"/>
-              <a:t>	)))</a:t>
+              <a:t>)</a:t>
+            </a:r>
+            <a:r>
+              <a:rPr lang="en-US" sz="2100" dirty="0" smtClean="0"/>
+              <a:t>))</a:t>
             </a:r>
             <a:r>
               <a:rPr lang="en-US" sz="2100" dirty="0" smtClean="0"/>
@@ -8990,7 +9031,7 @@
         <p:spPr/>
         <p:txBody>
           <a:bodyPr>
-            <a:normAutofit fontScale="92500"/>
+            <a:normAutofit fontScale="92500" lnSpcReduction="10000"/>
           </a:bodyPr>
           <a:lstStyle/>
           <a:p>
@@ -9056,6 +9097,13 @@
             <a:r>
               <a:rPr lang="en-US" dirty="0" smtClean="0"/>
               <a:t>we might want to modify representation choices later on</a:t>
+            </a:r>
+          </a:p>
+          <a:p>
+            <a:pPr lvl="3"/>
+            <a:r>
+              <a:rPr lang="en-US" dirty="0" smtClean="0"/>
+              <a:t>or defer (e.g. description graphs)</a:t>
             </a:r>
           </a:p>
           <a:p>

--- a/papers/owled-macros-panel.pptx
+++ b/papers/owled-macros-panel.pptx
@@ -3688,7 +3688,11 @@
           <a:p>
             <a:r>
               <a:rPr lang="en-US" dirty="0" smtClean="0"/>
-              <a:t>Replacement or addition</a:t>
+              <a:t>Replacement or addition or </a:t>
+            </a:r>
+            <a:r>
+              <a:rPr lang="en-US" smtClean="0"/>
+              <a:t>GCIs</a:t>
             </a:r>
           </a:p>
           <a:p>
@@ -7296,11 +7300,7 @@
           <a:p>
             <a:r>
               <a:rPr lang="en-US" dirty="0" smtClean="0"/>
-              <a:t>Expansion </a:t>
-            </a:r>
-            <a:r>
-              <a:rPr lang="en-US" smtClean="0"/>
-              <a:t>in queries?</a:t>
+              <a:t>Expansion in queries?</a:t>
             </a:r>
             <a:endParaRPr lang="en-US" dirty="0"/>
           </a:p>
